--- a/A-Day-of-JavaScript-Slides.pptx
+++ b/A-Day-of-JavaScript-Slides.pptx
@@ -5,7 +5,7 @@
     <p:sldMasterId id="2147483648" r:id="rId1"/>
   </p:sldMasterIdLst>
   <p:notesMasterIdLst>
-    <p:notesMasterId r:id="rId94"/>
+    <p:notesMasterId r:id="rId95"/>
   </p:notesMasterIdLst>
   <p:sldIdLst>
     <p:sldId id="460" r:id="rId2"/>
@@ -83,23 +83,24 @@
     <p:sldId id="430" r:id="rId74"/>
     <p:sldId id="422" r:id="rId75"/>
     <p:sldId id="415" r:id="rId76"/>
-    <p:sldId id="416" r:id="rId77"/>
-    <p:sldId id="451" r:id="rId78"/>
-    <p:sldId id="452" r:id="rId79"/>
-    <p:sldId id="455" r:id="rId80"/>
-    <p:sldId id="453" r:id="rId81"/>
-    <p:sldId id="454" r:id="rId82"/>
-    <p:sldId id="456" r:id="rId83"/>
-    <p:sldId id="457" r:id="rId84"/>
-    <p:sldId id="458" r:id="rId85"/>
-    <p:sldId id="459" r:id="rId86"/>
-    <p:sldId id="435" r:id="rId87"/>
-    <p:sldId id="425" r:id="rId88"/>
-    <p:sldId id="428" r:id="rId89"/>
-    <p:sldId id="429" r:id="rId90"/>
-    <p:sldId id="463" r:id="rId91"/>
-    <p:sldId id="464" r:id="rId92"/>
-    <p:sldId id="465" r:id="rId93"/>
+    <p:sldId id="466" r:id="rId77"/>
+    <p:sldId id="416" r:id="rId78"/>
+    <p:sldId id="451" r:id="rId79"/>
+    <p:sldId id="452" r:id="rId80"/>
+    <p:sldId id="455" r:id="rId81"/>
+    <p:sldId id="453" r:id="rId82"/>
+    <p:sldId id="454" r:id="rId83"/>
+    <p:sldId id="456" r:id="rId84"/>
+    <p:sldId id="457" r:id="rId85"/>
+    <p:sldId id="458" r:id="rId86"/>
+    <p:sldId id="459" r:id="rId87"/>
+    <p:sldId id="435" r:id="rId88"/>
+    <p:sldId id="425" r:id="rId89"/>
+    <p:sldId id="428" r:id="rId90"/>
+    <p:sldId id="429" r:id="rId91"/>
+    <p:sldId id="463" r:id="rId92"/>
+    <p:sldId id="464" r:id="rId93"/>
+    <p:sldId id="465" r:id="rId94"/>
   </p:sldIdLst>
   <p:sldSz cx="9144000" cy="5143500" type="screen16x9"/>
   <p:notesSz cx="6858000" cy="9144000"/>
@@ -299,7 +300,7 @@
           <a:p>
             <a:fld id="{83B6AA6D-E72A-DA4B-A1AE-4659647E1FC4}" type="datetimeFigureOut">
               <a:rPr lang="en-US" smtClean="0"/>
-              <a:t>3/12/17</a:t>
+              <a:t>3/26/17</a:t>
             </a:fld>
             <a:endParaRPr lang="en-US"/>
           </a:p>
@@ -3632,9 +3633,15 @@
           <a:bodyPr/>
           <a:lstStyle/>
           <a:p>
-            <a:endParaRPr lang="en-US" dirty="0" smtClean="0">
-              <a:sym typeface="Wingdings"/>
-            </a:endParaRPr>
+            <a:r>
+              <a:rPr lang="en-US" dirty="0" smtClean="0"/>
+              <a:t>Makes the DOM API way easier to work with.  Not going to look at today since we’re focused</a:t>
+            </a:r>
+            <a:r>
+              <a:rPr lang="en-US" baseline="0" dirty="0" smtClean="0"/>
+              <a:t> on working with vanilla JavaScript, but will see it in the while and not too hard to learn, especially once you know this.</a:t>
+            </a:r>
+            <a:endParaRPr lang="en-US" dirty="0"/>
           </a:p>
         </p:txBody>
       </p:sp>
@@ -3664,7 +3671,7 @@
     </p:spTree>
     <p:extLst>
       <p:ext uri="{BB962C8B-B14F-4D97-AF65-F5344CB8AC3E}">
-        <p14:creationId xmlns:p14="http://schemas.microsoft.com/office/powerpoint/2010/main" val="478448058"/>
+        <p14:creationId xmlns:p14="http://schemas.microsoft.com/office/powerpoint/2010/main" val="1925960278"/>
       </p:ext>
     </p:extLst>
   </p:cSld>
@@ -3718,7 +3725,9 @@
           <a:bodyPr/>
           <a:lstStyle/>
           <a:p>
-            <a:endParaRPr lang="en-US" dirty="0"/>
+            <a:endParaRPr lang="en-US" dirty="0" smtClean="0">
+              <a:sym typeface="Wingdings"/>
+            </a:endParaRPr>
           </a:p>
         </p:txBody>
       </p:sp>
@@ -3748,7 +3757,7 @@
     </p:spTree>
     <p:extLst>
       <p:ext uri="{BB962C8B-B14F-4D97-AF65-F5344CB8AC3E}">
-        <p14:creationId xmlns:p14="http://schemas.microsoft.com/office/powerpoint/2010/main" val="1054018907"/>
+        <p14:creationId xmlns:p14="http://schemas.microsoft.com/office/powerpoint/2010/main" val="478448058"/>
       </p:ext>
     </p:extLst>
   </p:cSld>
@@ -3832,7 +3841,7 @@
     </p:spTree>
     <p:extLst>
       <p:ext uri="{BB962C8B-B14F-4D97-AF65-F5344CB8AC3E}">
-        <p14:creationId xmlns:p14="http://schemas.microsoft.com/office/powerpoint/2010/main" val="707399689"/>
+        <p14:creationId xmlns:p14="http://schemas.microsoft.com/office/powerpoint/2010/main" val="1054018907"/>
       </p:ext>
     </p:extLst>
   </p:cSld>
@@ -3974,10 +3983,6 @@
           <a:bodyPr/>
           <a:lstStyle/>
           <a:p>
-            <a:r>
-              <a:rPr lang="en-US" dirty="0" smtClean="0"/>
-              <a:t>Show live WordPress JSON</a:t>
-            </a:r>
             <a:endParaRPr lang="en-US" dirty="0"/>
           </a:p>
         </p:txBody>
@@ -4008,7 +4013,7 @@
     </p:spTree>
     <p:extLst>
       <p:ext uri="{BB962C8B-B14F-4D97-AF65-F5344CB8AC3E}">
-        <p14:creationId xmlns:p14="http://schemas.microsoft.com/office/powerpoint/2010/main" val="1764022781"/>
+        <p14:creationId xmlns:p14="http://schemas.microsoft.com/office/powerpoint/2010/main" val="707399689"/>
       </p:ext>
     </p:extLst>
   </p:cSld>
@@ -4062,6 +4067,10 @@
           <a:bodyPr/>
           <a:lstStyle/>
           <a:p>
+            <a:r>
+              <a:rPr lang="en-US" dirty="0" smtClean="0"/>
+              <a:t>Show live WordPress JSON</a:t>
+            </a:r>
             <a:endParaRPr lang="en-US" dirty="0"/>
           </a:p>
         </p:txBody>
@@ -4092,7 +4101,7 @@
     </p:spTree>
     <p:extLst>
       <p:ext uri="{BB962C8B-B14F-4D97-AF65-F5344CB8AC3E}">
-        <p14:creationId xmlns:p14="http://schemas.microsoft.com/office/powerpoint/2010/main" val="1413888968"/>
+        <p14:creationId xmlns:p14="http://schemas.microsoft.com/office/powerpoint/2010/main" val="1764022781"/>
       </p:ext>
     </p:extLst>
   </p:cSld>
@@ -4176,7 +4185,7 @@
     </p:spTree>
     <p:extLst>
       <p:ext uri="{BB962C8B-B14F-4D97-AF65-F5344CB8AC3E}">
-        <p14:creationId xmlns:p14="http://schemas.microsoft.com/office/powerpoint/2010/main" val="581580901"/>
+        <p14:creationId xmlns:p14="http://schemas.microsoft.com/office/powerpoint/2010/main" val="1413888968"/>
       </p:ext>
     </p:extLst>
   </p:cSld>
@@ -4230,10 +4239,6 @@
           <a:bodyPr/>
           <a:lstStyle/>
           <a:p>
-            <a:r>
-              <a:rPr lang="en-US" dirty="0" smtClean="0"/>
-              <a:t>Practice</a:t>
-            </a:r>
             <a:endParaRPr lang="en-US" dirty="0"/>
           </a:p>
         </p:txBody>
@@ -4264,7 +4269,7 @@
     </p:spTree>
     <p:extLst>
       <p:ext uri="{BB962C8B-B14F-4D97-AF65-F5344CB8AC3E}">
-        <p14:creationId xmlns:p14="http://schemas.microsoft.com/office/powerpoint/2010/main" val="1345368224"/>
+        <p14:creationId xmlns:p14="http://schemas.microsoft.com/office/powerpoint/2010/main" val="581580901"/>
       </p:ext>
     </p:extLst>
   </p:cSld>
@@ -4318,6 +4323,10 @@
           <a:bodyPr/>
           <a:lstStyle/>
           <a:p>
+            <a:r>
+              <a:rPr lang="en-US" dirty="0" smtClean="0"/>
+              <a:t>Practice</a:t>
+            </a:r>
             <a:endParaRPr lang="en-US" dirty="0"/>
           </a:p>
         </p:txBody>
@@ -4348,7 +4357,7 @@
     </p:spTree>
     <p:extLst>
       <p:ext uri="{BB962C8B-B14F-4D97-AF65-F5344CB8AC3E}">
-        <p14:creationId xmlns:p14="http://schemas.microsoft.com/office/powerpoint/2010/main" val="2121541790"/>
+        <p14:creationId xmlns:p14="http://schemas.microsoft.com/office/powerpoint/2010/main" val="1345368224"/>
       </p:ext>
     </p:extLst>
   </p:cSld>
@@ -4432,7 +4441,7 @@
     </p:spTree>
     <p:extLst>
       <p:ext uri="{BB962C8B-B14F-4D97-AF65-F5344CB8AC3E}">
-        <p14:creationId xmlns:p14="http://schemas.microsoft.com/office/powerpoint/2010/main" val="1996924719"/>
+        <p14:creationId xmlns:p14="http://schemas.microsoft.com/office/powerpoint/2010/main" val="2121541790"/>
       </p:ext>
     </p:extLst>
   </p:cSld>
@@ -4486,10 +4495,6 @@
           <a:bodyPr/>
           <a:lstStyle/>
           <a:p>
-            <a:r>
-              <a:rPr lang="en-US" dirty="0" smtClean="0"/>
-              <a:t>Practice</a:t>
-            </a:r>
             <a:endParaRPr lang="en-US" dirty="0"/>
           </a:p>
         </p:txBody>
@@ -4520,7 +4525,7 @@
     </p:spTree>
     <p:extLst>
       <p:ext uri="{BB962C8B-B14F-4D97-AF65-F5344CB8AC3E}">
-        <p14:creationId xmlns:p14="http://schemas.microsoft.com/office/powerpoint/2010/main" val="1408130665"/>
+        <p14:creationId xmlns:p14="http://schemas.microsoft.com/office/powerpoint/2010/main" val="1996924719"/>
       </p:ext>
     </p:extLst>
   </p:cSld>
@@ -4574,6 +4579,10 @@
           <a:bodyPr/>
           <a:lstStyle/>
           <a:p>
+            <a:r>
+              <a:rPr lang="en-US" dirty="0" smtClean="0"/>
+              <a:t>Practice</a:t>
+            </a:r>
             <a:endParaRPr lang="en-US" dirty="0"/>
           </a:p>
         </p:txBody>
@@ -4604,7 +4613,7 @@
     </p:spTree>
     <p:extLst>
       <p:ext uri="{BB962C8B-B14F-4D97-AF65-F5344CB8AC3E}">
-        <p14:creationId xmlns:p14="http://schemas.microsoft.com/office/powerpoint/2010/main" val="1896395111"/>
+        <p14:creationId xmlns:p14="http://schemas.microsoft.com/office/powerpoint/2010/main" val="1408130665"/>
       </p:ext>
     </p:extLst>
   </p:cSld>
@@ -4658,9 +4667,7 @@
           <a:bodyPr/>
           <a:lstStyle/>
           <a:p>
-            <a:endParaRPr lang="en-US" dirty="0" smtClean="0">
-              <a:sym typeface="Wingdings"/>
-            </a:endParaRPr>
+            <a:endParaRPr lang="en-US" dirty="0"/>
           </a:p>
         </p:txBody>
       </p:sp>
@@ -4681,7 +4688,7 @@
           <a:p>
             <a:fld id="{0FF14FD4-8482-CC41-A2CF-24894EA3C62A}" type="slidenum">
               <a:rPr lang="en-US" smtClean="0"/>
-              <a:t>90</a:t>
+              <a:t>87</a:t>
             </a:fld>
             <a:endParaRPr lang="en-US"/>
           </a:p>
@@ -4690,7 +4697,7 @@
     </p:spTree>
     <p:extLst>
       <p:ext uri="{BB962C8B-B14F-4D97-AF65-F5344CB8AC3E}">
-        <p14:creationId xmlns:p14="http://schemas.microsoft.com/office/powerpoint/2010/main" val="823571471"/>
+        <p14:creationId xmlns:p14="http://schemas.microsoft.com/office/powerpoint/2010/main" val="1896395111"/>
       </p:ext>
     </p:extLst>
   </p:cSld>
@@ -4744,15 +4751,9 @@
           <a:bodyPr/>
           <a:lstStyle/>
           <a:p>
-            <a:r>
-              <a:rPr lang="en-US" dirty="0" smtClean="0"/>
-              <a:t>Makes the DOM API way easier to work with.  Not going to look at today since we’re focused</a:t>
-            </a:r>
-            <a:r>
-              <a:rPr lang="en-US" baseline="0" dirty="0" smtClean="0"/>
-              <a:t> on working with vanilla JavaScript, but will see it in the while and not too hard to learn, especially once you know this.</a:t>
-            </a:r>
-            <a:endParaRPr lang="en-US" dirty="0"/>
+            <a:endParaRPr lang="en-US" dirty="0" smtClean="0">
+              <a:sym typeface="Wingdings"/>
+            </a:endParaRPr>
           </a:p>
         </p:txBody>
       </p:sp>
@@ -4782,7 +4783,7 @@
     </p:spTree>
     <p:extLst>
       <p:ext uri="{BB962C8B-B14F-4D97-AF65-F5344CB8AC3E}">
-        <p14:creationId xmlns:p14="http://schemas.microsoft.com/office/powerpoint/2010/main" val="118614416"/>
+        <p14:creationId xmlns:p14="http://schemas.microsoft.com/office/powerpoint/2010/main" val="823571471"/>
       </p:ext>
     </p:extLst>
   </p:cSld>
@@ -4946,9 +4947,15 @@
           <a:bodyPr/>
           <a:lstStyle/>
           <a:p>
-            <a:endParaRPr lang="en-US" dirty="0" smtClean="0">
-              <a:sym typeface="Wingdings"/>
-            </a:endParaRPr>
+            <a:r>
+              <a:rPr lang="en-US" dirty="0" smtClean="0"/>
+              <a:t>Makes the DOM API way easier to work with.  Not going to look at today since we’re focused</a:t>
+            </a:r>
+            <a:r>
+              <a:rPr lang="en-US" baseline="0" dirty="0" smtClean="0"/>
+              <a:t> on working with vanilla JavaScript, but will see it in the while and not too hard to learn, especially once you know this.</a:t>
+            </a:r>
+            <a:endParaRPr lang="en-US" dirty="0"/>
           </a:p>
         </p:txBody>
       </p:sp>
@@ -4970,6 +4977,92 @@
             <a:fld id="{0FF14FD4-8482-CC41-A2CF-24894EA3C62A}" type="slidenum">
               <a:rPr lang="en-US" smtClean="0"/>
               <a:t>92</a:t>
+            </a:fld>
+            <a:endParaRPr lang="en-US"/>
+          </a:p>
+        </p:txBody>
+      </p:sp>
+    </p:spTree>
+    <p:extLst>
+      <p:ext uri="{BB962C8B-B14F-4D97-AF65-F5344CB8AC3E}">
+        <p14:creationId xmlns:p14="http://schemas.microsoft.com/office/powerpoint/2010/main" val="118614416"/>
+      </p:ext>
+    </p:extLst>
+  </p:cSld>
+  <p:clrMapOvr>
+    <a:masterClrMapping/>
+  </p:clrMapOvr>
+</p:notes>
+</file>
+
+<file path=ppt/notesSlides/notesSlide51.xml><?xml version="1.0" encoding="utf-8"?>
+<p:notes xmlns:a="http://schemas.openxmlformats.org/drawingml/2006/main" xmlns:r="http://schemas.openxmlformats.org/officeDocument/2006/relationships" xmlns:p="http://schemas.openxmlformats.org/presentationml/2006/main">
+  <p:cSld>
+    <p:spTree>
+      <p:nvGrpSpPr>
+        <p:cNvPr id="1" name=""/>
+        <p:cNvGrpSpPr/>
+        <p:nvPr/>
+      </p:nvGrpSpPr>
+      <p:grpSpPr>
+        <a:xfrm>
+          <a:off x="0" y="0"/>
+          <a:ext cx="0" cy="0"/>
+          <a:chOff x="0" y="0"/>
+          <a:chExt cx="0" cy="0"/>
+        </a:xfrm>
+      </p:grpSpPr>
+      <p:sp>
+        <p:nvSpPr>
+          <p:cNvPr id="2" name="Slide Image Placeholder 1"/>
+          <p:cNvSpPr>
+            <a:spLocks noGrp="1" noRot="1" noChangeAspect="1"/>
+          </p:cNvSpPr>
+          <p:nvPr>
+            <p:ph type="sldImg"/>
+          </p:nvPr>
+        </p:nvSpPr>
+        <p:spPr/>
+      </p:sp>
+      <p:sp>
+        <p:nvSpPr>
+          <p:cNvPr id="3" name="Notes Placeholder 2"/>
+          <p:cNvSpPr>
+            <a:spLocks noGrp="1"/>
+          </p:cNvSpPr>
+          <p:nvPr>
+            <p:ph type="body" idx="1"/>
+          </p:nvPr>
+        </p:nvSpPr>
+        <p:spPr/>
+        <p:txBody>
+          <a:bodyPr/>
+          <a:lstStyle/>
+          <a:p>
+            <a:endParaRPr lang="en-US" dirty="0" smtClean="0">
+              <a:sym typeface="Wingdings"/>
+            </a:endParaRPr>
+          </a:p>
+        </p:txBody>
+      </p:sp>
+      <p:sp>
+        <p:nvSpPr>
+          <p:cNvPr id="4" name="Slide Number Placeholder 3"/>
+          <p:cNvSpPr>
+            <a:spLocks noGrp="1"/>
+          </p:cNvSpPr>
+          <p:nvPr>
+            <p:ph type="sldNum" sz="quarter" idx="10"/>
+          </p:nvPr>
+        </p:nvSpPr>
+        <p:spPr/>
+        <p:txBody>
+          <a:bodyPr/>
+          <a:lstStyle/>
+          <a:p>
+            <a:fld id="{0FF14FD4-8482-CC41-A2CF-24894EA3C62A}" type="slidenum">
+              <a:rPr lang="en-US" smtClean="0"/>
+              <a:t>93</a:t>
             </a:fld>
             <a:endParaRPr lang="en-US"/>
           </a:p>
@@ -18991,11 +19084,7 @@
           <a:p>
             <a:r>
               <a:rPr lang="en-US" dirty="0" smtClean="0"/>
-              <a:t>Let us </a:t>
-            </a:r>
-            <a:r>
-              <a:rPr lang="en-US" smtClean="0"/>
-              <a:t>perform an action on a collection of items.</a:t>
+              <a:t>Let us perform an action on a collection of items.</a:t>
             </a:r>
             <a:endParaRPr lang="en-US" dirty="0"/>
           </a:p>
@@ -21088,7 +21177,7 @@
           <a:lstStyle/>
           <a:p>
             <a:r>
-              <a:rPr lang="en-US" smtClean="0"/>
+              <a:rPr lang="en-US" dirty="0" smtClean="0"/>
               <a:t>Tests to determine what code to run</a:t>
             </a:r>
             <a:endParaRPr lang="en-US" dirty="0"/>
@@ -36818,98 +36907,37 @@
             <a:spLocks noGrp="1"/>
           </p:cNvSpPr>
           <p:nvPr>
-            <p:ph type="title"/>
-          </p:nvPr>
-        </p:nvSpPr>
-        <p:spPr/>
-        <p:txBody>
-          <a:bodyPr/>
-          <a:lstStyle/>
-          <a:p>
-            <a:r>
-              <a:rPr lang="en-US" dirty="0" smtClean="0"/>
-              <a:t>JSON &amp; HTTP</a:t>
-            </a:r>
-            <a:endParaRPr lang="en-US" dirty="0"/>
-          </a:p>
-        </p:txBody>
-      </p:sp>
-      <p:sp>
-        <p:nvSpPr>
-          <p:cNvPr id="3" name="Content Placeholder 2"/>
-          <p:cNvSpPr>
-            <a:spLocks noGrp="1"/>
-          </p:cNvSpPr>
-          <p:nvPr>
-            <p:ph idx="1"/>
+            <p:ph type="ctrTitle"/>
           </p:nvPr>
         </p:nvSpPr>
         <p:spPr>
           <a:xfrm>
-            <a:off x="609600" y="1246909"/>
-            <a:ext cx="7924800" cy="3488864"/>
+            <a:off x="685800" y="1535430"/>
+            <a:ext cx="7772400" cy="1102519"/>
           </a:xfrm>
         </p:spPr>
         <p:txBody>
           <a:bodyPr/>
           <a:lstStyle/>
           <a:p>
-            <a:pPr marL="457200" indent="-457200">
-              <a:buFont typeface="+mj-lt"/>
-              <a:buAutoNum type="arabicPeriod"/>
-            </a:pPr>
-            <a:endParaRPr lang="en-US" dirty="0" smtClean="0"/>
-          </a:p>
-          <a:p>
-            <a:pPr marL="457200" indent="-457200">
-              <a:buFont typeface="+mj-lt"/>
-              <a:buAutoNum type="arabicPeriod"/>
-            </a:pPr>
-            <a:endParaRPr lang="en-US" dirty="0" smtClean="0"/>
-          </a:p>
-          <a:p>
-            <a:pPr marL="457200" indent="-457200">
-              <a:buFont typeface="+mj-lt"/>
-              <a:buAutoNum type="arabicPeriod"/>
-            </a:pPr>
-            <a:r>
-              <a:rPr lang="en-US" dirty="0" smtClean="0"/>
-              <a:t>JSON Overview</a:t>
-            </a:r>
-          </a:p>
-          <a:p>
-            <a:pPr marL="457200" indent="-457200">
-              <a:buFont typeface="+mj-lt"/>
-              <a:buAutoNum type="arabicPeriod"/>
-            </a:pPr>
-            <a:r>
-              <a:rPr lang="en-US" dirty="0" smtClean="0"/>
-              <a:t>HTTP Requests with Fetch </a:t>
-            </a:r>
-          </a:p>
-          <a:p>
-            <a:pPr marL="457200" indent="-457200">
-              <a:buFont typeface="+mj-lt"/>
-              <a:buAutoNum type="arabicPeriod"/>
-            </a:pPr>
-            <a:r>
-              <a:rPr lang="en-US" dirty="0" smtClean="0"/>
-              <a:t>Pulling </a:t>
-            </a:r>
-            <a:r>
-              <a:rPr lang="en-US" dirty="0"/>
-              <a:t>in </a:t>
-            </a:r>
-            <a:r>
-              <a:rPr lang="en-US" dirty="0" smtClean="0"/>
-              <a:t>WordPress API Content</a:t>
-            </a:r>
+            <a:r>
+              <a:rPr lang="en-US" sz="4200" dirty="0" smtClean="0"/>
+              <a:t>Using the WP API</a:t>
+            </a:r>
+            <a:br>
+              <a:rPr lang="en-US" sz="4200" dirty="0" smtClean="0"/>
+            </a:br>
+            <a:r>
+              <a:rPr lang="en-US" sz="4200" dirty="0"/>
+              <a:t>with Native JavaScript</a:t>
+            </a:r>
+            <a:endParaRPr lang="en-US" sz="4200" dirty="0"/>
           </a:p>
         </p:txBody>
       </p:sp>
       <p:sp>
         <p:nvSpPr>
-          <p:cNvPr id="4" name="Content Placeholder 3"/>
+          <p:cNvPr id="3" name="Content Placeholder 2"/>
           <p:cNvSpPr>
             <a:spLocks noGrp="1"/>
           </p:cNvSpPr>
@@ -36923,17 +36951,234 @@
           <a:lstStyle/>
           <a:p>
             <a:r>
-              <a:rPr lang="en-US" dirty="0" smtClean="0"/>
+              <a:rPr lang="en-US" dirty="0"/>
               <a:t>JSON &amp; HTTP</a:t>
             </a:r>
             <a:endParaRPr lang="en-US" dirty="0"/>
+          </a:p>
+        </p:txBody>
+      </p:sp>
+      <p:sp>
+        <p:nvSpPr>
+          <p:cNvPr id="4" name="Content Placeholder 2"/>
+          <p:cNvSpPr txBox="1">
+            <a:spLocks/>
+          </p:cNvSpPr>
+          <p:nvPr/>
+        </p:nvSpPr>
+        <p:spPr>
+          <a:xfrm>
+            <a:off x="609600" y="2816352"/>
+            <a:ext cx="7924800" cy="1275350"/>
+          </a:xfrm>
+          <a:prstGeom prst="rect">
+            <a:avLst/>
+          </a:prstGeom>
+        </p:spPr>
+        <p:txBody>
+          <a:bodyPr/>
+          <a:lstStyle>
+            <a:lvl1pPr marL="251460" indent="-251460" algn="l" defTabSz="914400" rtl="0" eaLnBrk="1" latinLnBrk="0" hangingPunct="1">
+              <a:lnSpc>
+                <a:spcPct val="110000"/>
+              </a:lnSpc>
+              <a:spcBef>
+                <a:spcPts val="800"/>
+              </a:spcBef>
+              <a:buFont typeface="Arial" panose="020B0604020202020204" pitchFamily="34" charset="0"/>
+              <a:buChar char="•"/>
+              <a:defRPr sz="2400" kern="1200">
+                <a:solidFill>
+                  <a:schemeClr val="tx1"/>
+                </a:solidFill>
+                <a:latin typeface="+mn-lt"/>
+                <a:ea typeface="+mn-ea"/>
+                <a:cs typeface="+mn-cs"/>
+              </a:defRPr>
+            </a:lvl1pPr>
+            <a:lvl2pPr marL="742950" indent="-285750" algn="l" defTabSz="914400" rtl="0" eaLnBrk="1" latinLnBrk="0" hangingPunct="1">
+              <a:lnSpc>
+                <a:spcPct val="110000"/>
+              </a:lnSpc>
+              <a:spcBef>
+                <a:spcPts val="800"/>
+              </a:spcBef>
+              <a:buFont typeface="Arial" panose="020B0604020202020204" pitchFamily="34" charset="0"/>
+              <a:buChar char="–"/>
+              <a:defRPr sz="2000" kern="1200">
+                <a:solidFill>
+                  <a:schemeClr val="tx1"/>
+                </a:solidFill>
+                <a:latin typeface="+mn-lt"/>
+                <a:ea typeface="+mn-ea"/>
+                <a:cs typeface="+mn-cs"/>
+              </a:defRPr>
+            </a:lvl2pPr>
+            <a:lvl3pPr marL="1143000" indent="-228600" algn="l" defTabSz="914400" rtl="0" eaLnBrk="1" latinLnBrk="0" hangingPunct="1">
+              <a:lnSpc>
+                <a:spcPct val="110000"/>
+              </a:lnSpc>
+              <a:spcBef>
+                <a:spcPts val="800"/>
+              </a:spcBef>
+              <a:buFont typeface="Arial" panose="020B0604020202020204" pitchFamily="34" charset="0"/>
+              <a:buChar char="•"/>
+              <a:defRPr sz="1800" kern="1200">
+                <a:solidFill>
+                  <a:schemeClr val="tx1"/>
+                </a:solidFill>
+                <a:latin typeface="+mn-lt"/>
+                <a:ea typeface="+mn-ea"/>
+                <a:cs typeface="+mn-cs"/>
+              </a:defRPr>
+            </a:lvl3pPr>
+            <a:lvl4pPr marL="1600200" indent="-228600" algn="l" defTabSz="914400" rtl="0" eaLnBrk="1" latinLnBrk="0" hangingPunct="1">
+              <a:lnSpc>
+                <a:spcPct val="110000"/>
+              </a:lnSpc>
+              <a:spcBef>
+                <a:spcPts val="800"/>
+              </a:spcBef>
+              <a:buFont typeface="Arial" panose="020B0604020202020204" pitchFamily="34" charset="0"/>
+              <a:buChar char="–"/>
+              <a:defRPr sz="1600" kern="1200">
+                <a:solidFill>
+                  <a:schemeClr val="tx1"/>
+                </a:solidFill>
+                <a:latin typeface="+mn-lt"/>
+                <a:ea typeface="+mn-ea"/>
+                <a:cs typeface="+mn-cs"/>
+              </a:defRPr>
+            </a:lvl4pPr>
+            <a:lvl5pPr marL="2057400" indent="-228600" algn="l" defTabSz="914400" rtl="0" eaLnBrk="1" latinLnBrk="0" hangingPunct="1">
+              <a:lnSpc>
+                <a:spcPct val="110000"/>
+              </a:lnSpc>
+              <a:spcBef>
+                <a:spcPts val="800"/>
+              </a:spcBef>
+              <a:buFont typeface="Arial" panose="020B0604020202020204" pitchFamily="34" charset="0"/>
+              <a:buChar char="»"/>
+              <a:defRPr sz="1600" kern="1200">
+                <a:solidFill>
+                  <a:schemeClr val="tx1"/>
+                </a:solidFill>
+                <a:latin typeface="+mn-lt"/>
+                <a:ea typeface="+mn-ea"/>
+                <a:cs typeface="+mn-cs"/>
+              </a:defRPr>
+            </a:lvl5pPr>
+            <a:lvl6pPr marL="2514600" indent="-228600" algn="l" defTabSz="914400" rtl="0" eaLnBrk="1" latinLnBrk="0" hangingPunct="1">
+              <a:spcBef>
+                <a:spcPct val="20000"/>
+              </a:spcBef>
+              <a:buFont typeface="Arial" panose="020B0604020202020204" pitchFamily="34" charset="0"/>
+              <a:buChar char="•"/>
+              <a:defRPr sz="2000" kern="1200">
+                <a:solidFill>
+                  <a:schemeClr val="tx1"/>
+                </a:solidFill>
+                <a:latin typeface="+mn-lt"/>
+                <a:ea typeface="+mn-ea"/>
+                <a:cs typeface="+mn-cs"/>
+              </a:defRPr>
+            </a:lvl6pPr>
+            <a:lvl7pPr marL="2971800" indent="-228600" algn="l" defTabSz="914400" rtl="0" eaLnBrk="1" latinLnBrk="0" hangingPunct="1">
+              <a:spcBef>
+                <a:spcPct val="20000"/>
+              </a:spcBef>
+              <a:buFont typeface="Arial" panose="020B0604020202020204" pitchFamily="34" charset="0"/>
+              <a:buChar char="•"/>
+              <a:defRPr sz="2000" kern="1200">
+                <a:solidFill>
+                  <a:schemeClr val="tx1"/>
+                </a:solidFill>
+                <a:latin typeface="+mn-lt"/>
+                <a:ea typeface="+mn-ea"/>
+                <a:cs typeface="+mn-cs"/>
+              </a:defRPr>
+            </a:lvl7pPr>
+            <a:lvl8pPr marL="3429000" indent="-228600" algn="l" defTabSz="914400" rtl="0" eaLnBrk="1" latinLnBrk="0" hangingPunct="1">
+              <a:spcBef>
+                <a:spcPct val="20000"/>
+              </a:spcBef>
+              <a:buFont typeface="Arial" panose="020B0604020202020204" pitchFamily="34" charset="0"/>
+              <a:buChar char="•"/>
+              <a:defRPr sz="2000" kern="1200">
+                <a:solidFill>
+                  <a:schemeClr val="tx1"/>
+                </a:solidFill>
+                <a:latin typeface="+mn-lt"/>
+                <a:ea typeface="+mn-ea"/>
+                <a:cs typeface="+mn-cs"/>
+              </a:defRPr>
+            </a:lvl8pPr>
+            <a:lvl9pPr marL="3886200" indent="-228600" algn="l" defTabSz="914400" rtl="0" eaLnBrk="1" latinLnBrk="0" hangingPunct="1">
+              <a:spcBef>
+                <a:spcPct val="20000"/>
+              </a:spcBef>
+              <a:buFont typeface="Arial" panose="020B0604020202020204" pitchFamily="34" charset="0"/>
+              <a:buChar char="•"/>
+              <a:defRPr sz="2000" kern="1200">
+                <a:solidFill>
+                  <a:schemeClr val="tx1"/>
+                </a:solidFill>
+                <a:latin typeface="+mn-lt"/>
+                <a:ea typeface="+mn-ea"/>
+                <a:cs typeface="+mn-cs"/>
+              </a:defRPr>
+            </a:lvl9pPr>
+          </a:lstStyle>
+          <a:p>
+            <a:pPr marL="0" indent="0" algn="ctr">
+              <a:buNone/>
+            </a:pPr>
+            <a:r>
+              <a:rPr lang="en-US" dirty="0" smtClean="0">
+                <a:solidFill>
+                  <a:schemeClr val="bg1"/>
+                </a:solidFill>
+              </a:rPr>
+              <a:t>Zac Gordon @</a:t>
+            </a:r>
+            <a:r>
+              <a:rPr lang="en-US" dirty="0" err="1" smtClean="0">
+                <a:solidFill>
+                  <a:schemeClr val="bg1"/>
+                </a:solidFill>
+              </a:rPr>
+              <a:t>zgordon</a:t>
+            </a:r>
+            <a:endParaRPr lang="en-US" dirty="0" smtClean="0">
+              <a:solidFill>
+                <a:schemeClr val="bg1"/>
+              </a:solidFill>
+            </a:endParaRPr>
+          </a:p>
+          <a:p>
+            <a:pPr marL="0" indent="0" algn="ctr">
+              <a:buNone/>
+            </a:pPr>
+            <a:r>
+              <a:rPr lang="en-US" dirty="0" smtClean="0">
+                <a:solidFill>
+                  <a:schemeClr val="bg1"/>
+                </a:solidFill>
+              </a:rPr>
+              <a:t>github.com/zgordon/a-day-of-javascript </a:t>
+            </a:r>
+            <a:endParaRPr lang="en-US" dirty="0">
+              <a:solidFill>
+                <a:schemeClr val="bg1"/>
+              </a:solidFill>
+            </a:endParaRPr>
           </a:p>
         </p:txBody>
       </p:sp>
     </p:spTree>
     <p:extLst>
       <p:ext uri="{BB962C8B-B14F-4D97-AF65-F5344CB8AC3E}">
-        <p14:creationId xmlns:p14="http://schemas.microsoft.com/office/powerpoint/2010/main" val="841159237"/>
+        <p14:creationId xmlns:p14="http://schemas.microsoft.com/office/powerpoint/2010/main" val="97988840"/>
       </p:ext>
     </p:extLst>
   </p:cSld>
@@ -36969,6 +37214,102 @@
       </p:grpSpPr>
       <p:sp>
         <p:nvSpPr>
+          <p:cNvPr id="2" name="Title 1"/>
+          <p:cNvSpPr>
+            <a:spLocks noGrp="1"/>
+          </p:cNvSpPr>
+          <p:nvPr>
+            <p:ph type="title"/>
+          </p:nvPr>
+        </p:nvSpPr>
+        <p:spPr/>
+        <p:txBody>
+          <a:bodyPr/>
+          <a:lstStyle/>
+          <a:p>
+            <a:r>
+              <a:rPr lang="en-US" dirty="0" smtClean="0"/>
+              <a:t>JSON &amp; HTTP</a:t>
+            </a:r>
+            <a:endParaRPr lang="en-US" dirty="0"/>
+          </a:p>
+        </p:txBody>
+      </p:sp>
+      <p:sp>
+        <p:nvSpPr>
+          <p:cNvPr id="3" name="Content Placeholder 2"/>
+          <p:cNvSpPr>
+            <a:spLocks noGrp="1"/>
+          </p:cNvSpPr>
+          <p:nvPr>
+            <p:ph idx="1"/>
+          </p:nvPr>
+        </p:nvSpPr>
+        <p:spPr>
+          <a:xfrm>
+            <a:off x="609600" y="1246909"/>
+            <a:ext cx="7924800" cy="3488864"/>
+          </a:xfrm>
+        </p:spPr>
+        <p:txBody>
+          <a:bodyPr/>
+          <a:lstStyle/>
+          <a:p>
+            <a:pPr marL="457200" indent="-457200">
+              <a:buFont typeface="+mj-lt"/>
+              <a:buAutoNum type="arabicPeriod"/>
+            </a:pPr>
+            <a:endParaRPr lang="en-US" dirty="0" smtClean="0"/>
+          </a:p>
+          <a:p>
+            <a:pPr marL="457200" indent="-457200">
+              <a:buFont typeface="+mj-lt"/>
+              <a:buAutoNum type="arabicPeriod"/>
+            </a:pPr>
+            <a:endParaRPr lang="en-US" dirty="0" smtClean="0"/>
+          </a:p>
+          <a:p>
+            <a:pPr marL="457200" indent="-457200">
+              <a:buFont typeface="+mj-lt"/>
+              <a:buAutoNum type="arabicPeriod"/>
+            </a:pPr>
+            <a:r>
+              <a:rPr lang="en-US" dirty="0" smtClean="0"/>
+              <a:t>JSON Overview</a:t>
+            </a:r>
+          </a:p>
+          <a:p>
+            <a:pPr marL="457200" indent="-457200">
+              <a:buFont typeface="+mj-lt"/>
+              <a:buAutoNum type="arabicPeriod"/>
+            </a:pPr>
+            <a:r>
+              <a:rPr lang="en-US" dirty="0" smtClean="0"/>
+              <a:t>HTTP Requests with Fetch </a:t>
+            </a:r>
+          </a:p>
+          <a:p>
+            <a:pPr marL="457200" indent="-457200">
+              <a:buFont typeface="+mj-lt"/>
+              <a:buAutoNum type="arabicPeriod"/>
+            </a:pPr>
+            <a:r>
+              <a:rPr lang="en-US" dirty="0" smtClean="0"/>
+              <a:t>Pulling </a:t>
+            </a:r>
+            <a:r>
+              <a:rPr lang="en-US" dirty="0"/>
+              <a:t>in </a:t>
+            </a:r>
+            <a:r>
+              <a:rPr lang="en-US" dirty="0" smtClean="0"/>
+              <a:t>WordPress API Content</a:t>
+            </a:r>
+          </a:p>
+        </p:txBody>
+      </p:sp>
+      <p:sp>
+        <p:nvSpPr>
           <p:cNvPr id="4" name="Content Placeholder 3"/>
           <p:cNvSpPr>
             <a:spLocks noGrp="1"/>
@@ -36983,267 +37324,17 @@
           <a:lstStyle/>
           <a:p>
             <a:r>
-              <a:rPr lang="en-US" dirty="0"/>
+              <a:rPr lang="en-US" dirty="0" smtClean="0"/>
               <a:t>JSON &amp; HTTP</a:t>
             </a:r>
-          </a:p>
-        </p:txBody>
-      </p:sp>
-      <p:sp>
-        <p:nvSpPr>
-          <p:cNvPr id="5" name="Rectangle 4"/>
-          <p:cNvSpPr/>
-          <p:nvPr/>
-        </p:nvSpPr>
-        <p:spPr>
-          <a:xfrm>
-            <a:off x="493059" y="289343"/>
-            <a:ext cx="8346141" cy="461665"/>
-          </a:xfrm>
-          <a:prstGeom prst="rect">
-            <a:avLst/>
-          </a:prstGeom>
-        </p:spPr>
-        <p:txBody>
-          <a:bodyPr wrap="square">
-            <a:spAutoFit/>
-          </a:bodyPr>
-          <a:lstStyle/>
-          <a:p>
-            <a:r>
-              <a:rPr lang="en-US" sz="2400" b="1" dirty="0" smtClean="0">
-                <a:solidFill>
-                  <a:schemeClr val="bg1">
-                    <a:lumMod val="95000"/>
-                  </a:schemeClr>
-                </a:solidFill>
-                <a:latin typeface="Open Sans Extrabold" charset="0"/>
-                <a:ea typeface="Open Sans Extrabold" charset="0"/>
-                <a:cs typeface="Open Sans Extrabold" charset="0"/>
-              </a:rPr>
-              <a:t>JSON</a:t>
-            </a:r>
-            <a:endParaRPr lang="en-US" sz="2400" b="1" dirty="0">
-              <a:solidFill>
-                <a:schemeClr val="bg1">
-                  <a:lumMod val="95000"/>
-                </a:schemeClr>
-              </a:solidFill>
-              <a:latin typeface="Open Sans Extrabold" charset="0"/>
-              <a:ea typeface="Open Sans Extrabold" charset="0"/>
-              <a:cs typeface="Open Sans Extrabold" charset="0"/>
-            </a:endParaRPr>
-          </a:p>
-        </p:txBody>
-      </p:sp>
-      <p:sp>
-        <p:nvSpPr>
-          <p:cNvPr id="2" name="Content Placeholder 1"/>
-          <p:cNvSpPr>
-            <a:spLocks noGrp="1"/>
-          </p:cNvSpPr>
-          <p:nvPr>
-            <p:ph idx="1"/>
-          </p:nvPr>
-        </p:nvSpPr>
-        <p:spPr>
-          <a:xfrm>
-            <a:off x="609600" y="928049"/>
-            <a:ext cx="8229600" cy="3753132"/>
-          </a:xfrm>
-        </p:spPr>
-        <p:txBody>
-          <a:bodyPr>
-            <a:normAutofit/>
-          </a:bodyPr>
-          <a:lstStyle/>
-          <a:p>
-            <a:r>
-              <a:rPr lang="mr-IN" sz="2000" dirty="0" smtClean="0">
-                <a:solidFill>
-                  <a:schemeClr val="bg1">
-                    <a:lumMod val="95000"/>
-                  </a:schemeClr>
-                </a:solidFill>
-                <a:latin typeface="Monaco" charset="0"/>
-              </a:rPr>
-              <a:t>{</a:t>
-            </a:r>
-            <a:endParaRPr lang="mr-IN" sz="2000" dirty="0">
-              <a:solidFill>
-                <a:schemeClr val="bg1">
-                  <a:lumMod val="95000"/>
-                </a:schemeClr>
-              </a:solidFill>
-              <a:latin typeface="Monaco" charset="0"/>
-            </a:endParaRPr>
-          </a:p>
-          <a:p>
-            <a:r>
-              <a:rPr lang="en-US" sz="2000" dirty="0" smtClean="0">
-                <a:solidFill>
-                  <a:schemeClr val="bg1">
-                    <a:lumMod val="95000"/>
-                  </a:schemeClr>
-                </a:solidFill>
-                <a:latin typeface="Monaco" charset="0"/>
-              </a:rPr>
-              <a:t>  "</a:t>
-            </a:r>
-            <a:r>
-              <a:rPr lang="en-US" sz="2000" dirty="0">
-                <a:solidFill>
-                  <a:schemeClr val="bg1">
-                    <a:lumMod val="95000"/>
-                  </a:schemeClr>
-                </a:solidFill>
-                <a:latin typeface="Monaco" charset="0"/>
-              </a:rPr>
-              <a:t>title": </a:t>
-            </a:r>
-            <a:r>
-              <a:rPr lang="en-US" sz="2000" dirty="0" smtClean="0">
-                <a:solidFill>
-                  <a:schemeClr val="bg1">
-                    <a:lumMod val="95000"/>
-                  </a:schemeClr>
-                </a:solidFill>
-                <a:latin typeface="Monaco" charset="0"/>
-              </a:rPr>
-              <a:t>2,  </a:t>
-            </a:r>
-          </a:p>
-          <a:p>
-            <a:r>
-              <a:rPr lang="en-US" sz="2000" dirty="0" smtClean="0">
-                <a:solidFill>
-                  <a:schemeClr val="bg1">
-                    <a:lumMod val="95000"/>
-                  </a:schemeClr>
-                </a:solidFill>
-                <a:latin typeface="Monaco" charset="0"/>
-              </a:rPr>
-              <a:t>  "</a:t>
-            </a:r>
-            <a:r>
-              <a:rPr lang="en-US" sz="2000" dirty="0">
-                <a:solidFill>
-                  <a:schemeClr val="bg1">
-                    <a:lumMod val="95000"/>
-                  </a:schemeClr>
-                </a:solidFill>
-                <a:latin typeface="Monaco" charset="0"/>
-              </a:rPr>
-              <a:t>title": "Hello JSON!",</a:t>
-            </a:r>
-          </a:p>
-          <a:p>
-            <a:r>
-              <a:rPr lang="en-US" sz="2000" dirty="0" smtClean="0">
-                <a:solidFill>
-                  <a:schemeClr val="bg1">
-                    <a:lumMod val="95000"/>
-                  </a:schemeClr>
-                </a:solidFill>
-                <a:latin typeface="Monaco" charset="0"/>
-              </a:rPr>
-              <a:t>  "</a:t>
-            </a:r>
-            <a:r>
-              <a:rPr lang="en-US" sz="2000" dirty="0">
-                <a:solidFill>
-                  <a:schemeClr val="bg1">
-                    <a:lumMod val="95000"/>
-                  </a:schemeClr>
-                </a:solidFill>
-                <a:latin typeface="Monaco" charset="0"/>
-              </a:rPr>
-              <a:t>slug": "hello-</a:t>
-            </a:r>
-            <a:r>
-              <a:rPr lang="en-US" sz="2000" dirty="0" err="1">
-                <a:solidFill>
-                  <a:schemeClr val="bg1">
-                    <a:lumMod val="95000"/>
-                  </a:schemeClr>
-                </a:solidFill>
-                <a:latin typeface="Monaco" charset="0"/>
-              </a:rPr>
-              <a:t>json</a:t>
-            </a:r>
-            <a:r>
-              <a:rPr lang="en-US" sz="2000" dirty="0">
-                <a:solidFill>
-                  <a:schemeClr val="bg1">
-                    <a:lumMod val="95000"/>
-                  </a:schemeClr>
-                </a:solidFill>
-                <a:latin typeface="Monaco" charset="0"/>
-              </a:rPr>
-              <a:t>",</a:t>
-            </a:r>
-          </a:p>
-          <a:p>
-            <a:r>
-              <a:rPr lang="en-US" sz="2000" dirty="0" smtClean="0">
-                <a:solidFill>
-                  <a:schemeClr val="bg1">
-                    <a:lumMod val="95000"/>
-                  </a:schemeClr>
-                </a:solidFill>
-                <a:latin typeface="Monaco" charset="0"/>
-              </a:rPr>
-              <a:t>  "</a:t>
-            </a:r>
-            <a:r>
-              <a:rPr lang="en-US" sz="2000" dirty="0">
-                <a:solidFill>
-                  <a:schemeClr val="bg1">
-                    <a:lumMod val="95000"/>
-                  </a:schemeClr>
-                </a:solidFill>
-                <a:latin typeface="Monaco" charset="0"/>
-              </a:rPr>
-              <a:t>content": "Some post content goes here."</a:t>
-            </a:r>
-          </a:p>
-          <a:p>
-            <a:r>
-              <a:rPr lang="mr-IN" sz="2000" dirty="0" smtClean="0">
-                <a:solidFill>
-                  <a:schemeClr val="bg1">
-                    <a:lumMod val="95000"/>
-                  </a:schemeClr>
-                </a:solidFill>
-                <a:latin typeface="Monaco" charset="0"/>
-              </a:rPr>
-              <a:t>}</a:t>
-            </a:r>
-            <a:endParaRPr lang="en-US" sz="2000" dirty="0" smtClean="0">
-              <a:solidFill>
-                <a:schemeClr val="bg1">
-                  <a:lumMod val="95000"/>
-                </a:schemeClr>
-              </a:solidFill>
-              <a:latin typeface="Monaco" charset="0"/>
-            </a:endParaRPr>
-          </a:p>
-          <a:p>
-            <a:endParaRPr lang="mr-IN" sz="2000" dirty="0">
-              <a:solidFill>
-                <a:schemeClr val="bg1">
-                  <a:lumMod val="95000"/>
-                </a:schemeClr>
-              </a:solidFill>
-              <a:latin typeface="Monaco" charset="0"/>
-            </a:endParaRPr>
+            <a:endParaRPr lang="en-US" dirty="0"/>
           </a:p>
         </p:txBody>
       </p:sp>
     </p:spTree>
     <p:extLst>
       <p:ext uri="{BB962C8B-B14F-4D97-AF65-F5344CB8AC3E}">
-        <p14:creationId xmlns:p14="http://schemas.microsoft.com/office/powerpoint/2010/main" val="1587133242"/>
+        <p14:creationId xmlns:p14="http://schemas.microsoft.com/office/powerpoint/2010/main" val="841159237"/>
       </p:ext>
     </p:extLst>
   </p:cSld>
@@ -37253,88 +37344,9 @@
   <p:timing>
     <p:tnLst>
       <p:par>
-        <p:cTn id="1" dur="indefinite" restart="never" nodeType="tmRoot">
-          <p:childTnLst>
-            <p:seq concurrent="1" nextAc="seek">
-              <p:cTn id="2" dur="indefinite" nodeType="mainSeq">
-                <p:childTnLst>
-                  <p:par>
-                    <p:cTn id="3" fill="hold">
-                      <p:stCondLst>
-                        <p:cond delay="indefinite"/>
-                      </p:stCondLst>
-                      <p:childTnLst>
-                        <p:par>
-                          <p:cTn id="4" fill="hold">
-                            <p:stCondLst>
-                              <p:cond delay="0"/>
-                            </p:stCondLst>
-                            <p:childTnLst>
-                              <p:par>
-                                <p:cTn id="5" presetID="10" presetClass="entr" presetSubtype="0" fill="hold" grpId="0" nodeType="clickEffect">
-                                  <p:stCondLst>
-                                    <p:cond delay="0"/>
-                                  </p:stCondLst>
-                                  <p:childTnLst>
-                                    <p:set>
-                                      <p:cBhvr>
-                                        <p:cTn id="6" dur="1" fill="hold">
-                                          <p:stCondLst>
-                                            <p:cond delay="0"/>
-                                          </p:stCondLst>
-                                        </p:cTn>
-                                        <p:tgtEl>
-                                          <p:spTgt spid="2"/>
-                                        </p:tgtEl>
-                                        <p:attrNameLst>
-                                          <p:attrName>style.visibility</p:attrName>
-                                        </p:attrNameLst>
-                                      </p:cBhvr>
-                                      <p:to>
-                                        <p:strVal val="visible"/>
-                                      </p:to>
-                                    </p:set>
-                                    <p:animEffect transition="in" filter="fade">
-                                      <p:cBhvr>
-                                        <p:cTn id="7" dur="500"/>
-                                        <p:tgtEl>
-                                          <p:spTgt spid="2"/>
-                                        </p:tgtEl>
-                                      </p:cBhvr>
-                                    </p:animEffect>
-                                  </p:childTnLst>
-                                </p:cTn>
-                              </p:par>
-                            </p:childTnLst>
-                          </p:cTn>
-                        </p:par>
-                      </p:childTnLst>
-                    </p:cTn>
-                  </p:par>
-                </p:childTnLst>
-              </p:cTn>
-              <p:prevCondLst>
-                <p:cond evt="onPrev" delay="0">
-                  <p:tgtEl>
-                    <p:sldTgt/>
-                  </p:tgtEl>
-                </p:cond>
-              </p:prevCondLst>
-              <p:nextCondLst>
-                <p:cond evt="onNext" delay="0">
-                  <p:tgtEl>
-                    <p:sldTgt/>
-                  </p:tgtEl>
-                </p:cond>
-              </p:nextCondLst>
-            </p:seq>
-          </p:childTnLst>
-        </p:cTn>
+        <p:cTn id="1" dur="indefinite" restart="never" nodeType="tmRoot"/>
       </p:par>
     </p:tnLst>
-    <p:bldLst>
-      <p:bldP spid="2" grpId="0"/>
-    </p:bldLst>
   </p:timing>
 </p:sld>
 </file>
@@ -37443,34 +37455,16 @@
         </p:spPr>
         <p:txBody>
           <a:bodyPr>
-            <a:normAutofit fontScale="92500" lnSpcReduction="20000"/>
+            <a:normAutofit/>
           </a:bodyPr>
           <a:lstStyle/>
           <a:p>
             <a:r>
-              <a:rPr lang="en-US" sz="2000" dirty="0" smtClean="0">
-                <a:solidFill>
-                  <a:srgbClr val="F8F8F2"/>
-                </a:solidFill>
-                <a:latin typeface="Monaco" charset="0"/>
-              </a:rPr>
-              <a:t>[</a:t>
-            </a:r>
-          </a:p>
-          <a:p>
-            <a:r>
-              <a:rPr lang="en-US" sz="2000" dirty="0">
-                <a:solidFill>
-                  <a:srgbClr val="F8F8F2"/>
-                </a:solidFill>
-                <a:latin typeface="Monaco" charset="0"/>
-              </a:rPr>
-              <a:t> </a:t>
-            </a:r>
-            <a:r>
               <a:rPr lang="mr-IN" sz="2000" dirty="0" smtClean="0">
                 <a:solidFill>
-                  <a:srgbClr val="F8F8F2"/>
+                  <a:schemeClr val="bg1">
+                    <a:lumMod val="95000"/>
+                  </a:schemeClr>
                 </a:solidFill>
                 <a:latin typeface="Monaco" charset="0"/>
               </a:rPr>
@@ -37478,7 +37472,9 @@
             </a:r>
             <a:endParaRPr lang="mr-IN" sz="2000" dirty="0">
               <a:solidFill>
-                <a:srgbClr val="F8F8F2"/>
+                <a:schemeClr val="bg1">
+                  <a:lumMod val="95000"/>
+                </a:schemeClr>
               </a:solidFill>
               <a:latin typeface="Monaco" charset="0"/>
             </a:endParaRPr>
@@ -37487,7 +37483,9 @@
             <a:r>
               <a:rPr lang="en-US" sz="2000" dirty="0" smtClean="0">
                 <a:solidFill>
-                  <a:srgbClr val="F92672"/>
+                  <a:schemeClr val="bg1">
+                    <a:lumMod val="95000"/>
+                  </a:schemeClr>
                 </a:solidFill>
                 <a:latin typeface="Monaco" charset="0"/>
               </a:rPr>
@@ -37496,45 +37494,103 @@
             <a:r>
               <a:rPr lang="en-US" sz="2000" dirty="0">
                 <a:solidFill>
-                  <a:srgbClr val="F92672"/>
-                </a:solidFill>
-                <a:latin typeface="Monaco" charset="0"/>
-              </a:rPr>
-              <a:t>title"</a:t>
+                  <a:schemeClr val="bg1">
+                    <a:lumMod val="95000"/>
+                  </a:schemeClr>
+                </a:solidFill>
+                <a:latin typeface="Monaco" charset="0"/>
+              </a:rPr>
+              <a:t>title": </a:t>
+            </a:r>
+            <a:r>
+              <a:rPr lang="en-US" sz="2000" dirty="0" smtClean="0">
+                <a:solidFill>
+                  <a:schemeClr val="bg1">
+                    <a:lumMod val="95000"/>
+                  </a:schemeClr>
+                </a:solidFill>
+                <a:latin typeface="Monaco" charset="0"/>
+              </a:rPr>
+              <a:t>2,  </a:t>
+            </a:r>
+          </a:p>
+          <a:p>
+            <a:r>
+              <a:rPr lang="en-US" sz="2000" dirty="0" smtClean="0">
+                <a:solidFill>
+                  <a:schemeClr val="bg1">
+                    <a:lumMod val="95000"/>
+                  </a:schemeClr>
+                </a:solidFill>
+                <a:latin typeface="Monaco" charset="0"/>
+              </a:rPr>
+              <a:t>  "</a:t>
             </a:r>
             <a:r>
               <a:rPr lang="en-US" sz="2000" dirty="0">
                 <a:solidFill>
-                  <a:srgbClr val="F8F8F2"/>
-                </a:solidFill>
-                <a:latin typeface="Monaco" charset="0"/>
-              </a:rPr>
-              <a:t>: </a:t>
+                  <a:schemeClr val="bg1">
+                    <a:lumMod val="95000"/>
+                  </a:schemeClr>
+                </a:solidFill>
+                <a:latin typeface="Monaco" charset="0"/>
+              </a:rPr>
+              <a:t>title": "Hello JSON!",</a:t>
+            </a:r>
+          </a:p>
+          <a:p>
+            <a:r>
+              <a:rPr lang="en-US" sz="2000" dirty="0" smtClean="0">
+                <a:solidFill>
+                  <a:schemeClr val="bg1">
+                    <a:lumMod val="95000"/>
+                  </a:schemeClr>
+                </a:solidFill>
+                <a:latin typeface="Monaco" charset="0"/>
+              </a:rPr>
+              <a:t>  "</a:t>
             </a:r>
             <a:r>
               <a:rPr lang="en-US" sz="2000" dirty="0">
                 <a:solidFill>
-                  <a:srgbClr val="E6DB74"/>
-                </a:solidFill>
-                <a:latin typeface="Monaco" charset="0"/>
-              </a:rPr>
-              <a:t>"Hello JSON!"</a:t>
+                  <a:schemeClr val="bg1">
+                    <a:lumMod val="95000"/>
+                  </a:schemeClr>
+                </a:solidFill>
+                <a:latin typeface="Monaco" charset="0"/>
+              </a:rPr>
+              <a:t>slug": "hello-</a:t>
+            </a:r>
+            <a:r>
+              <a:rPr lang="en-US" sz="2000" dirty="0" err="1">
+                <a:solidFill>
+                  <a:schemeClr val="bg1">
+                    <a:lumMod val="95000"/>
+                  </a:schemeClr>
+                </a:solidFill>
+                <a:latin typeface="Monaco" charset="0"/>
+              </a:rPr>
+              <a:t>json</a:t>
             </a:r>
             <a:r>
               <a:rPr lang="en-US" sz="2000" dirty="0">
                 <a:solidFill>
-                  <a:srgbClr val="F8F8F2"/>
-                </a:solidFill>
-                <a:latin typeface="Monaco" charset="0"/>
-              </a:rPr>
-              <a:t>,</a:t>
+                  <a:schemeClr val="bg1">
+                    <a:lumMod val="95000"/>
+                  </a:schemeClr>
+                </a:solidFill>
+                <a:latin typeface="Monaco" charset="0"/>
+              </a:rPr>
+              <a:t>",</a:t>
             </a:r>
           </a:p>
           <a:p>
             <a:r>
               <a:rPr lang="en-US" sz="2000" dirty="0" smtClean="0">
                 <a:solidFill>
-                  <a:srgbClr val="F92672"/>
+                  <a:schemeClr val="bg1">
+                    <a:lumMod val="95000"/>
+                  </a:schemeClr>
                 </a:solidFill>
                 <a:latin typeface="Monaco" charset="0"/>
               </a:rPr>
@@ -37543,244 +37599,52 @@
             <a:r>
               <a:rPr lang="en-US" sz="2000" dirty="0">
                 <a:solidFill>
-                  <a:srgbClr val="F92672"/>
-                </a:solidFill>
-                <a:latin typeface="Monaco" charset="0"/>
-              </a:rPr>
-              <a:t>content"</a:t>
-            </a:r>
-            <a:r>
-              <a:rPr lang="en-US" sz="2000" dirty="0">
-                <a:solidFill>
-                  <a:srgbClr val="F8F8F2"/>
-                </a:solidFill>
-                <a:latin typeface="Monaco" charset="0"/>
-              </a:rPr>
-              <a:t>: </a:t>
-            </a:r>
-            <a:r>
-              <a:rPr lang="en-US" sz="2000" dirty="0">
-                <a:solidFill>
-                  <a:srgbClr val="E6DB74"/>
-                </a:solidFill>
-                <a:latin typeface="Monaco" charset="0"/>
-              </a:rPr>
-              <a:t>"Some post content goes here."</a:t>
-            </a:r>
-            <a:endParaRPr lang="en-US" sz="2000" dirty="0">
+                  <a:schemeClr val="bg1">
+                    <a:lumMod val="95000"/>
+                  </a:schemeClr>
+                </a:solidFill>
+                <a:latin typeface="Monaco" charset="0"/>
+              </a:rPr>
+              <a:t>content": "Some post content goes here."</a:t>
+            </a:r>
+          </a:p>
+          <a:p>
+            <a:r>
+              <a:rPr lang="mr-IN" sz="2000" dirty="0" smtClean="0">
+                <a:solidFill>
+                  <a:schemeClr val="bg1">
+                    <a:lumMod val="95000"/>
+                  </a:schemeClr>
+                </a:solidFill>
+                <a:latin typeface="Monaco" charset="0"/>
+              </a:rPr>
+              <a:t>}</a:t>
+            </a:r>
+            <a:endParaRPr lang="en-US" sz="2000" dirty="0" smtClean="0">
               <a:solidFill>
-                <a:srgbClr val="F8F8F2"/>
+                <a:schemeClr val="bg1">
+                  <a:lumMod val="95000"/>
+                </a:schemeClr>
               </a:solidFill>
               <a:latin typeface="Monaco" charset="0"/>
             </a:endParaRPr>
           </a:p>
           <a:p>
-            <a:r>
-              <a:rPr lang="en-US" sz="2000" dirty="0" smtClean="0">
-                <a:solidFill>
-                  <a:srgbClr val="F8F8F2"/>
-                </a:solidFill>
-                <a:latin typeface="Monaco" charset="0"/>
-              </a:rPr>
-              <a:t> </a:t>
-            </a:r>
-            <a:r>
-              <a:rPr lang="mr-IN" sz="2000" dirty="0" smtClean="0">
-                <a:solidFill>
-                  <a:srgbClr val="F8F8F2"/>
-                </a:solidFill>
-                <a:latin typeface="Monaco" charset="0"/>
-              </a:rPr>
-              <a:t>}</a:t>
-            </a:r>
-            <a:r>
-              <a:rPr lang="en-US" sz="2000" dirty="0" smtClean="0">
-                <a:solidFill>
-                  <a:srgbClr val="F8F8F2"/>
-                </a:solidFill>
-                <a:latin typeface="Monaco" charset="0"/>
-              </a:rPr>
-              <a:t>,</a:t>
-            </a:r>
-          </a:p>
-          <a:p>
-            <a:r>
-              <a:rPr lang="en-US" sz="2000" dirty="0">
-                <a:solidFill>
-                  <a:srgbClr val="F8F8F2"/>
-                </a:solidFill>
-                <a:latin typeface="Monaco" charset="0"/>
-              </a:rPr>
-              <a:t> </a:t>
-            </a:r>
-            <a:r>
-              <a:rPr lang="mr-IN" sz="2000" dirty="0">
-                <a:solidFill>
-                  <a:srgbClr val="F8F8F2"/>
-                </a:solidFill>
-                <a:latin typeface="Monaco" charset="0"/>
-              </a:rPr>
-              <a:t>{</a:t>
-            </a:r>
-          </a:p>
-          <a:p>
-            <a:r>
-              <a:rPr lang="en-US" sz="2000" dirty="0">
-                <a:solidFill>
-                  <a:srgbClr val="F92672"/>
-                </a:solidFill>
-                <a:latin typeface="Monaco" charset="0"/>
-              </a:rPr>
-              <a:t>  "title"</a:t>
-            </a:r>
-            <a:r>
-              <a:rPr lang="en-US" sz="2000" dirty="0">
-                <a:solidFill>
-                  <a:srgbClr val="F8F8F2"/>
-                </a:solidFill>
-                <a:latin typeface="Monaco" charset="0"/>
-              </a:rPr>
-              <a:t>: </a:t>
-            </a:r>
-            <a:r>
-              <a:rPr lang="en-US" sz="2000" dirty="0">
-                <a:solidFill>
-                  <a:srgbClr val="E6DB74"/>
-                </a:solidFill>
-                <a:latin typeface="Monaco" charset="0"/>
-              </a:rPr>
-              <a:t>"Hello </a:t>
-            </a:r>
-            <a:r>
-              <a:rPr lang="en-US" sz="2000" dirty="0" smtClean="0">
-                <a:solidFill>
-                  <a:srgbClr val="E6DB74"/>
-                </a:solidFill>
-                <a:latin typeface="Monaco" charset="0"/>
-              </a:rPr>
-              <a:t>API!"</a:t>
-            </a:r>
-            <a:r>
-              <a:rPr lang="en-US" sz="2000" dirty="0" smtClean="0">
-                <a:solidFill>
-                  <a:srgbClr val="F8F8F2"/>
-                </a:solidFill>
-                <a:latin typeface="Monaco" charset="0"/>
-              </a:rPr>
-              <a:t>,</a:t>
-            </a:r>
-            <a:endParaRPr lang="en-US" sz="2000" dirty="0">
+            <a:endParaRPr lang="mr-IN" sz="2000" dirty="0">
               <a:solidFill>
-                <a:srgbClr val="F8F8F2"/>
+                <a:schemeClr val="bg1">
+                  <a:lumMod val="95000"/>
+                </a:schemeClr>
               </a:solidFill>
               <a:latin typeface="Monaco" charset="0"/>
             </a:endParaRPr>
           </a:p>
-          <a:p>
-            <a:r>
-              <a:rPr lang="en-US" sz="2000" dirty="0">
-                <a:solidFill>
-                  <a:srgbClr val="F92672"/>
-                </a:solidFill>
-                <a:latin typeface="Monaco" charset="0"/>
-              </a:rPr>
-              <a:t>  "content"</a:t>
-            </a:r>
-            <a:r>
-              <a:rPr lang="en-US" sz="2000" dirty="0">
-                <a:solidFill>
-                  <a:srgbClr val="F8F8F2"/>
-                </a:solidFill>
-                <a:latin typeface="Monaco" charset="0"/>
-              </a:rPr>
-              <a:t>: </a:t>
-            </a:r>
-            <a:r>
-              <a:rPr lang="en-US" sz="2000" dirty="0" smtClean="0">
-                <a:solidFill>
-                  <a:srgbClr val="E6DB74"/>
-                </a:solidFill>
-                <a:latin typeface="Monaco" charset="0"/>
-              </a:rPr>
-              <a:t>"More </a:t>
-            </a:r>
-            <a:r>
-              <a:rPr lang="en-US" sz="2000" dirty="0">
-                <a:solidFill>
-                  <a:srgbClr val="E6DB74"/>
-                </a:solidFill>
-                <a:latin typeface="Monaco" charset="0"/>
-              </a:rPr>
-              <a:t>post </a:t>
-            </a:r>
-            <a:r>
-              <a:rPr lang="en-US" sz="2000" dirty="0" smtClean="0">
-                <a:solidFill>
-                  <a:srgbClr val="E6DB74"/>
-                </a:solidFill>
-                <a:latin typeface="Monaco" charset="0"/>
-              </a:rPr>
-              <a:t>content."</a:t>
-            </a:r>
-            <a:endParaRPr lang="en-US" sz="2000" dirty="0">
-              <a:solidFill>
-                <a:srgbClr val="F8F8F2"/>
-              </a:solidFill>
-              <a:latin typeface="Monaco" charset="0"/>
-            </a:endParaRPr>
-          </a:p>
-          <a:p>
-            <a:r>
-              <a:rPr lang="en-US" sz="2000" dirty="0">
-                <a:solidFill>
-                  <a:srgbClr val="F8F8F2"/>
-                </a:solidFill>
-                <a:latin typeface="Monaco" charset="0"/>
-              </a:rPr>
-              <a:t> </a:t>
-            </a:r>
-            <a:r>
-              <a:rPr lang="mr-IN" sz="2000" dirty="0">
-                <a:solidFill>
-                  <a:srgbClr val="F8F8F2"/>
-                </a:solidFill>
-                <a:latin typeface="Monaco" charset="0"/>
-              </a:rPr>
-              <a:t>}</a:t>
-            </a:r>
-            <a:r>
-              <a:rPr lang="en-US" sz="2000" dirty="0" smtClean="0">
-                <a:solidFill>
-                  <a:srgbClr val="F8F8F2"/>
-                </a:solidFill>
-                <a:latin typeface="Monaco" charset="0"/>
-              </a:rPr>
-              <a:t>,</a:t>
-            </a:r>
-          </a:p>
-          <a:p>
-            <a:r>
-              <a:rPr lang="en-US" sz="2000" dirty="0" smtClean="0">
-                <a:solidFill>
-                  <a:srgbClr val="F8F8F2"/>
-                </a:solidFill>
-                <a:latin typeface="Monaco" charset="0"/>
-              </a:rPr>
-              <a:t>]</a:t>
-            </a:r>
-            <a:endParaRPr lang="mr-IN" sz="2000" dirty="0">
-              <a:solidFill>
-                <a:srgbClr val="F8F8F2"/>
-              </a:solidFill>
-              <a:latin typeface="Monaco" charset="0"/>
-            </a:endParaRPr>
-          </a:p>
         </p:txBody>
       </p:sp>
     </p:spTree>
     <p:extLst>
       <p:ext uri="{BB962C8B-B14F-4D97-AF65-F5344CB8AC3E}">
-        <p14:creationId xmlns:p14="http://schemas.microsoft.com/office/powerpoint/2010/main" val="364578940"/>
+        <p14:creationId xmlns:p14="http://schemas.microsoft.com/office/powerpoint/2010/main" val="1587133242"/>
       </p:ext>
     </p:extLst>
   </p:cSld>
@@ -37895,225 +37759,6 @@
       </p:grpSpPr>
       <p:sp>
         <p:nvSpPr>
-          <p:cNvPr id="2" name="Title 1"/>
-          <p:cNvSpPr>
-            <a:spLocks noGrp="1"/>
-          </p:cNvSpPr>
-          <p:nvPr>
-            <p:ph type="ctrTitle"/>
-          </p:nvPr>
-        </p:nvSpPr>
-        <p:spPr/>
-        <p:txBody>
-          <a:bodyPr/>
-          <a:lstStyle/>
-          <a:p>
-            <a:r>
-              <a:rPr lang="en-US" dirty="0" smtClean="0"/>
-              <a:t>DEMO</a:t>
-            </a:r>
-            <a:endParaRPr lang="en-US" dirty="0"/>
-          </a:p>
-        </p:txBody>
-      </p:sp>
-      <p:sp>
-        <p:nvSpPr>
-          <p:cNvPr id="3" name="Content Placeholder 2"/>
-          <p:cNvSpPr>
-            <a:spLocks noGrp="1"/>
-          </p:cNvSpPr>
-          <p:nvPr>
-            <p:ph sz="quarter" idx="11"/>
-          </p:nvPr>
-        </p:nvSpPr>
-        <p:spPr/>
-        <p:txBody>
-          <a:bodyPr/>
-          <a:lstStyle/>
-          <a:p>
-            <a:r>
-              <a:rPr lang="en-US" dirty="0"/>
-              <a:t>JSON &amp; HTTP</a:t>
-            </a:r>
-          </a:p>
-        </p:txBody>
-      </p:sp>
-    </p:spTree>
-    <p:extLst>
-      <p:ext uri="{BB962C8B-B14F-4D97-AF65-F5344CB8AC3E}">
-        <p14:creationId xmlns:p14="http://schemas.microsoft.com/office/powerpoint/2010/main" val="784677663"/>
-      </p:ext>
-    </p:extLst>
-  </p:cSld>
-  <p:clrMapOvr>
-    <a:masterClrMapping/>
-  </p:clrMapOvr>
-  <p:timing>
-    <p:tnLst>
-      <p:par>
-        <p:cTn id="1" dur="indefinite" restart="never" nodeType="tmRoot"/>
-      </p:par>
-    </p:tnLst>
-  </p:timing>
-</p:sld>
-</file>
-
-<file path=ppt/slides/slide8.xml><?xml version="1.0" encoding="utf-8"?>
-<p:sld xmlns:a="http://schemas.openxmlformats.org/drawingml/2006/main" xmlns:r="http://schemas.openxmlformats.org/officeDocument/2006/relationships" xmlns:p="http://schemas.openxmlformats.org/presentationml/2006/main">
-  <p:cSld>
-    <p:spTree>
-      <p:nvGrpSpPr>
-        <p:cNvPr id="1" name=""/>
-        <p:cNvGrpSpPr/>
-        <p:nvPr/>
-      </p:nvGrpSpPr>
-      <p:grpSpPr>
-        <a:xfrm>
-          <a:off x="0" y="0"/>
-          <a:ext cx="0" cy="0"/>
-          <a:chOff x="0" y="0"/>
-          <a:chExt cx="0" cy="0"/>
-        </a:xfrm>
-      </p:grpSpPr>
-      <p:sp>
-        <p:nvSpPr>
-          <p:cNvPr id="2" name="Title 1"/>
-          <p:cNvSpPr>
-            <a:spLocks noGrp="1"/>
-          </p:cNvSpPr>
-          <p:nvPr>
-            <p:ph type="ctrTitle"/>
-          </p:nvPr>
-        </p:nvSpPr>
-        <p:spPr/>
-        <p:txBody>
-          <a:bodyPr/>
-          <a:lstStyle/>
-          <a:p>
-            <a:r>
-              <a:rPr lang="en-US" sz="4800" dirty="0" smtClean="0">
-                <a:solidFill>
-                  <a:schemeClr val="bg1">
-                    <a:lumMod val="95000"/>
-                  </a:schemeClr>
-                </a:solidFill>
-                <a:latin typeface="Pacifico" charset="0"/>
-                <a:ea typeface="Pacifico" charset="0"/>
-                <a:cs typeface="Pacifico" charset="0"/>
-              </a:rPr>
-              <a:t>Most</a:t>
-            </a:r>
-            <a:r>
-              <a:rPr lang="en-US" sz="4800" dirty="0" smtClean="0">
-                <a:solidFill>
-                  <a:schemeClr val="bg1">
-                    <a:lumMod val="95000"/>
-                  </a:schemeClr>
-                </a:solidFill>
-              </a:rPr>
-              <a:t> Developers</a:t>
-            </a:r>
-            <a:r>
-              <a:rPr lang="en-US" dirty="0" smtClean="0">
-                <a:solidFill>
-                  <a:schemeClr val="bg1">
-                    <a:lumMod val="95000"/>
-                  </a:schemeClr>
-                </a:solidFill>
-              </a:rPr>
-              <a:t/>
-            </a:r>
-            <a:br>
-              <a:rPr lang="en-US" dirty="0" smtClean="0">
-                <a:solidFill>
-                  <a:schemeClr val="bg1">
-                    <a:lumMod val="95000"/>
-                  </a:schemeClr>
-                </a:solidFill>
-              </a:rPr>
-            </a:br>
-            <a:r>
-              <a:rPr lang="en-US" dirty="0" smtClean="0">
-                <a:solidFill>
-                  <a:schemeClr val="bg1">
-                    <a:lumMod val="95000"/>
-                  </a:schemeClr>
-                </a:solidFill>
-              </a:rPr>
-              <a:t>Live in a Bubble</a:t>
-            </a:r>
-            <a:endParaRPr lang="en-US" dirty="0">
-              <a:solidFill>
-                <a:schemeClr val="bg1">
-                  <a:lumMod val="95000"/>
-                </a:schemeClr>
-              </a:solidFill>
-            </a:endParaRPr>
-          </a:p>
-        </p:txBody>
-      </p:sp>
-      <p:sp>
-        <p:nvSpPr>
-          <p:cNvPr id="3" name="Content Placeholder 2"/>
-          <p:cNvSpPr>
-            <a:spLocks noGrp="1"/>
-          </p:cNvSpPr>
-          <p:nvPr>
-            <p:ph sz="quarter" idx="11"/>
-          </p:nvPr>
-        </p:nvSpPr>
-        <p:spPr/>
-        <p:txBody>
-          <a:bodyPr/>
-          <a:lstStyle/>
-          <a:p>
-            <a:r>
-              <a:rPr lang="en-US" dirty="0" smtClean="0"/>
-              <a:t>Getting Started</a:t>
-            </a:r>
-            <a:endParaRPr lang="en-US" dirty="0"/>
-          </a:p>
-        </p:txBody>
-      </p:sp>
-    </p:spTree>
-    <p:extLst>
-      <p:ext uri="{BB962C8B-B14F-4D97-AF65-F5344CB8AC3E}">
-        <p14:creationId xmlns:p14="http://schemas.microsoft.com/office/powerpoint/2010/main" val="411248211"/>
-      </p:ext>
-    </p:extLst>
-  </p:cSld>
-  <p:clrMapOvr>
-    <a:masterClrMapping/>
-  </p:clrMapOvr>
-  <p:timing>
-    <p:tnLst>
-      <p:par>
-        <p:cTn id="1" dur="indefinite" restart="never" nodeType="tmRoot"/>
-      </p:par>
-    </p:tnLst>
-  </p:timing>
-</p:sld>
-</file>
-
-<file path=ppt/slides/slide80.xml><?xml version="1.0" encoding="utf-8"?>
-<p:sld xmlns:a="http://schemas.openxmlformats.org/drawingml/2006/main" xmlns:r="http://schemas.openxmlformats.org/officeDocument/2006/relationships" xmlns:p="http://schemas.openxmlformats.org/presentationml/2006/main">
-  <p:cSld>
-    <p:spTree>
-      <p:nvGrpSpPr>
-        <p:cNvPr id="1" name=""/>
-        <p:cNvGrpSpPr/>
-        <p:nvPr/>
-      </p:nvGrpSpPr>
-      <p:grpSpPr>
-        <a:xfrm>
-          <a:off x="0" y="0"/>
-          <a:ext cx="0" cy="0"/>
-          <a:chOff x="0" y="0"/>
-          <a:chExt cx="0" cy="0"/>
-        </a:xfrm>
-      </p:grpSpPr>
-      <p:sp>
-        <p:nvSpPr>
           <p:cNvPr id="4" name="Content Placeholder 3"/>
           <p:cNvSpPr>
             <a:spLocks noGrp="1"/>
@@ -38156,7 +37801,7 @@
           <a:lstStyle/>
           <a:p>
             <a:r>
-              <a:rPr lang="en-US" sz="2400" b="1" dirty="0">
+              <a:rPr lang="en-US" sz="2400" b="1" dirty="0" smtClean="0">
                 <a:solidFill>
                   <a:schemeClr val="bg1">
                     <a:lumMod val="95000"/>
@@ -38166,8 +37811,18 @@
                 <a:ea typeface="Open Sans Extrabold" charset="0"/>
                 <a:cs typeface="Open Sans Extrabold" charset="0"/>
               </a:rPr>
-              <a:t>JSON Into JavaScript</a:t>
-            </a:r>
+              <a:t>JSON</a:t>
+            </a:r>
+            <a:endParaRPr lang="en-US" sz="2400" b="1" dirty="0">
+              <a:solidFill>
+                <a:schemeClr val="bg1">
+                  <a:lumMod val="95000"/>
+                </a:schemeClr>
+              </a:solidFill>
+              <a:latin typeface="Open Sans Extrabold" charset="0"/>
+              <a:ea typeface="Open Sans Extrabold" charset="0"/>
+              <a:cs typeface="Open Sans Extrabold" charset="0"/>
+            </a:endParaRPr>
           </a:p>
         </p:txBody>
       </p:sp>
@@ -38183,51 +37838,108 @@
         </p:nvSpPr>
         <p:spPr>
           <a:xfrm>
-            <a:off x="609600" y="1310185"/>
-            <a:ext cx="8534400" cy="3370996"/>
+            <a:off x="609600" y="928049"/>
+            <a:ext cx="8229600" cy="3753132"/>
           </a:xfrm>
         </p:spPr>
         <p:txBody>
           <a:bodyPr>
-            <a:normAutofit/>
+            <a:normAutofit fontScale="92500" lnSpcReduction="20000"/>
           </a:bodyPr>
           <a:lstStyle/>
           <a:p>
             <a:r>
               <a:rPr lang="en-US" sz="2000" dirty="0" smtClean="0">
                 <a:solidFill>
-                  <a:srgbClr val="66D9EF"/>
-                </a:solidFill>
-                <a:latin typeface="Monaco" charset="0"/>
-              </a:rPr>
-              <a:t>let</a:t>
-            </a:r>
+                  <a:srgbClr val="F8F8F2"/>
+                </a:solidFill>
+                <a:latin typeface="Monaco" charset="0"/>
+              </a:rPr>
+              <a:t>[</a:t>
+            </a:r>
+          </a:p>
+          <a:p>
+            <a:r>
+              <a:rPr lang="en-US" sz="2000" dirty="0">
+                <a:solidFill>
+                  <a:srgbClr val="F8F8F2"/>
+                </a:solidFill>
+                <a:latin typeface="Monaco" charset="0"/>
+              </a:rPr>
+              <a:t> </a:t>
+            </a:r>
+            <a:r>
+              <a:rPr lang="mr-IN" sz="2000" dirty="0" smtClean="0">
+                <a:solidFill>
+                  <a:srgbClr val="F8F8F2"/>
+                </a:solidFill>
+                <a:latin typeface="Monaco" charset="0"/>
+              </a:rPr>
+              <a:t>{</a:t>
+            </a:r>
+            <a:endParaRPr lang="mr-IN" sz="2000" dirty="0">
+              <a:solidFill>
+                <a:srgbClr val="F8F8F2"/>
+              </a:solidFill>
+              <a:latin typeface="Monaco" charset="0"/>
+            </a:endParaRPr>
+          </a:p>
+          <a:p>
             <a:r>
               <a:rPr lang="en-US" sz="2000" dirty="0" smtClean="0">
                 <a:solidFill>
+                  <a:srgbClr val="F92672"/>
+                </a:solidFill>
+                <a:latin typeface="Monaco" charset="0"/>
+              </a:rPr>
+              <a:t>  "</a:t>
+            </a:r>
+            <a:r>
+              <a:rPr lang="en-US" sz="2000" dirty="0">
+                <a:solidFill>
+                  <a:srgbClr val="F92672"/>
+                </a:solidFill>
+                <a:latin typeface="Monaco" charset="0"/>
+              </a:rPr>
+              <a:t>title"</a:t>
+            </a:r>
+            <a:r>
+              <a:rPr lang="en-US" sz="2000" dirty="0">
+                <a:solidFill>
                   <a:srgbClr val="F8F8F2"/>
                 </a:solidFill>
                 <a:latin typeface="Monaco" charset="0"/>
               </a:rPr>
-              <a:t> </a:t>
-            </a:r>
-            <a:r>
-              <a:rPr lang="en-US" sz="2000" dirty="0" err="1">
-                <a:solidFill>
-                  <a:srgbClr val="A6E22E"/>
-                </a:solidFill>
-                <a:latin typeface="Monaco" charset="0"/>
-              </a:rPr>
-              <a:t>JSONString</a:t>
+              <a:t>: </a:t>
             </a:r>
             <a:r>
               <a:rPr lang="en-US" sz="2000" dirty="0">
                 <a:solidFill>
+                  <a:srgbClr val="E6DB74"/>
+                </a:solidFill>
+                <a:latin typeface="Monaco" charset="0"/>
+              </a:rPr>
+              <a:t>"Hello JSON!"</a:t>
+            </a:r>
+            <a:r>
+              <a:rPr lang="en-US" sz="2000" dirty="0">
+                <a:solidFill>
                   <a:srgbClr val="F8F8F2"/>
                 </a:solidFill>
                 <a:latin typeface="Monaco" charset="0"/>
               </a:rPr>
-              <a:t> </a:t>
+              <a:t>,</a:t>
+            </a:r>
+          </a:p>
+          <a:p>
+            <a:r>
+              <a:rPr lang="en-US" sz="2000" dirty="0" smtClean="0">
+                <a:solidFill>
+                  <a:srgbClr val="F92672"/>
+                </a:solidFill>
+                <a:latin typeface="Monaco" charset="0"/>
+              </a:rPr>
+              <a:t>  "</a:t>
             </a:r>
             <a:r>
               <a:rPr lang="en-US" sz="2000" dirty="0">
@@ -38236,7 +37948,7 @@
                 </a:solidFill>
                 <a:latin typeface="Monaco" charset="0"/>
               </a:rPr>
-              <a:t>=</a:t>
+              <a:t>content"</a:t>
             </a:r>
             <a:r>
               <a:rPr lang="en-US" sz="2000" dirty="0">
@@ -38245,43 +37957,16 @@
                 </a:solidFill>
                 <a:latin typeface="Monaco" charset="0"/>
               </a:rPr>
-              <a:t> </a:t>
-            </a:r>
-            <a:r>
-              <a:rPr lang="en-US" sz="2000" dirty="0" smtClean="0">
+              <a:t>: </a:t>
+            </a:r>
+            <a:r>
+              <a:rPr lang="en-US" sz="2000" dirty="0">
                 <a:solidFill>
                   <a:srgbClr val="E6DB74"/>
                 </a:solidFill>
                 <a:latin typeface="Monaco" charset="0"/>
               </a:rPr>
-              <a:t>'{ </a:t>
-            </a:r>
-            <a:r>
-              <a:rPr lang="en-US" sz="2000" dirty="0">
-                <a:solidFill>
-                  <a:srgbClr val="E6DB74"/>
-                </a:solidFill>
-                <a:latin typeface="Monaco" charset="0"/>
-              </a:rPr>
-              <a:t>"id": 1, "title": "Hello JSON!" </a:t>
-            </a:r>
-            <a:r>
-              <a:rPr lang="en-US" sz="2000" dirty="0" smtClean="0">
-                <a:solidFill>
-                  <a:srgbClr val="E6DB74"/>
-                </a:solidFill>
-                <a:latin typeface="Monaco" charset="0"/>
-              </a:rPr>
-              <a:t>}'</a:t>
-            </a:r>
-            <a:r>
-              <a:rPr lang="en-US" sz="2000" dirty="0" smtClean="0">
-                <a:solidFill>
-                  <a:srgbClr val="F8F8F2"/>
-                </a:solidFill>
-                <a:latin typeface="Monaco" charset="0"/>
-              </a:rPr>
-              <a:t>,</a:t>
+              <a:t>"Some post content goes here."</a:t>
             </a:r>
             <a:endParaRPr lang="en-US" sz="2000" dirty="0">
               <a:solidFill>
@@ -38298,100 +37983,93 @@
                 </a:solidFill>
                 <a:latin typeface="Monaco" charset="0"/>
               </a:rPr>
-              <a:t>    </a:t>
+              <a:t> </a:t>
+            </a:r>
+            <a:r>
+              <a:rPr lang="mr-IN" sz="2000" dirty="0" smtClean="0">
+                <a:solidFill>
+                  <a:srgbClr val="F8F8F2"/>
+                </a:solidFill>
+                <a:latin typeface="Monaco" charset="0"/>
+              </a:rPr>
+              <a:t>}</a:t>
             </a:r>
             <a:r>
               <a:rPr lang="en-US" sz="2000" dirty="0" smtClean="0">
                 <a:solidFill>
-                  <a:srgbClr val="A6E22E"/>
-                </a:solidFill>
-                <a:latin typeface="Monaco" charset="0"/>
-              </a:rPr>
-              <a:t>post</a:t>
+                  <a:srgbClr val="F8F8F2"/>
+                </a:solidFill>
+                <a:latin typeface="Monaco" charset="0"/>
+              </a:rPr>
+              <a:t>,</a:t>
+            </a:r>
+          </a:p>
+          <a:p>
+            <a:r>
+              <a:rPr lang="en-US" sz="2000" dirty="0">
+                <a:solidFill>
+                  <a:srgbClr val="F8F8F2"/>
+                </a:solidFill>
+                <a:latin typeface="Monaco" charset="0"/>
+              </a:rPr>
+              <a:t> </a:t>
+            </a:r>
+            <a:r>
+              <a:rPr lang="mr-IN" sz="2000" dirty="0">
+                <a:solidFill>
+                  <a:srgbClr val="F8F8F2"/>
+                </a:solidFill>
+                <a:latin typeface="Monaco" charset="0"/>
+              </a:rPr>
+              <a:t>{</a:t>
+            </a:r>
+          </a:p>
+          <a:p>
+            <a:r>
+              <a:rPr lang="en-US" sz="2000" dirty="0">
+                <a:solidFill>
+                  <a:srgbClr val="F92672"/>
+                </a:solidFill>
+                <a:latin typeface="Monaco" charset="0"/>
+              </a:rPr>
+              <a:t>  "title"</a:t>
+            </a:r>
+            <a:r>
+              <a:rPr lang="en-US" sz="2000" dirty="0">
+                <a:solidFill>
+                  <a:srgbClr val="F8F8F2"/>
+                </a:solidFill>
+                <a:latin typeface="Monaco" charset="0"/>
+              </a:rPr>
+              <a:t>: </a:t>
+            </a:r>
+            <a:r>
+              <a:rPr lang="en-US" sz="2000" dirty="0">
+                <a:solidFill>
+                  <a:srgbClr val="E6DB74"/>
+                </a:solidFill>
+                <a:latin typeface="Monaco" charset="0"/>
+              </a:rPr>
+              <a:t>"Hello </a:t>
             </a:r>
             <a:r>
               <a:rPr lang="en-US" sz="2000" dirty="0" smtClean="0">
                 <a:solidFill>
+                  <a:srgbClr val="E6DB74"/>
+                </a:solidFill>
+                <a:latin typeface="Monaco" charset="0"/>
+              </a:rPr>
+              <a:t>API!"</a:t>
+            </a:r>
+            <a:r>
+              <a:rPr lang="en-US" sz="2000" dirty="0" smtClean="0">
+                <a:solidFill>
                   <a:srgbClr val="F8F8F2"/>
                 </a:solidFill>
                 <a:latin typeface="Monaco" charset="0"/>
               </a:rPr>
-              <a:t> </a:t>
-            </a:r>
-            <a:r>
-              <a:rPr lang="en-US" sz="2000" dirty="0">
-                <a:solidFill>
-                  <a:srgbClr val="F92672"/>
-                </a:solidFill>
-                <a:latin typeface="Monaco" charset="0"/>
-              </a:rPr>
-              <a:t>=</a:t>
-            </a:r>
-            <a:r>
-              <a:rPr lang="en-US" sz="2000" dirty="0">
-                <a:solidFill>
-                  <a:srgbClr val="F8F8F2"/>
-                </a:solidFill>
-                <a:latin typeface="Monaco" charset="0"/>
-              </a:rPr>
-              <a:t> </a:t>
-            </a:r>
-            <a:r>
-              <a:rPr lang="en-US" sz="2000" dirty="0" err="1">
-                <a:solidFill>
-                  <a:srgbClr val="A6E22E"/>
-                </a:solidFill>
-                <a:latin typeface="Monaco" charset="0"/>
-              </a:rPr>
-              <a:t>JSON</a:t>
-            </a:r>
-            <a:r>
-              <a:rPr lang="en-US" sz="2000" dirty="0" err="1">
-                <a:solidFill>
-                  <a:srgbClr val="F8F8F2"/>
-                </a:solidFill>
-                <a:latin typeface="Monaco" charset="0"/>
-              </a:rPr>
-              <a:t>.</a:t>
-            </a:r>
-            <a:r>
-              <a:rPr lang="en-US" sz="2000" dirty="0" err="1">
-                <a:solidFill>
-                  <a:srgbClr val="A6E22E"/>
-                </a:solidFill>
-                <a:latin typeface="Monaco" charset="0"/>
-              </a:rPr>
-              <a:t>parse</a:t>
-            </a:r>
-            <a:r>
-              <a:rPr lang="en-US" sz="2000" dirty="0">
-                <a:solidFill>
-                  <a:srgbClr val="F8F8F2"/>
-                </a:solidFill>
-                <a:latin typeface="Monaco" charset="0"/>
-              </a:rPr>
-              <a:t>( </a:t>
-            </a:r>
-            <a:r>
-              <a:rPr lang="en-US" sz="2000" dirty="0" err="1">
-                <a:solidFill>
-                  <a:srgbClr val="A6E22E"/>
-                </a:solidFill>
-                <a:latin typeface="Monaco" charset="0"/>
-              </a:rPr>
-              <a:t>JSONString</a:t>
-            </a:r>
-            <a:r>
-              <a:rPr lang="en-US" sz="2000" dirty="0">
-                <a:solidFill>
-                  <a:srgbClr val="F8F8F2"/>
-                </a:solidFill>
-                <a:latin typeface="Monaco" charset="0"/>
-              </a:rPr>
-              <a:t> );</a:t>
-            </a:r>
-          </a:p>
-          <a:p>
+              <a:t>,</a:t>
+            </a:r>
             <a:endParaRPr lang="en-US" sz="2000" dirty="0">
               <a:solidFill>
                 <a:srgbClr val="F8F8F2"/>
@@ -38401,49 +38079,75 @@
           </a:p>
           <a:p>
             <a:r>
-              <a:rPr lang="en-US" sz="2000" dirty="0" err="1" smtClean="0">
-                <a:solidFill>
-                  <a:srgbClr val="A6E22E"/>
-                </a:solidFill>
-                <a:latin typeface="Monaco" charset="0"/>
-              </a:rPr>
-              <a:t>console</a:t>
-            </a:r>
-            <a:r>
-              <a:rPr lang="en-US" sz="2000" dirty="0" err="1" smtClean="0">
+              <a:rPr lang="en-US" sz="2000" dirty="0">
+                <a:solidFill>
+                  <a:srgbClr val="F92672"/>
+                </a:solidFill>
+                <a:latin typeface="Monaco" charset="0"/>
+              </a:rPr>
+              <a:t>  "content"</a:t>
+            </a:r>
+            <a:r>
+              <a:rPr lang="en-US" sz="2000" dirty="0">
                 <a:solidFill>
                   <a:srgbClr val="F8F8F2"/>
                 </a:solidFill>
                 <a:latin typeface="Monaco" charset="0"/>
               </a:rPr>
-              <a:t>.</a:t>
-            </a:r>
-            <a:r>
-              <a:rPr lang="en-US" sz="2000" dirty="0" err="1" smtClean="0">
-                <a:solidFill>
-                  <a:srgbClr val="A6E22E"/>
-                </a:solidFill>
-                <a:latin typeface="Monaco" charset="0"/>
-              </a:rPr>
-              <a:t>log</a:t>
+              <a:t>: </a:t>
             </a:r>
             <a:r>
               <a:rPr lang="en-US" sz="2000" dirty="0" smtClean="0">
                 <a:solidFill>
+                  <a:srgbClr val="E6DB74"/>
+                </a:solidFill>
+                <a:latin typeface="Monaco" charset="0"/>
+              </a:rPr>
+              <a:t>"More </a:t>
+            </a:r>
+            <a:r>
+              <a:rPr lang="en-US" sz="2000" dirty="0">
+                <a:solidFill>
+                  <a:srgbClr val="E6DB74"/>
+                </a:solidFill>
+                <a:latin typeface="Monaco" charset="0"/>
+              </a:rPr>
+              <a:t>post </a:t>
+            </a:r>
+            <a:r>
+              <a:rPr lang="en-US" sz="2000" dirty="0" smtClean="0">
+                <a:solidFill>
+                  <a:srgbClr val="E6DB74"/>
+                </a:solidFill>
+                <a:latin typeface="Monaco" charset="0"/>
+              </a:rPr>
+              <a:t>content."</a:t>
+            </a:r>
+            <a:endParaRPr lang="en-US" sz="2000" dirty="0">
+              <a:solidFill>
+                <a:srgbClr val="F8F8F2"/>
+              </a:solidFill>
+              <a:latin typeface="Monaco" charset="0"/>
+            </a:endParaRPr>
+          </a:p>
+          <a:p>
+            <a:r>
+              <a:rPr lang="en-US" sz="2000" dirty="0">
+                <a:solidFill>
                   <a:srgbClr val="F8F8F2"/>
                 </a:solidFill>
                 <a:latin typeface="Monaco" charset="0"/>
               </a:rPr>
-              <a:t>( </a:t>
-            </a:r>
-            <a:r>
-              <a:rPr lang="en-US" sz="2000" dirty="0" err="1" smtClean="0">
-                <a:solidFill>
-                  <a:srgbClr val="A6E22E"/>
-                </a:solidFill>
-                <a:latin typeface="Monaco" charset="0"/>
-              </a:rPr>
-              <a:t>post.title</a:t>
+              <a:t> </a:t>
+            </a:r>
+            <a:r>
+              <a:rPr lang="mr-IN" sz="2000" dirty="0">
+                <a:solidFill>
+                  <a:srgbClr val="F8F8F2"/>
+                </a:solidFill>
+                <a:latin typeface="Monaco" charset="0"/>
+              </a:rPr>
+              <a:t>}</a:t>
             </a:r>
             <a:r>
               <a:rPr lang="en-US" sz="2000" dirty="0" smtClean="0">
@@ -38452,19 +38156,19 @@
                 </a:solidFill>
                 <a:latin typeface="Monaco" charset="0"/>
               </a:rPr>
-              <a:t> </a:t>
-            </a:r>
-            <a:r>
-              <a:rPr lang="en-US" sz="2000" dirty="0">
+              <a:t>,</a:t>
+            </a:r>
+          </a:p>
+          <a:p>
+            <a:r>
+              <a:rPr lang="en-US" sz="2000" dirty="0" smtClean="0">
                 <a:solidFill>
                   <a:srgbClr val="F8F8F2"/>
                 </a:solidFill>
                 <a:latin typeface="Monaco" charset="0"/>
               </a:rPr>
-              <a:t>);</a:t>
-            </a:r>
-          </a:p>
-          <a:p>
+              <a:t>]</a:t>
+            </a:r>
             <a:endParaRPr lang="mr-IN" sz="2000" dirty="0">
               <a:solidFill>
                 <a:srgbClr val="F8F8F2"/>
@@ -38477,7 +38181,7 @@
     </p:spTree>
     <p:extLst>
       <p:ext uri="{BB962C8B-B14F-4D97-AF65-F5344CB8AC3E}">
-        <p14:creationId xmlns:p14="http://schemas.microsoft.com/office/powerpoint/2010/main" val="2065026305"/>
+        <p14:creationId xmlns:p14="http://schemas.microsoft.com/office/powerpoint/2010/main" val="364578940"/>
       </p:ext>
     </p:extLst>
   </p:cSld>
@@ -38573,6 +38277,225 @@
 </p:sld>
 </file>
 
+<file path=ppt/slides/slide8.xml><?xml version="1.0" encoding="utf-8"?>
+<p:sld xmlns:a="http://schemas.openxmlformats.org/drawingml/2006/main" xmlns:r="http://schemas.openxmlformats.org/officeDocument/2006/relationships" xmlns:p="http://schemas.openxmlformats.org/presentationml/2006/main">
+  <p:cSld>
+    <p:spTree>
+      <p:nvGrpSpPr>
+        <p:cNvPr id="1" name=""/>
+        <p:cNvGrpSpPr/>
+        <p:nvPr/>
+      </p:nvGrpSpPr>
+      <p:grpSpPr>
+        <a:xfrm>
+          <a:off x="0" y="0"/>
+          <a:ext cx="0" cy="0"/>
+          <a:chOff x="0" y="0"/>
+          <a:chExt cx="0" cy="0"/>
+        </a:xfrm>
+      </p:grpSpPr>
+      <p:sp>
+        <p:nvSpPr>
+          <p:cNvPr id="2" name="Title 1"/>
+          <p:cNvSpPr>
+            <a:spLocks noGrp="1"/>
+          </p:cNvSpPr>
+          <p:nvPr>
+            <p:ph type="ctrTitle"/>
+          </p:nvPr>
+        </p:nvSpPr>
+        <p:spPr/>
+        <p:txBody>
+          <a:bodyPr/>
+          <a:lstStyle/>
+          <a:p>
+            <a:r>
+              <a:rPr lang="en-US" sz="4800" dirty="0" smtClean="0">
+                <a:solidFill>
+                  <a:schemeClr val="bg1">
+                    <a:lumMod val="95000"/>
+                  </a:schemeClr>
+                </a:solidFill>
+                <a:latin typeface="Pacifico" charset="0"/>
+                <a:ea typeface="Pacifico" charset="0"/>
+                <a:cs typeface="Pacifico" charset="0"/>
+              </a:rPr>
+              <a:t>Most</a:t>
+            </a:r>
+            <a:r>
+              <a:rPr lang="en-US" sz="4800" dirty="0" smtClean="0">
+                <a:solidFill>
+                  <a:schemeClr val="bg1">
+                    <a:lumMod val="95000"/>
+                  </a:schemeClr>
+                </a:solidFill>
+              </a:rPr>
+              <a:t> Developers</a:t>
+            </a:r>
+            <a:r>
+              <a:rPr lang="en-US" dirty="0" smtClean="0">
+                <a:solidFill>
+                  <a:schemeClr val="bg1">
+                    <a:lumMod val="95000"/>
+                  </a:schemeClr>
+                </a:solidFill>
+              </a:rPr>
+              <a:t/>
+            </a:r>
+            <a:br>
+              <a:rPr lang="en-US" dirty="0" smtClean="0">
+                <a:solidFill>
+                  <a:schemeClr val="bg1">
+                    <a:lumMod val="95000"/>
+                  </a:schemeClr>
+                </a:solidFill>
+              </a:rPr>
+            </a:br>
+            <a:r>
+              <a:rPr lang="en-US" dirty="0" smtClean="0">
+                <a:solidFill>
+                  <a:schemeClr val="bg1">
+                    <a:lumMod val="95000"/>
+                  </a:schemeClr>
+                </a:solidFill>
+              </a:rPr>
+              <a:t>Live in a Bubble</a:t>
+            </a:r>
+            <a:endParaRPr lang="en-US" dirty="0">
+              <a:solidFill>
+                <a:schemeClr val="bg1">
+                  <a:lumMod val="95000"/>
+                </a:schemeClr>
+              </a:solidFill>
+            </a:endParaRPr>
+          </a:p>
+        </p:txBody>
+      </p:sp>
+      <p:sp>
+        <p:nvSpPr>
+          <p:cNvPr id="3" name="Content Placeholder 2"/>
+          <p:cNvSpPr>
+            <a:spLocks noGrp="1"/>
+          </p:cNvSpPr>
+          <p:nvPr>
+            <p:ph sz="quarter" idx="11"/>
+          </p:nvPr>
+        </p:nvSpPr>
+        <p:spPr/>
+        <p:txBody>
+          <a:bodyPr/>
+          <a:lstStyle/>
+          <a:p>
+            <a:r>
+              <a:rPr lang="en-US" dirty="0" smtClean="0"/>
+              <a:t>Getting Started</a:t>
+            </a:r>
+            <a:endParaRPr lang="en-US" dirty="0"/>
+          </a:p>
+        </p:txBody>
+      </p:sp>
+    </p:spTree>
+    <p:extLst>
+      <p:ext uri="{BB962C8B-B14F-4D97-AF65-F5344CB8AC3E}">
+        <p14:creationId xmlns:p14="http://schemas.microsoft.com/office/powerpoint/2010/main" val="411248211"/>
+      </p:ext>
+    </p:extLst>
+  </p:cSld>
+  <p:clrMapOvr>
+    <a:masterClrMapping/>
+  </p:clrMapOvr>
+  <p:timing>
+    <p:tnLst>
+      <p:par>
+        <p:cTn id="1" dur="indefinite" restart="never" nodeType="tmRoot"/>
+      </p:par>
+    </p:tnLst>
+  </p:timing>
+</p:sld>
+</file>
+
+<file path=ppt/slides/slide80.xml><?xml version="1.0" encoding="utf-8"?>
+<p:sld xmlns:a="http://schemas.openxmlformats.org/drawingml/2006/main" xmlns:r="http://schemas.openxmlformats.org/officeDocument/2006/relationships" xmlns:p="http://schemas.openxmlformats.org/presentationml/2006/main">
+  <p:cSld>
+    <p:spTree>
+      <p:nvGrpSpPr>
+        <p:cNvPr id="1" name=""/>
+        <p:cNvGrpSpPr/>
+        <p:nvPr/>
+      </p:nvGrpSpPr>
+      <p:grpSpPr>
+        <a:xfrm>
+          <a:off x="0" y="0"/>
+          <a:ext cx="0" cy="0"/>
+          <a:chOff x="0" y="0"/>
+          <a:chExt cx="0" cy="0"/>
+        </a:xfrm>
+      </p:grpSpPr>
+      <p:sp>
+        <p:nvSpPr>
+          <p:cNvPr id="2" name="Title 1"/>
+          <p:cNvSpPr>
+            <a:spLocks noGrp="1"/>
+          </p:cNvSpPr>
+          <p:nvPr>
+            <p:ph type="ctrTitle"/>
+          </p:nvPr>
+        </p:nvSpPr>
+        <p:spPr/>
+        <p:txBody>
+          <a:bodyPr/>
+          <a:lstStyle/>
+          <a:p>
+            <a:r>
+              <a:rPr lang="en-US" dirty="0" smtClean="0"/>
+              <a:t>DEMO</a:t>
+            </a:r>
+            <a:endParaRPr lang="en-US" dirty="0"/>
+          </a:p>
+        </p:txBody>
+      </p:sp>
+      <p:sp>
+        <p:nvSpPr>
+          <p:cNvPr id="3" name="Content Placeholder 2"/>
+          <p:cNvSpPr>
+            <a:spLocks noGrp="1"/>
+          </p:cNvSpPr>
+          <p:nvPr>
+            <p:ph sz="quarter" idx="11"/>
+          </p:nvPr>
+        </p:nvSpPr>
+        <p:spPr/>
+        <p:txBody>
+          <a:bodyPr/>
+          <a:lstStyle/>
+          <a:p>
+            <a:r>
+              <a:rPr lang="en-US" dirty="0"/>
+              <a:t>JSON &amp; HTTP</a:t>
+            </a:r>
+          </a:p>
+        </p:txBody>
+      </p:sp>
+    </p:spTree>
+    <p:extLst>
+      <p:ext uri="{BB962C8B-B14F-4D97-AF65-F5344CB8AC3E}">
+        <p14:creationId xmlns:p14="http://schemas.microsoft.com/office/powerpoint/2010/main" val="784677663"/>
+      </p:ext>
+    </p:extLst>
+  </p:cSld>
+  <p:clrMapOvr>
+    <a:masterClrMapping/>
+  </p:clrMapOvr>
+  <p:timing>
+    <p:tnLst>
+      <p:par>
+        <p:cTn id="1" dur="indefinite" restart="never" nodeType="tmRoot"/>
+      </p:par>
+    </p:tnLst>
+  </p:timing>
+</p:sld>
+</file>
+
 <file path=ppt/slides/slide81.xml><?xml version="1.0" encoding="utf-8"?>
 <p:sld xmlns:a="http://schemas.openxmlformats.org/drawingml/2006/main" xmlns:r="http://schemas.openxmlformats.org/officeDocument/2006/relationships" xmlns:p="http://schemas.openxmlformats.org/presentationml/2006/main">
   <p:cSld>
@@ -38634,7 +38557,7 @@
           <a:lstStyle/>
           <a:p>
             <a:r>
-              <a:rPr lang="en-US" sz="2400" b="1" dirty="0" smtClean="0">
+              <a:rPr lang="en-US" sz="2400" b="1" dirty="0">
                 <a:solidFill>
                   <a:schemeClr val="bg1">
                     <a:lumMod val="95000"/>
@@ -38644,18 +38567,8 @@
                 <a:ea typeface="Open Sans Extrabold" charset="0"/>
                 <a:cs typeface="Open Sans Extrabold" charset="0"/>
               </a:rPr>
-              <a:t>JavaScript Into JSON</a:t>
-            </a:r>
-            <a:endParaRPr lang="en-US" sz="2400" b="1" dirty="0">
-              <a:solidFill>
-                <a:schemeClr val="bg1">
-                  <a:lumMod val="95000"/>
-                </a:schemeClr>
-              </a:solidFill>
-              <a:latin typeface="Open Sans Extrabold" charset="0"/>
-              <a:ea typeface="Open Sans Extrabold" charset="0"/>
-              <a:cs typeface="Open Sans Extrabold" charset="0"/>
-            </a:endParaRPr>
+              <a:t>JSON Into JavaScript</a:t>
+            </a:r>
           </a:p>
         </p:txBody>
       </p:sp>
@@ -38682,17 +38595,53 @@
           <a:lstStyle/>
           <a:p>
             <a:r>
+              <a:rPr lang="en-US" sz="2000" dirty="0" smtClean="0">
+                <a:solidFill>
+                  <a:srgbClr val="66D9EF"/>
+                </a:solidFill>
+                <a:latin typeface="Monaco" charset="0"/>
+              </a:rPr>
+              <a:t>let</a:t>
+            </a:r>
+            <a:r>
+              <a:rPr lang="en-US" sz="2000" dirty="0" smtClean="0">
+                <a:solidFill>
+                  <a:srgbClr val="F8F8F2"/>
+                </a:solidFill>
+                <a:latin typeface="Monaco" charset="0"/>
+              </a:rPr>
+              <a:t> </a:t>
+            </a:r>
+            <a:r>
+              <a:rPr lang="en-US" sz="2000" dirty="0" err="1">
+                <a:solidFill>
+                  <a:srgbClr val="A6E22E"/>
+                </a:solidFill>
+                <a:latin typeface="Monaco" charset="0"/>
+              </a:rPr>
+              <a:t>JSONString</a:t>
+            </a:r>
+            <a:r>
               <a:rPr lang="en-US" sz="2000" dirty="0">
                 <a:solidFill>
-                  <a:srgbClr val="66D9EF"/>
-                </a:solidFill>
-                <a:latin typeface="Monaco" charset="0"/>
-              </a:rPr>
-              <a:t>let</a:t>
+                  <a:srgbClr val="F8F8F2"/>
+                </a:solidFill>
+                <a:latin typeface="Monaco" charset="0"/>
+              </a:rPr>
+              <a:t> </a:t>
             </a:r>
             <a:r>
               <a:rPr lang="en-US" sz="2000" dirty="0">
                 <a:solidFill>
+                  <a:srgbClr val="F92672"/>
+                </a:solidFill>
+                <a:latin typeface="Monaco" charset="0"/>
+              </a:rPr>
+              <a:t>=</a:t>
+            </a:r>
+            <a:r>
+              <a:rPr lang="en-US" sz="2000" dirty="0">
+                <a:solidFill>
                   <a:srgbClr val="F8F8F2"/>
                 </a:solidFill>
                 <a:latin typeface="Monaco" charset="0"/>
@@ -38700,145 +38649,42 @@
               <a:t> </a:t>
             </a:r>
             <a:r>
+              <a:rPr lang="en-US" sz="2000" dirty="0" smtClean="0">
+                <a:solidFill>
+                  <a:srgbClr val="E6DB74"/>
+                </a:solidFill>
+                <a:latin typeface="Monaco" charset="0"/>
+              </a:rPr>
+              <a:t>'{ </a:t>
+            </a:r>
+            <a:r>
               <a:rPr lang="en-US" sz="2000" dirty="0">
                 <a:solidFill>
-                  <a:srgbClr val="A6E22E"/>
-                </a:solidFill>
-                <a:latin typeface="Monaco" charset="0"/>
-              </a:rPr>
-              <a:t>post</a:t>
-            </a:r>
-            <a:r>
-              <a:rPr lang="en-US" sz="2000" dirty="0">
+                  <a:srgbClr val="E6DB74"/>
+                </a:solidFill>
+                <a:latin typeface="Monaco" charset="0"/>
+              </a:rPr>
+              <a:t>"id": 1, "title": "Hello JSON!" </a:t>
+            </a:r>
+            <a:r>
+              <a:rPr lang="en-US" sz="2000" dirty="0" smtClean="0">
+                <a:solidFill>
+                  <a:srgbClr val="E6DB74"/>
+                </a:solidFill>
+                <a:latin typeface="Monaco" charset="0"/>
+              </a:rPr>
+              <a:t>}'</a:t>
+            </a:r>
+            <a:r>
+              <a:rPr lang="en-US" sz="2000" dirty="0" smtClean="0">
                 <a:solidFill>
                   <a:srgbClr val="F8F8F2"/>
                 </a:solidFill>
                 <a:latin typeface="Monaco" charset="0"/>
               </a:rPr>
-              <a:t> </a:t>
-            </a:r>
-            <a:r>
-              <a:rPr lang="en-US" sz="2000" dirty="0">
-                <a:solidFill>
-                  <a:srgbClr val="F92672"/>
-                </a:solidFill>
-                <a:latin typeface="Monaco" charset="0"/>
-              </a:rPr>
-              <a:t>=</a:t>
-            </a:r>
-            <a:r>
-              <a:rPr lang="en-US" sz="2000" dirty="0">
-                <a:solidFill>
-                  <a:srgbClr val="F8F8F2"/>
-                </a:solidFill>
-                <a:latin typeface="Monaco" charset="0"/>
-              </a:rPr>
-              <a:t> {</a:t>
-            </a:r>
-          </a:p>
-          <a:p>
-            <a:r>
-              <a:rPr lang="cs-CZ" sz="2000" dirty="0">
-                <a:solidFill>
-                  <a:srgbClr val="F8F8F2"/>
-                </a:solidFill>
-                <a:latin typeface="Monaco" charset="0"/>
-              </a:rPr>
-              <a:t>	</a:t>
-            </a:r>
-            <a:r>
-              <a:rPr lang="cs-CZ" sz="2000" dirty="0" smtClean="0">
-                <a:solidFill>
-                  <a:srgbClr val="A6E22E"/>
-                </a:solidFill>
-                <a:latin typeface="Monaco" charset="0"/>
-              </a:rPr>
-              <a:t>id</a:t>
-            </a:r>
-            <a:r>
-              <a:rPr lang="cs-CZ" sz="2000" dirty="0">
-                <a:solidFill>
-                  <a:srgbClr val="F92672"/>
-                </a:solidFill>
-                <a:latin typeface="Monaco" charset="0"/>
-              </a:rPr>
-              <a:t>:</a:t>
-            </a:r>
-            <a:r>
-              <a:rPr lang="cs-CZ" sz="2000" dirty="0">
-                <a:solidFill>
-                  <a:srgbClr val="F8F8F2"/>
-                </a:solidFill>
-                <a:latin typeface="Monaco" charset="0"/>
-              </a:rPr>
-              <a:t> </a:t>
-            </a:r>
-            <a:r>
-              <a:rPr lang="cs-CZ" sz="2000" dirty="0">
-                <a:solidFill>
-                  <a:srgbClr val="AE81FF"/>
-                </a:solidFill>
-                <a:latin typeface="Monaco" charset="0"/>
-              </a:rPr>
-              <a:t>2</a:t>
-            </a:r>
-            <a:r>
-              <a:rPr lang="cs-CZ" sz="2000" dirty="0">
-                <a:solidFill>
-                  <a:srgbClr val="F8F8F2"/>
-                </a:solidFill>
-                <a:latin typeface="Monaco" charset="0"/>
-              </a:rPr>
               <a:t>,</a:t>
             </a:r>
-          </a:p>
-          <a:p>
-            <a:r>
-              <a:rPr lang="cs-CZ" sz="2000" dirty="0">
-                <a:solidFill>
-                  <a:srgbClr val="F8F8F2"/>
-                </a:solidFill>
-                <a:latin typeface="Monaco" charset="0"/>
-              </a:rPr>
-              <a:t>	</a:t>
-            </a:r>
-            <a:r>
-              <a:rPr lang="cs-CZ" sz="2000" dirty="0" err="1" smtClean="0">
-                <a:solidFill>
-                  <a:srgbClr val="A6E22E"/>
-                </a:solidFill>
-                <a:latin typeface="Monaco" charset="0"/>
-              </a:rPr>
-              <a:t>title</a:t>
-            </a:r>
-            <a:r>
-              <a:rPr lang="cs-CZ" sz="2000" dirty="0">
-                <a:solidFill>
-                  <a:srgbClr val="F92672"/>
-                </a:solidFill>
-                <a:latin typeface="Monaco" charset="0"/>
-              </a:rPr>
-              <a:t>:</a:t>
-            </a:r>
-            <a:r>
-              <a:rPr lang="cs-CZ" sz="2000" dirty="0">
-                <a:solidFill>
-                  <a:srgbClr val="F8F8F2"/>
-                </a:solidFill>
-                <a:latin typeface="Monaco" charset="0"/>
-              </a:rPr>
-              <a:t> </a:t>
-            </a:r>
-            <a:r>
-              <a:rPr lang="cs-CZ" sz="2000" dirty="0">
-                <a:solidFill>
-                  <a:srgbClr val="E6DB74"/>
-                </a:solidFill>
-                <a:latin typeface="Monaco" charset="0"/>
-              </a:rPr>
-              <a:t>"Hello JSON!"</a:t>
-            </a:r>
-            <a:endParaRPr lang="cs-CZ" sz="2000" dirty="0">
+            <a:endParaRPr lang="en-US" sz="2000" dirty="0">
               <a:solidFill>
                 <a:srgbClr val="F8F8F2"/>
               </a:solidFill>
@@ -38847,15 +38693,107 @@
           </a:p>
           <a:p>
             <a:r>
-              <a:rPr lang="cs-CZ" sz="2000" dirty="0" smtClean="0">
+              <a:rPr lang="en-US" sz="2000" dirty="0" smtClean="0">
                 <a:solidFill>
                   <a:srgbClr val="F8F8F2"/>
                 </a:solidFill>
                 <a:latin typeface="Monaco" charset="0"/>
               </a:rPr>
-              <a:t>    },</a:t>
-            </a:r>
-            <a:endParaRPr lang="cs-CZ" sz="2000" dirty="0">
+              <a:t>    </a:t>
+            </a:r>
+            <a:r>
+              <a:rPr lang="en-US" sz="2000" dirty="0" smtClean="0">
+                <a:solidFill>
+                  <a:srgbClr val="A6E22E"/>
+                </a:solidFill>
+                <a:latin typeface="Monaco" charset="0"/>
+              </a:rPr>
+              <a:t>post</a:t>
+            </a:r>
+            <a:r>
+              <a:rPr lang="en-US" sz="2000" dirty="0" smtClean="0">
+                <a:solidFill>
+                  <a:srgbClr val="F8F8F2"/>
+                </a:solidFill>
+                <a:latin typeface="Monaco" charset="0"/>
+              </a:rPr>
+              <a:t> </a:t>
+            </a:r>
+            <a:r>
+              <a:rPr lang="en-US" sz="2000" dirty="0">
+                <a:solidFill>
+                  <a:srgbClr val="F92672"/>
+                </a:solidFill>
+                <a:latin typeface="Monaco" charset="0"/>
+              </a:rPr>
+              <a:t>=</a:t>
+            </a:r>
+            <a:r>
+              <a:rPr lang="en-US" sz="2000" dirty="0">
+                <a:solidFill>
+                  <a:srgbClr val="F8F8F2"/>
+                </a:solidFill>
+                <a:latin typeface="Monaco" charset="0"/>
+              </a:rPr>
+              <a:t> </a:t>
+            </a:r>
+            <a:r>
+              <a:rPr lang="en-US" sz="2000" dirty="0" err="1">
+                <a:solidFill>
+                  <a:srgbClr val="A6E22E"/>
+                </a:solidFill>
+                <a:latin typeface="Monaco" charset="0"/>
+              </a:rPr>
+              <a:t>JSON</a:t>
+            </a:r>
+            <a:r>
+              <a:rPr lang="en-US" sz="2000" dirty="0" err="1">
+                <a:solidFill>
+                  <a:srgbClr val="F8F8F2"/>
+                </a:solidFill>
+                <a:latin typeface="Monaco" charset="0"/>
+              </a:rPr>
+              <a:t>.</a:t>
+            </a:r>
+            <a:r>
+              <a:rPr lang="en-US" sz="2000" dirty="0" err="1">
+                <a:solidFill>
+                  <a:srgbClr val="A6E22E"/>
+                </a:solidFill>
+                <a:latin typeface="Monaco" charset="0"/>
+              </a:rPr>
+              <a:t>parse</a:t>
+            </a:r>
+            <a:r>
+              <a:rPr lang="en-US" sz="2000" dirty="0">
+                <a:solidFill>
+                  <a:srgbClr val="F8F8F2"/>
+                </a:solidFill>
+                <a:latin typeface="Monaco" charset="0"/>
+              </a:rPr>
+              <a:t>( </a:t>
+            </a:r>
+            <a:r>
+              <a:rPr lang="en-US" sz="2000" dirty="0" err="1">
+                <a:solidFill>
+                  <a:srgbClr val="A6E22E"/>
+                </a:solidFill>
+                <a:latin typeface="Monaco" charset="0"/>
+              </a:rPr>
+              <a:t>JSONString</a:t>
+            </a:r>
+            <a:r>
+              <a:rPr lang="en-US" sz="2000" dirty="0">
+                <a:solidFill>
+                  <a:srgbClr val="F8F8F2"/>
+                </a:solidFill>
+                <a:latin typeface="Monaco" charset="0"/>
+              </a:rPr>
+              <a:t> );</a:t>
+            </a:r>
+          </a:p>
+          <a:p>
+            <a:endParaRPr lang="en-US" sz="2000" dirty="0">
               <a:solidFill>
                 <a:srgbClr val="F8F8F2"/>
               </a:solidFill>
@@ -38864,167 +38802,67 @@
           </a:p>
           <a:p>
             <a:r>
-              <a:rPr lang="cs-CZ" sz="2000" dirty="0" smtClean="0">
+              <a:rPr lang="en-US" sz="2000" dirty="0" err="1" smtClean="0">
                 <a:solidFill>
                   <a:srgbClr val="A6E22E"/>
                 </a:solidFill>
                 <a:latin typeface="Monaco" charset="0"/>
               </a:rPr>
-              <a:t>    </a:t>
-            </a:r>
-            <a:r>
-              <a:rPr lang="cs-CZ" sz="2000" dirty="0" err="1" smtClean="0">
+              <a:t>console</a:t>
+            </a:r>
+            <a:r>
+              <a:rPr lang="en-US" sz="2000" dirty="0" err="1" smtClean="0">
+                <a:solidFill>
+                  <a:srgbClr val="F8F8F2"/>
+                </a:solidFill>
+                <a:latin typeface="Monaco" charset="0"/>
+              </a:rPr>
+              <a:t>.</a:t>
+            </a:r>
+            <a:r>
+              <a:rPr lang="en-US" sz="2000" dirty="0" err="1" smtClean="0">
                 <a:solidFill>
                   <a:srgbClr val="A6E22E"/>
                 </a:solidFill>
                 <a:latin typeface="Monaco" charset="0"/>
               </a:rPr>
-              <a:t>postJSON</a:t>
-            </a:r>
-            <a:r>
-              <a:rPr lang="cs-CZ" sz="2000" dirty="0" smtClean="0">
+              <a:t>log</a:t>
+            </a:r>
+            <a:r>
+              <a:rPr lang="en-US" sz="2000" dirty="0" smtClean="0">
                 <a:solidFill>
                   <a:srgbClr val="F8F8F2"/>
                 </a:solidFill>
                 <a:latin typeface="Monaco" charset="0"/>
               </a:rPr>
+              <a:t>( </a:t>
+            </a:r>
+            <a:r>
+              <a:rPr lang="en-US" sz="2000" dirty="0" err="1" smtClean="0">
+                <a:solidFill>
+                  <a:srgbClr val="A6E22E"/>
+                </a:solidFill>
+                <a:latin typeface="Monaco" charset="0"/>
+              </a:rPr>
+              <a:t>post.title</a:t>
+            </a:r>
+            <a:r>
+              <a:rPr lang="en-US" sz="2000" dirty="0" smtClean="0">
+                <a:solidFill>
+                  <a:srgbClr val="F8F8F2"/>
+                </a:solidFill>
+                <a:latin typeface="Monaco" charset="0"/>
+              </a:rPr>
               <a:t> </a:t>
             </a:r>
             <a:r>
-              <a:rPr lang="cs-CZ" sz="2000" dirty="0">
-                <a:solidFill>
-                  <a:srgbClr val="F92672"/>
-                </a:solidFill>
-                <a:latin typeface="Monaco" charset="0"/>
-              </a:rPr>
-              <a:t>=</a:t>
-            </a:r>
-            <a:r>
-              <a:rPr lang="cs-CZ" sz="2000" dirty="0">
+              <a:rPr lang="en-US" sz="2000" dirty="0">
                 <a:solidFill>
                   <a:srgbClr val="F8F8F2"/>
                 </a:solidFill>
                 <a:latin typeface="Monaco" charset="0"/>
               </a:rPr>
-              <a:t> </a:t>
-            </a:r>
-            <a:r>
-              <a:rPr lang="cs-CZ" sz="2000" dirty="0" err="1">
-                <a:solidFill>
-                  <a:srgbClr val="A6E22E"/>
-                </a:solidFill>
-                <a:latin typeface="Monaco" charset="0"/>
-              </a:rPr>
-              <a:t>JSON</a:t>
-            </a:r>
-            <a:r>
-              <a:rPr lang="cs-CZ" sz="2000" dirty="0" err="1">
-                <a:solidFill>
-                  <a:srgbClr val="F8F8F2"/>
-                </a:solidFill>
-                <a:latin typeface="Monaco" charset="0"/>
-              </a:rPr>
-              <a:t>.</a:t>
-            </a:r>
-            <a:r>
-              <a:rPr lang="cs-CZ" sz="2000" dirty="0" err="1">
-                <a:solidFill>
-                  <a:srgbClr val="A6E22E"/>
-                </a:solidFill>
-                <a:latin typeface="Monaco" charset="0"/>
-              </a:rPr>
-              <a:t>stringify</a:t>
-            </a:r>
-            <a:r>
-              <a:rPr lang="cs-CZ" sz="2000" dirty="0">
-                <a:solidFill>
-                  <a:srgbClr val="F8F8F2"/>
-                </a:solidFill>
-                <a:latin typeface="Monaco" charset="0"/>
-              </a:rPr>
-              <a:t>( </a:t>
-            </a:r>
-            <a:r>
-              <a:rPr lang="cs-CZ" sz="2000" dirty="0">
-                <a:solidFill>
-                  <a:srgbClr val="A6E22E"/>
-                </a:solidFill>
-                <a:latin typeface="Monaco" charset="0"/>
-              </a:rPr>
-              <a:t>post</a:t>
-            </a:r>
-            <a:r>
-              <a:rPr lang="cs-CZ" sz="2000" dirty="0">
-                <a:solidFill>
-                  <a:srgbClr val="F8F8F2"/>
-                </a:solidFill>
-                <a:latin typeface="Monaco" charset="0"/>
-              </a:rPr>
-              <a:t> );</a:t>
-            </a:r>
-          </a:p>
-          <a:p>
-            <a:endParaRPr lang="cs-CZ" sz="2000" dirty="0">
-              <a:solidFill>
-                <a:srgbClr val="F8F8F2"/>
-              </a:solidFill>
-              <a:latin typeface="Monaco" charset="0"/>
-            </a:endParaRPr>
-          </a:p>
-          <a:p>
-            <a:r>
-              <a:rPr lang="cs-CZ" sz="2000" dirty="0" err="1">
-                <a:solidFill>
-                  <a:srgbClr val="A6E22E"/>
-                </a:solidFill>
-                <a:latin typeface="Monaco" charset="0"/>
-              </a:rPr>
-              <a:t>console</a:t>
-            </a:r>
-            <a:r>
-              <a:rPr lang="cs-CZ" sz="2000" dirty="0" err="1">
-                <a:solidFill>
-                  <a:srgbClr val="F8F8F2"/>
-                </a:solidFill>
-                <a:latin typeface="Monaco" charset="0"/>
-              </a:rPr>
-              <a:t>.</a:t>
-            </a:r>
-            <a:r>
-              <a:rPr lang="cs-CZ" sz="2000" dirty="0" err="1">
-                <a:solidFill>
-                  <a:srgbClr val="A6E22E"/>
-                </a:solidFill>
-                <a:latin typeface="Monaco" charset="0"/>
-              </a:rPr>
-              <a:t>log</a:t>
-            </a:r>
-            <a:r>
-              <a:rPr lang="cs-CZ" sz="2000" dirty="0">
-                <a:solidFill>
-                  <a:srgbClr val="F8F8F2"/>
-                </a:solidFill>
-                <a:latin typeface="Monaco" charset="0"/>
-              </a:rPr>
-              <a:t>( </a:t>
-            </a:r>
-            <a:r>
-              <a:rPr lang="cs-CZ" sz="2000" dirty="0" err="1">
-                <a:solidFill>
-                  <a:srgbClr val="A6E22E"/>
-                </a:solidFill>
-                <a:latin typeface="Monaco" charset="0"/>
-              </a:rPr>
-              <a:t>postJSON</a:t>
-            </a:r>
-            <a:r>
-              <a:rPr lang="cs-CZ" sz="2000" dirty="0">
-                <a:solidFill>
-                  <a:srgbClr val="F8F8F2"/>
-                </a:solidFill>
-                <a:latin typeface="Monaco" charset="0"/>
-              </a:rPr>
-              <a:t> );</a:t>
+              <a:t>);</a:t>
             </a:r>
           </a:p>
           <a:p>
@@ -39040,7 +38878,7 @@
     </p:spTree>
     <p:extLst>
       <p:ext uri="{BB962C8B-B14F-4D97-AF65-F5344CB8AC3E}">
-        <p14:creationId xmlns:p14="http://schemas.microsoft.com/office/powerpoint/2010/main" val="1171842334"/>
+        <p14:creationId xmlns:p14="http://schemas.microsoft.com/office/powerpoint/2010/main" val="2065026305"/>
       </p:ext>
     </p:extLst>
   </p:cSld>
@@ -39155,88 +38993,6 @@
       </p:grpSpPr>
       <p:sp>
         <p:nvSpPr>
-          <p:cNvPr id="2" name="Title 1"/>
-          <p:cNvSpPr>
-            <a:spLocks noGrp="1"/>
-          </p:cNvSpPr>
-          <p:nvPr>
-            <p:ph type="ctrTitle"/>
-          </p:nvPr>
-        </p:nvSpPr>
-        <p:spPr/>
-        <p:txBody>
-          <a:bodyPr/>
-          <a:lstStyle/>
-          <a:p>
-            <a:r>
-              <a:rPr lang="en-US" dirty="0" smtClean="0"/>
-              <a:t>DEMO</a:t>
-            </a:r>
-            <a:endParaRPr lang="en-US" dirty="0"/>
-          </a:p>
-        </p:txBody>
-      </p:sp>
-      <p:sp>
-        <p:nvSpPr>
-          <p:cNvPr id="3" name="Content Placeholder 2"/>
-          <p:cNvSpPr>
-            <a:spLocks noGrp="1"/>
-          </p:cNvSpPr>
-          <p:nvPr>
-            <p:ph sz="quarter" idx="11"/>
-          </p:nvPr>
-        </p:nvSpPr>
-        <p:spPr/>
-        <p:txBody>
-          <a:bodyPr/>
-          <a:lstStyle/>
-          <a:p>
-            <a:r>
-              <a:rPr lang="en-US" dirty="0"/>
-              <a:t>JSON &amp; HTTP</a:t>
-            </a:r>
-          </a:p>
-        </p:txBody>
-      </p:sp>
-    </p:spTree>
-    <p:extLst>
-      <p:ext uri="{BB962C8B-B14F-4D97-AF65-F5344CB8AC3E}">
-        <p14:creationId xmlns:p14="http://schemas.microsoft.com/office/powerpoint/2010/main" val="826900223"/>
-      </p:ext>
-    </p:extLst>
-  </p:cSld>
-  <p:clrMapOvr>
-    <a:masterClrMapping/>
-  </p:clrMapOvr>
-  <p:timing>
-    <p:tnLst>
-      <p:par>
-        <p:cTn id="1" dur="indefinite" restart="never" nodeType="tmRoot"/>
-      </p:par>
-    </p:tnLst>
-  </p:timing>
-</p:sld>
-</file>
-
-<file path=ppt/slides/slide83.xml><?xml version="1.0" encoding="utf-8"?>
-<p:sld xmlns:a="http://schemas.openxmlformats.org/drawingml/2006/main" xmlns:r="http://schemas.openxmlformats.org/officeDocument/2006/relationships" xmlns:p="http://schemas.openxmlformats.org/presentationml/2006/main">
-  <p:cSld>
-    <p:spTree>
-      <p:nvGrpSpPr>
-        <p:cNvPr id="1" name=""/>
-        <p:cNvGrpSpPr/>
-        <p:nvPr/>
-      </p:nvGrpSpPr>
-      <p:grpSpPr>
-        <a:xfrm>
-          <a:off x="0" y="0"/>
-          <a:ext cx="0" cy="0"/>
-          <a:chOff x="0" y="0"/>
-          <a:chExt cx="0" cy="0"/>
-        </a:xfrm>
-      </p:grpSpPr>
-      <p:sp>
-        <p:nvSpPr>
           <p:cNvPr id="4" name="Content Placeholder 3"/>
           <p:cNvSpPr>
             <a:spLocks noGrp="1"/>
@@ -39289,7 +39045,7 @@
                 <a:ea typeface="Open Sans Extrabold" charset="0"/>
                 <a:cs typeface="Open Sans Extrabold" charset="0"/>
               </a:rPr>
-              <a:t>Making HTTP Get Requests with Fetch</a:t>
+              <a:t>JavaScript Into JSON</a:t>
             </a:r>
             <a:endParaRPr lang="en-US" sz="2400" b="1" dirty="0">
               <a:solidFill>
@@ -39316,24 +39072,24 @@
         </p:nvSpPr>
         <p:spPr>
           <a:xfrm>
-            <a:off x="609600" y="1064526"/>
-            <a:ext cx="8534400" cy="3616656"/>
+            <a:off x="609600" y="1310185"/>
+            <a:ext cx="8534400" cy="3370996"/>
           </a:xfrm>
         </p:spPr>
         <p:txBody>
           <a:bodyPr>
-            <a:normAutofit fontScale="92500" lnSpcReduction="10000"/>
+            <a:normAutofit/>
           </a:bodyPr>
           <a:lstStyle/>
           <a:p>
             <a:r>
               <a:rPr lang="en-US" sz="2000" dirty="0">
                 <a:solidFill>
-                  <a:srgbClr val="00B0F0"/>
-                </a:solidFill>
-                <a:latin typeface="Monaco" charset="0"/>
-              </a:rPr>
-              <a:t>fetch</a:t>
+                  <a:srgbClr val="66D9EF"/>
+                </a:solidFill>
+                <a:latin typeface="Monaco" charset="0"/>
+              </a:rPr>
+              <a:t>let</a:t>
             </a:r>
             <a:r>
               <a:rPr lang="en-US" sz="2000" dirty="0">
@@ -39342,519 +39098,337 @@
                 </a:solidFill>
                 <a:latin typeface="Monaco" charset="0"/>
               </a:rPr>
+              <a:t> </a:t>
+            </a:r>
+            <a:r>
+              <a:rPr lang="en-US" sz="2000" dirty="0">
+                <a:solidFill>
+                  <a:srgbClr val="A6E22E"/>
+                </a:solidFill>
+                <a:latin typeface="Monaco" charset="0"/>
+              </a:rPr>
+              <a:t>post</a:t>
+            </a:r>
+            <a:r>
+              <a:rPr lang="en-US" sz="2000" dirty="0">
+                <a:solidFill>
+                  <a:srgbClr val="F8F8F2"/>
+                </a:solidFill>
+                <a:latin typeface="Monaco" charset="0"/>
+              </a:rPr>
+              <a:t> </a:t>
+            </a:r>
+            <a:r>
+              <a:rPr lang="en-US" sz="2000" dirty="0">
+                <a:solidFill>
+                  <a:srgbClr val="F92672"/>
+                </a:solidFill>
+                <a:latin typeface="Monaco" charset="0"/>
+              </a:rPr>
+              <a:t>=</a:t>
+            </a:r>
+            <a:r>
+              <a:rPr lang="en-US" sz="2000" dirty="0">
+                <a:solidFill>
+                  <a:srgbClr val="F8F8F2"/>
+                </a:solidFill>
+                <a:latin typeface="Monaco" charset="0"/>
+              </a:rPr>
+              <a:t> {</a:t>
+            </a:r>
+          </a:p>
+          <a:p>
+            <a:r>
+              <a:rPr lang="cs-CZ" sz="2000" dirty="0">
+                <a:solidFill>
+                  <a:srgbClr val="F8F8F2"/>
+                </a:solidFill>
+                <a:latin typeface="Monaco" charset="0"/>
+              </a:rPr>
+              <a:t>	</a:t>
+            </a:r>
+            <a:r>
+              <a:rPr lang="cs-CZ" sz="2000" dirty="0" smtClean="0">
+                <a:solidFill>
+                  <a:srgbClr val="A6E22E"/>
+                </a:solidFill>
+                <a:latin typeface="Monaco" charset="0"/>
+              </a:rPr>
+              <a:t>id</a:t>
+            </a:r>
+            <a:r>
+              <a:rPr lang="cs-CZ" sz="2000" dirty="0">
+                <a:solidFill>
+                  <a:srgbClr val="F92672"/>
+                </a:solidFill>
+                <a:latin typeface="Monaco" charset="0"/>
+              </a:rPr>
+              <a:t>:</a:t>
+            </a:r>
+            <a:r>
+              <a:rPr lang="cs-CZ" sz="2000" dirty="0">
+                <a:solidFill>
+                  <a:srgbClr val="F8F8F2"/>
+                </a:solidFill>
+                <a:latin typeface="Monaco" charset="0"/>
+              </a:rPr>
+              <a:t> </a:t>
+            </a:r>
+            <a:r>
+              <a:rPr lang="cs-CZ" sz="2000" dirty="0">
+                <a:solidFill>
+                  <a:srgbClr val="AE81FF"/>
+                </a:solidFill>
+                <a:latin typeface="Monaco" charset="0"/>
+              </a:rPr>
+              <a:t>2</a:t>
+            </a:r>
+            <a:r>
+              <a:rPr lang="cs-CZ" sz="2000" dirty="0">
+                <a:solidFill>
+                  <a:srgbClr val="F8F8F2"/>
+                </a:solidFill>
+                <a:latin typeface="Monaco" charset="0"/>
+              </a:rPr>
+              <a:t>,</a:t>
+            </a:r>
+          </a:p>
+          <a:p>
+            <a:r>
+              <a:rPr lang="cs-CZ" sz="2000" dirty="0">
+                <a:solidFill>
+                  <a:srgbClr val="F8F8F2"/>
+                </a:solidFill>
+                <a:latin typeface="Monaco" charset="0"/>
+              </a:rPr>
+              <a:t>	</a:t>
+            </a:r>
+            <a:r>
+              <a:rPr lang="cs-CZ" sz="2000" dirty="0" err="1" smtClean="0">
+                <a:solidFill>
+                  <a:srgbClr val="A6E22E"/>
+                </a:solidFill>
+                <a:latin typeface="Monaco" charset="0"/>
+              </a:rPr>
+              <a:t>title</a:t>
+            </a:r>
+            <a:r>
+              <a:rPr lang="cs-CZ" sz="2000" dirty="0">
+                <a:solidFill>
+                  <a:srgbClr val="F92672"/>
+                </a:solidFill>
+                <a:latin typeface="Monaco" charset="0"/>
+              </a:rPr>
+              <a:t>:</a:t>
+            </a:r>
+            <a:r>
+              <a:rPr lang="cs-CZ" sz="2000" dirty="0">
+                <a:solidFill>
+                  <a:srgbClr val="F8F8F2"/>
+                </a:solidFill>
+                <a:latin typeface="Monaco" charset="0"/>
+              </a:rPr>
+              <a:t> </a:t>
+            </a:r>
+            <a:r>
+              <a:rPr lang="cs-CZ" sz="2000" dirty="0">
+                <a:solidFill>
+                  <a:srgbClr val="E6DB74"/>
+                </a:solidFill>
+                <a:latin typeface="Monaco" charset="0"/>
+              </a:rPr>
+              <a:t>"Hello JSON!"</a:t>
+            </a:r>
+            <a:endParaRPr lang="cs-CZ" sz="2000" dirty="0">
+              <a:solidFill>
+                <a:srgbClr val="F8F8F2"/>
+              </a:solidFill>
+              <a:latin typeface="Monaco" charset="0"/>
+            </a:endParaRPr>
+          </a:p>
+          <a:p>
+            <a:r>
+              <a:rPr lang="cs-CZ" sz="2000" dirty="0" smtClean="0">
+                <a:solidFill>
+                  <a:srgbClr val="F8F8F2"/>
+                </a:solidFill>
+                <a:latin typeface="Monaco" charset="0"/>
+              </a:rPr>
+              <a:t>    },</a:t>
+            </a:r>
+            <a:endParaRPr lang="cs-CZ" sz="2000" dirty="0">
+              <a:solidFill>
+                <a:srgbClr val="F8F8F2"/>
+              </a:solidFill>
+              <a:latin typeface="Monaco" charset="0"/>
+            </a:endParaRPr>
+          </a:p>
+          <a:p>
+            <a:r>
+              <a:rPr lang="cs-CZ" sz="2000" dirty="0" smtClean="0">
+                <a:solidFill>
+                  <a:srgbClr val="A6E22E"/>
+                </a:solidFill>
+                <a:latin typeface="Monaco" charset="0"/>
+              </a:rPr>
+              <a:t>    </a:t>
+            </a:r>
+            <a:r>
+              <a:rPr lang="cs-CZ" sz="2000" dirty="0" err="1" smtClean="0">
+                <a:solidFill>
+                  <a:srgbClr val="A6E22E"/>
+                </a:solidFill>
+                <a:latin typeface="Monaco" charset="0"/>
+              </a:rPr>
+              <a:t>postJSON</a:t>
+            </a:r>
+            <a:r>
+              <a:rPr lang="cs-CZ" sz="2000" dirty="0" smtClean="0">
+                <a:solidFill>
+                  <a:srgbClr val="F8F8F2"/>
+                </a:solidFill>
+                <a:latin typeface="Monaco" charset="0"/>
+              </a:rPr>
+              <a:t> </a:t>
+            </a:r>
+            <a:r>
+              <a:rPr lang="cs-CZ" sz="2000" dirty="0">
+                <a:solidFill>
+                  <a:srgbClr val="F92672"/>
+                </a:solidFill>
+                <a:latin typeface="Monaco" charset="0"/>
+              </a:rPr>
+              <a:t>=</a:t>
+            </a:r>
+            <a:r>
+              <a:rPr lang="cs-CZ" sz="2000" dirty="0">
+                <a:solidFill>
+                  <a:srgbClr val="F8F8F2"/>
+                </a:solidFill>
+                <a:latin typeface="Monaco" charset="0"/>
+              </a:rPr>
+              <a:t> </a:t>
+            </a:r>
+            <a:r>
+              <a:rPr lang="cs-CZ" sz="2000" dirty="0" err="1">
+                <a:solidFill>
+                  <a:srgbClr val="A6E22E"/>
+                </a:solidFill>
+                <a:latin typeface="Monaco" charset="0"/>
+              </a:rPr>
+              <a:t>JSON</a:t>
+            </a:r>
+            <a:r>
+              <a:rPr lang="cs-CZ" sz="2000" dirty="0" err="1">
+                <a:solidFill>
+                  <a:srgbClr val="F8F8F2"/>
+                </a:solidFill>
+                <a:latin typeface="Monaco" charset="0"/>
+              </a:rPr>
+              <a:t>.</a:t>
+            </a:r>
+            <a:r>
+              <a:rPr lang="cs-CZ" sz="2000" dirty="0" err="1">
+                <a:solidFill>
+                  <a:srgbClr val="A6E22E"/>
+                </a:solidFill>
+                <a:latin typeface="Monaco" charset="0"/>
+              </a:rPr>
+              <a:t>stringify</a:t>
+            </a:r>
+            <a:r>
+              <a:rPr lang="cs-CZ" sz="2000" dirty="0">
+                <a:solidFill>
+                  <a:srgbClr val="F8F8F2"/>
+                </a:solidFill>
+                <a:latin typeface="Monaco" charset="0"/>
+              </a:rPr>
               <a:t>( </a:t>
             </a:r>
             <a:r>
-              <a:rPr lang="en-US" sz="2000" dirty="0">
-                <a:solidFill>
-                  <a:srgbClr val="960050"/>
-                </a:solidFill>
-                <a:latin typeface="Monaco" charset="0"/>
-              </a:rPr>
-              <a:t>‘</a:t>
-            </a:r>
-            <a:r>
-              <a:rPr lang="en-US" sz="2000" dirty="0">
+              <a:rPr lang="cs-CZ" sz="2000" dirty="0">
                 <a:solidFill>
                   <a:srgbClr val="A6E22E"/>
                 </a:solidFill>
                 <a:latin typeface="Monaco" charset="0"/>
               </a:rPr>
-              <a:t>https://</a:t>
-            </a:r>
-            <a:r>
-              <a:rPr lang="en-US" sz="2000" dirty="0" err="1" smtClean="0">
+              <a:t>post</a:t>
+            </a:r>
+            <a:r>
+              <a:rPr lang="cs-CZ" sz="2000" dirty="0">
+                <a:solidFill>
+                  <a:srgbClr val="F8F8F2"/>
+                </a:solidFill>
+                <a:latin typeface="Monaco" charset="0"/>
+              </a:rPr>
+              <a:t> );</a:t>
+            </a:r>
+          </a:p>
+          <a:p>
+            <a:endParaRPr lang="cs-CZ" sz="2000" dirty="0">
+              <a:solidFill>
+                <a:srgbClr val="F8F8F2"/>
+              </a:solidFill>
+              <a:latin typeface="Monaco" charset="0"/>
+            </a:endParaRPr>
+          </a:p>
+          <a:p>
+            <a:r>
+              <a:rPr lang="cs-CZ" sz="2000" dirty="0" err="1">
                 <a:solidFill>
                   <a:srgbClr val="A6E22E"/>
                 </a:solidFill>
                 <a:latin typeface="Monaco" charset="0"/>
               </a:rPr>
-              <a:t>site.com</a:t>
-            </a:r>
-            <a:r>
-              <a:rPr lang="en-US" sz="2000" dirty="0" smtClean="0">
+              <a:t>console</a:t>
+            </a:r>
+            <a:r>
+              <a:rPr lang="cs-CZ" sz="2000" dirty="0" err="1">
+                <a:solidFill>
+                  <a:srgbClr val="F8F8F2"/>
+                </a:solidFill>
+                <a:latin typeface="Monaco" charset="0"/>
+              </a:rPr>
+              <a:t>.</a:t>
+            </a:r>
+            <a:r>
+              <a:rPr lang="cs-CZ" sz="2000" dirty="0" err="1">
                 <a:solidFill>
                   <a:srgbClr val="A6E22E"/>
                 </a:solidFill>
                 <a:latin typeface="Monaco" charset="0"/>
               </a:rPr>
-              <a:t>/</a:t>
-            </a:r>
-            <a:r>
-              <a:rPr lang="en-US" sz="2000" dirty="0" err="1" smtClean="0">
+              <a:t>log</a:t>
+            </a:r>
+            <a:r>
+              <a:rPr lang="cs-CZ" sz="2000" dirty="0">
+                <a:solidFill>
+                  <a:srgbClr val="F8F8F2"/>
+                </a:solidFill>
+                <a:latin typeface="Monaco" charset="0"/>
+              </a:rPr>
+              <a:t>( </a:t>
+            </a:r>
+            <a:r>
+              <a:rPr lang="cs-CZ" sz="2000" dirty="0" err="1">
                 <a:solidFill>
                   <a:srgbClr val="A6E22E"/>
                 </a:solidFill>
                 <a:latin typeface="Monaco" charset="0"/>
               </a:rPr>
-              <a:t>wp-json</a:t>
-            </a:r>
-            <a:r>
-              <a:rPr lang="en-US" sz="2000" dirty="0" smtClean="0">
-                <a:solidFill>
-                  <a:srgbClr val="A6E22E"/>
-                </a:solidFill>
-                <a:latin typeface="Monaco" charset="0"/>
-              </a:rPr>
-              <a:t>/</a:t>
-            </a:r>
-            <a:r>
-              <a:rPr lang="en-US" sz="2000" dirty="0" err="1" smtClean="0">
-                <a:solidFill>
-                  <a:srgbClr val="A6E22E"/>
-                </a:solidFill>
-                <a:latin typeface="Monaco" charset="0"/>
-              </a:rPr>
-              <a:t>wp</a:t>
-            </a:r>
-            <a:r>
-              <a:rPr lang="en-US" sz="2000" dirty="0" smtClean="0">
-                <a:solidFill>
-                  <a:srgbClr val="A6E22E"/>
-                </a:solidFill>
-                <a:latin typeface="Monaco" charset="0"/>
-              </a:rPr>
-              <a:t>/v2/posts</a:t>
-            </a:r>
-            <a:r>
-              <a:rPr lang="en-US" sz="2000" dirty="0" smtClean="0">
-                <a:solidFill>
-                  <a:srgbClr val="960050"/>
-                </a:solidFill>
-                <a:latin typeface="Monaco" charset="0"/>
-              </a:rPr>
-              <a:t>’</a:t>
-            </a:r>
-            <a:r>
-              <a:rPr lang="en-US" sz="2000" dirty="0" smtClean="0">
-                <a:solidFill>
-                  <a:srgbClr val="75715E"/>
-                </a:solidFill>
-                <a:latin typeface="Monaco" charset="0"/>
-              </a:rPr>
-              <a:t> </a:t>
-            </a:r>
-            <a:r>
-              <a:rPr lang="en-US" sz="2000" dirty="0">
-                <a:latin typeface="Monaco" charset="0"/>
-              </a:rPr>
-              <a:t>)</a:t>
-            </a:r>
-          </a:p>
-          <a:p>
-            <a:r>
-              <a:rPr lang="en-US" sz="2000" dirty="0">
+              <a:t>postJSON</a:t>
+            </a:r>
+            <a:r>
+              <a:rPr lang="cs-CZ" sz="2000" dirty="0">
                 <a:solidFill>
                   <a:srgbClr val="F8F8F2"/>
                 </a:solidFill>
                 <a:latin typeface="Monaco" charset="0"/>
               </a:rPr>
-              <a:t>  .</a:t>
-            </a:r>
-            <a:r>
-              <a:rPr lang="en-US" sz="2000" dirty="0">
-                <a:solidFill>
-                  <a:srgbClr val="00B0F0"/>
-                </a:solidFill>
-                <a:latin typeface="Monaco" charset="0"/>
-              </a:rPr>
-              <a:t>then</a:t>
-            </a:r>
-            <a:r>
-              <a:rPr lang="en-US" sz="2000" dirty="0">
-                <a:solidFill>
-                  <a:srgbClr val="F8F8F2"/>
-                </a:solidFill>
-                <a:latin typeface="Monaco" charset="0"/>
-              </a:rPr>
-              <a:t>( </a:t>
-            </a:r>
-            <a:r>
-              <a:rPr lang="en-US" sz="2000" dirty="0">
-                <a:solidFill>
-                  <a:schemeClr val="bg1">
-                    <a:lumMod val="95000"/>
-                  </a:schemeClr>
-                </a:solidFill>
-                <a:latin typeface="Monaco" charset="0"/>
-              </a:rPr>
-              <a:t>response </a:t>
-            </a:r>
-            <a:r>
-              <a:rPr lang="en-US" sz="2000" dirty="0">
-                <a:solidFill>
-                  <a:srgbClr val="F92672"/>
-                </a:solidFill>
-                <a:latin typeface="Monaco" charset="0"/>
-              </a:rPr>
-              <a:t>=&gt;</a:t>
-            </a:r>
-            <a:r>
-              <a:rPr lang="en-US" sz="2000" dirty="0">
-                <a:solidFill>
-                  <a:srgbClr val="F8F8F2"/>
-                </a:solidFill>
-                <a:latin typeface="Monaco" charset="0"/>
-              </a:rPr>
-              <a:t> {</a:t>
-            </a:r>
-          </a:p>
-          <a:p>
-            <a:r>
-              <a:rPr lang="en-US" sz="2000" dirty="0">
-                <a:solidFill>
-                  <a:srgbClr val="F8F8F2"/>
-                </a:solidFill>
-                <a:latin typeface="Monaco" charset="0"/>
-              </a:rPr>
-              <a:t>    </a:t>
-            </a:r>
-            <a:r>
-              <a:rPr lang="en-US" sz="2000" dirty="0" err="1">
-                <a:solidFill>
-                  <a:schemeClr val="bg1">
-                    <a:lumMod val="95000"/>
-                  </a:schemeClr>
-                </a:solidFill>
-                <a:latin typeface="Monaco" charset="0"/>
-              </a:rPr>
-              <a:t>response</a:t>
-            </a:r>
-            <a:r>
-              <a:rPr lang="en-US" sz="2000" dirty="0" err="1">
-                <a:solidFill>
-                  <a:srgbClr val="F8F8F2"/>
-                </a:solidFill>
-                <a:latin typeface="Monaco" charset="0"/>
-              </a:rPr>
-              <a:t>.</a:t>
-            </a:r>
-            <a:r>
-              <a:rPr lang="en-US" sz="2000" dirty="0" err="1">
-                <a:solidFill>
-                  <a:srgbClr val="A6E22E"/>
-                </a:solidFill>
-                <a:latin typeface="Monaco" charset="0"/>
-              </a:rPr>
-              <a:t>json</a:t>
-            </a:r>
-            <a:r>
-              <a:rPr lang="en-US" sz="2000" dirty="0">
-                <a:solidFill>
-                  <a:srgbClr val="F8F8F2"/>
-                </a:solidFill>
-                <a:latin typeface="Monaco" charset="0"/>
-              </a:rPr>
-              <a:t>().</a:t>
-            </a:r>
-            <a:r>
-              <a:rPr lang="en-US" sz="2000" dirty="0">
-                <a:solidFill>
-                  <a:srgbClr val="A6E22E"/>
-                </a:solidFill>
-                <a:latin typeface="Monaco" charset="0"/>
-              </a:rPr>
-              <a:t>then</a:t>
-            </a:r>
-            <a:r>
-              <a:rPr lang="en-US" sz="2000" dirty="0">
-                <a:solidFill>
-                  <a:srgbClr val="F8F8F2"/>
-                </a:solidFill>
-                <a:latin typeface="Monaco" charset="0"/>
-              </a:rPr>
-              <a:t>( </a:t>
-            </a:r>
-            <a:r>
-              <a:rPr lang="en-US" sz="2000" dirty="0" smtClean="0">
-                <a:solidFill>
-                  <a:schemeClr val="bg1">
-                    <a:lumMod val="95000"/>
-                  </a:schemeClr>
-                </a:solidFill>
-                <a:latin typeface="Monaco" charset="0"/>
-              </a:rPr>
-              <a:t>posts</a:t>
-            </a:r>
-            <a:r>
-              <a:rPr lang="en-US" sz="2000" dirty="0" smtClean="0">
-                <a:solidFill>
-                  <a:srgbClr val="A6E22E"/>
-                </a:solidFill>
-                <a:latin typeface="Monaco" charset="0"/>
-              </a:rPr>
-              <a:t> </a:t>
-            </a:r>
-            <a:r>
-              <a:rPr lang="en-US" sz="2000" dirty="0" smtClean="0">
-                <a:solidFill>
-                  <a:srgbClr val="F92672"/>
-                </a:solidFill>
-                <a:latin typeface="Monaco" charset="0"/>
-              </a:rPr>
-              <a:t>=&gt;</a:t>
-            </a:r>
-            <a:r>
-              <a:rPr lang="en-US" sz="2000" dirty="0" smtClean="0">
-                <a:solidFill>
-                  <a:srgbClr val="F8F8F2"/>
-                </a:solidFill>
-                <a:latin typeface="Monaco" charset="0"/>
-              </a:rPr>
-              <a:t> </a:t>
-            </a:r>
-            <a:r>
-              <a:rPr lang="en-US" sz="2000" dirty="0">
-                <a:solidFill>
-                  <a:srgbClr val="F8F8F2"/>
-                </a:solidFill>
-                <a:latin typeface="Monaco" charset="0"/>
-              </a:rPr>
-              <a:t>{</a:t>
-            </a:r>
-          </a:p>
-          <a:p>
-            <a:r>
-              <a:rPr lang="en-US" sz="2000" dirty="0">
-                <a:solidFill>
-                  <a:srgbClr val="F8F8F2"/>
-                </a:solidFill>
-                <a:latin typeface="Monaco" charset="0"/>
-              </a:rPr>
-              <a:t>      </a:t>
-            </a:r>
-            <a:r>
-              <a:rPr lang="en-US" sz="2000" dirty="0" err="1">
-                <a:solidFill>
-                  <a:srgbClr val="A6E22E"/>
-                </a:solidFill>
-                <a:latin typeface="Monaco" charset="0"/>
-              </a:rPr>
-              <a:t>console</a:t>
-            </a:r>
-            <a:r>
-              <a:rPr lang="en-US" sz="2000" dirty="0" err="1">
-                <a:solidFill>
-                  <a:srgbClr val="F8F8F2"/>
-                </a:solidFill>
-                <a:latin typeface="Monaco" charset="0"/>
-              </a:rPr>
-              <a:t>.</a:t>
-            </a:r>
-            <a:r>
-              <a:rPr lang="en-US" sz="2000" dirty="0" err="1">
-                <a:solidFill>
-                  <a:srgbClr val="A6E22E"/>
-                </a:solidFill>
-                <a:latin typeface="Monaco" charset="0"/>
-              </a:rPr>
-              <a:t>log</a:t>
-            </a:r>
-            <a:r>
-              <a:rPr lang="en-US" sz="2000" dirty="0">
-                <a:solidFill>
-                  <a:srgbClr val="F8F8F2"/>
-                </a:solidFill>
-                <a:latin typeface="Monaco" charset="0"/>
-              </a:rPr>
-              <a:t>( </a:t>
-            </a:r>
-            <a:r>
-              <a:rPr lang="en-US" sz="2000" dirty="0">
-                <a:solidFill>
-                  <a:schemeClr val="bg1">
-                    <a:lumMod val="95000"/>
-                  </a:schemeClr>
-                </a:solidFill>
-                <a:latin typeface="Monaco" charset="0"/>
-              </a:rPr>
-              <a:t>posts </a:t>
-            </a:r>
-            <a:r>
-              <a:rPr lang="en-US" sz="2000" dirty="0">
-                <a:solidFill>
-                  <a:srgbClr val="F8F8F2"/>
-                </a:solidFill>
-                <a:latin typeface="Monaco" charset="0"/>
-              </a:rPr>
-              <a:t>);</a:t>
-            </a:r>
-          </a:p>
-          <a:p>
-            <a:r>
-              <a:rPr lang="mr-IN" sz="2000" dirty="0">
-                <a:solidFill>
-                  <a:srgbClr val="F8F8F2"/>
-                </a:solidFill>
-                <a:latin typeface="Monaco" charset="0"/>
-              </a:rPr>
-              <a:t>    });</a:t>
-            </a:r>
-          </a:p>
-          <a:p>
-            <a:r>
-              <a:rPr lang="mr-IN" sz="2000" dirty="0">
-                <a:solidFill>
-                  <a:srgbClr val="F8F8F2"/>
-                </a:solidFill>
-                <a:latin typeface="Monaco" charset="0"/>
-              </a:rPr>
-              <a:t>  })</a:t>
-            </a:r>
-          </a:p>
-          <a:p>
-            <a:r>
-              <a:rPr lang="mr-IN" sz="2000" dirty="0">
-                <a:solidFill>
-                  <a:srgbClr val="F8F8F2"/>
-                </a:solidFill>
-                <a:latin typeface="Monaco" charset="0"/>
-              </a:rPr>
-              <a:t>  .</a:t>
-            </a:r>
-            <a:r>
-              <a:rPr lang="mr-IN" sz="2000" dirty="0" err="1">
-                <a:solidFill>
-                  <a:srgbClr val="00B0F0"/>
-                </a:solidFill>
-                <a:latin typeface="Monaco" charset="0"/>
-              </a:rPr>
-              <a:t>catch</a:t>
-            </a:r>
-            <a:r>
-              <a:rPr lang="mr-IN" sz="2000" dirty="0">
-                <a:solidFill>
-                  <a:srgbClr val="F8F8F2"/>
-                </a:solidFill>
-                <a:latin typeface="Monaco" charset="0"/>
-              </a:rPr>
-              <a:t>( </a:t>
-            </a:r>
-            <a:r>
-              <a:rPr lang="mr-IN" sz="2000" dirty="0" err="1">
-                <a:solidFill>
-                  <a:schemeClr val="bg1">
-                    <a:lumMod val="95000"/>
-                  </a:schemeClr>
-                </a:solidFill>
-                <a:latin typeface="Monaco" charset="0"/>
-              </a:rPr>
-              <a:t>err</a:t>
-            </a:r>
-            <a:r>
-              <a:rPr lang="mr-IN" sz="2000" dirty="0">
-                <a:solidFill>
-                  <a:srgbClr val="F8F8F2"/>
-                </a:solidFill>
-                <a:latin typeface="Monaco" charset="0"/>
-              </a:rPr>
-              <a:t> </a:t>
-            </a:r>
-            <a:r>
-              <a:rPr lang="mr-IN" sz="2000" dirty="0">
-                <a:solidFill>
-                  <a:srgbClr val="F92672"/>
-                </a:solidFill>
-                <a:latin typeface="Monaco" charset="0"/>
-              </a:rPr>
-              <a:t>=&gt;</a:t>
-            </a:r>
-            <a:r>
-              <a:rPr lang="mr-IN" sz="2000" dirty="0">
-                <a:solidFill>
-                  <a:srgbClr val="F8F8F2"/>
-                </a:solidFill>
-                <a:latin typeface="Monaco" charset="0"/>
-              </a:rPr>
-              <a:t> {</a:t>
-            </a:r>
-          </a:p>
-          <a:p>
-            <a:r>
-              <a:rPr lang="en-US" sz="2000" dirty="0">
-                <a:solidFill>
-                  <a:srgbClr val="F8F8F2"/>
-                </a:solidFill>
-                <a:latin typeface="Monaco" charset="0"/>
-              </a:rPr>
-              <a:t>    </a:t>
-            </a:r>
-            <a:r>
-              <a:rPr lang="en-US" sz="2000" dirty="0" err="1">
-                <a:solidFill>
-                  <a:srgbClr val="A6E22E"/>
-                </a:solidFill>
-                <a:latin typeface="Monaco" charset="0"/>
-              </a:rPr>
-              <a:t>console</a:t>
-            </a:r>
-            <a:r>
-              <a:rPr lang="en-US" sz="2000" dirty="0" err="1">
-                <a:solidFill>
-                  <a:srgbClr val="F8F8F2"/>
-                </a:solidFill>
-                <a:latin typeface="Monaco" charset="0"/>
-              </a:rPr>
-              <a:t>.</a:t>
-            </a:r>
-            <a:r>
-              <a:rPr lang="en-US" sz="2000" dirty="0" err="1">
-                <a:solidFill>
-                  <a:srgbClr val="A6E22E"/>
-                </a:solidFill>
-                <a:latin typeface="Monaco" charset="0"/>
-              </a:rPr>
-              <a:t>log</a:t>
-            </a:r>
-            <a:r>
-              <a:rPr lang="en-US" sz="2000" dirty="0">
-                <a:solidFill>
-                  <a:srgbClr val="F8F8F2"/>
-                </a:solidFill>
-                <a:latin typeface="Monaco" charset="0"/>
-              </a:rPr>
-              <a:t>( </a:t>
-            </a:r>
-            <a:r>
-              <a:rPr lang="en-US" sz="2000" dirty="0">
-                <a:solidFill>
-                  <a:schemeClr val="bg1">
-                    <a:lumMod val="95000"/>
-                  </a:schemeClr>
-                </a:solidFill>
-                <a:latin typeface="Monaco" charset="0"/>
-              </a:rPr>
-              <a:t>err</a:t>
-            </a:r>
-            <a:r>
-              <a:rPr lang="en-US" sz="2000" dirty="0">
-                <a:solidFill>
-                  <a:srgbClr val="F8F8F2"/>
-                </a:solidFill>
-                <a:latin typeface="Monaco" charset="0"/>
-              </a:rPr>
               <a:t> );</a:t>
             </a:r>
           </a:p>
           <a:p>
-            <a:r>
-              <a:rPr lang="mr-IN" sz="2000" dirty="0">
-                <a:solidFill>
-                  <a:srgbClr val="F8F8F2"/>
-                </a:solidFill>
-                <a:latin typeface="Monaco" charset="0"/>
-              </a:rPr>
-              <a:t>  </a:t>
-            </a:r>
-            <a:r>
-              <a:rPr lang="mr-IN" sz="2000" dirty="0" smtClean="0">
-                <a:solidFill>
-                  <a:srgbClr val="F8F8F2"/>
-                </a:solidFill>
-                <a:latin typeface="Monaco" charset="0"/>
-              </a:rPr>
-              <a:t>});</a:t>
-            </a:r>
             <a:endParaRPr lang="mr-IN" sz="2000" dirty="0">
               <a:solidFill>
                 <a:srgbClr val="F8F8F2"/>
@@ -39867,7 +39441,7 @@
     </p:spTree>
     <p:extLst>
       <p:ext uri="{BB962C8B-B14F-4D97-AF65-F5344CB8AC3E}">
-        <p14:creationId xmlns:p14="http://schemas.microsoft.com/office/powerpoint/2010/main" val="2117583182"/>
+        <p14:creationId xmlns:p14="http://schemas.microsoft.com/office/powerpoint/2010/main" val="1171842334"/>
       </p:ext>
     </p:extLst>
   </p:cSld>
@@ -39963,6 +39537,88 @@
 </p:sld>
 </file>
 
+<file path=ppt/slides/slide83.xml><?xml version="1.0" encoding="utf-8"?>
+<p:sld xmlns:a="http://schemas.openxmlformats.org/drawingml/2006/main" xmlns:r="http://schemas.openxmlformats.org/officeDocument/2006/relationships" xmlns:p="http://schemas.openxmlformats.org/presentationml/2006/main">
+  <p:cSld>
+    <p:spTree>
+      <p:nvGrpSpPr>
+        <p:cNvPr id="1" name=""/>
+        <p:cNvGrpSpPr/>
+        <p:nvPr/>
+      </p:nvGrpSpPr>
+      <p:grpSpPr>
+        <a:xfrm>
+          <a:off x="0" y="0"/>
+          <a:ext cx="0" cy="0"/>
+          <a:chOff x="0" y="0"/>
+          <a:chExt cx="0" cy="0"/>
+        </a:xfrm>
+      </p:grpSpPr>
+      <p:sp>
+        <p:nvSpPr>
+          <p:cNvPr id="2" name="Title 1"/>
+          <p:cNvSpPr>
+            <a:spLocks noGrp="1"/>
+          </p:cNvSpPr>
+          <p:nvPr>
+            <p:ph type="ctrTitle"/>
+          </p:nvPr>
+        </p:nvSpPr>
+        <p:spPr/>
+        <p:txBody>
+          <a:bodyPr/>
+          <a:lstStyle/>
+          <a:p>
+            <a:r>
+              <a:rPr lang="en-US" dirty="0" smtClean="0"/>
+              <a:t>DEMO</a:t>
+            </a:r>
+            <a:endParaRPr lang="en-US" dirty="0"/>
+          </a:p>
+        </p:txBody>
+      </p:sp>
+      <p:sp>
+        <p:nvSpPr>
+          <p:cNvPr id="3" name="Content Placeholder 2"/>
+          <p:cNvSpPr>
+            <a:spLocks noGrp="1"/>
+          </p:cNvSpPr>
+          <p:nvPr>
+            <p:ph sz="quarter" idx="11"/>
+          </p:nvPr>
+        </p:nvSpPr>
+        <p:spPr/>
+        <p:txBody>
+          <a:bodyPr/>
+          <a:lstStyle/>
+          <a:p>
+            <a:r>
+              <a:rPr lang="en-US" dirty="0"/>
+              <a:t>JSON &amp; HTTP</a:t>
+            </a:r>
+          </a:p>
+        </p:txBody>
+      </p:sp>
+    </p:spTree>
+    <p:extLst>
+      <p:ext uri="{BB962C8B-B14F-4D97-AF65-F5344CB8AC3E}">
+        <p14:creationId xmlns:p14="http://schemas.microsoft.com/office/powerpoint/2010/main" val="826900223"/>
+      </p:ext>
+    </p:extLst>
+  </p:cSld>
+  <p:clrMapOvr>
+    <a:masterClrMapping/>
+  </p:clrMapOvr>
+  <p:timing>
+    <p:tnLst>
+      <p:par>
+        <p:cTn id="1" dur="indefinite" restart="never" nodeType="tmRoot"/>
+      </p:par>
+    </p:tnLst>
+  </p:timing>
+</p:sld>
+</file>
+
 <file path=ppt/slides/slide84.xml><?xml version="1.0" encoding="utf-8"?>
 <p:sld xmlns:a="http://schemas.openxmlformats.org/drawingml/2006/main" xmlns:r="http://schemas.openxmlformats.org/officeDocument/2006/relationships" xmlns:p="http://schemas.openxmlformats.org/presentationml/2006/main">
   <p:cSld>
@@ -40034,7 +39690,7 @@
                 <a:ea typeface="Open Sans Extrabold" charset="0"/>
                 <a:cs typeface="Open Sans Extrabold" charset="0"/>
               </a:rPr>
-              <a:t>Making HTTP Post Requests with Fetch</a:t>
+              <a:t>Making HTTP Get Requests with Fetch</a:t>
             </a:r>
             <a:endParaRPr lang="en-US" sz="2400" b="1" dirty="0">
               <a:solidFill>
@@ -40061,1037 +39717,558 @@
         </p:nvSpPr>
         <p:spPr>
           <a:xfrm>
-            <a:off x="609600" y="886968"/>
-            <a:ext cx="8534400" cy="3831644"/>
+            <a:off x="609600" y="1064526"/>
+            <a:ext cx="8534400" cy="3616656"/>
           </a:xfrm>
         </p:spPr>
         <p:txBody>
           <a:bodyPr>
-            <a:noAutofit/>
+            <a:normAutofit fontScale="92500" lnSpcReduction="10000"/>
           </a:bodyPr>
           <a:lstStyle/>
           <a:p>
-            <a:pPr>
-              <a:lnSpc>
-                <a:spcPct val="100000"/>
-              </a:lnSpc>
-              <a:spcBef>
-                <a:spcPts val="0"/>
-              </a:spcBef>
-            </a:pPr>
-            <a:r>
-              <a:rPr lang="en-US" sz="1800" dirty="0" smtClean="0">
+            <a:r>
+              <a:rPr lang="en-US" sz="2000" dirty="0">
+                <a:solidFill>
+                  <a:srgbClr val="00B0F0"/>
+                </a:solidFill>
+                <a:latin typeface="Monaco" charset="0"/>
+              </a:rPr>
+              <a:t>fetch</a:t>
+            </a:r>
+            <a:r>
+              <a:rPr lang="en-US" sz="2000" dirty="0">
+                <a:solidFill>
+                  <a:srgbClr val="F8F8F2"/>
+                </a:solidFill>
+                <a:latin typeface="Monaco" charset="0"/>
+              </a:rPr>
+              <a:t>( </a:t>
+            </a:r>
+            <a:r>
+              <a:rPr lang="en-US" sz="2000" dirty="0">
+                <a:solidFill>
+                  <a:srgbClr val="960050"/>
+                </a:solidFill>
+                <a:latin typeface="Monaco" charset="0"/>
+              </a:rPr>
+              <a:t>‘</a:t>
+            </a:r>
+            <a:r>
+              <a:rPr lang="en-US" sz="2000" dirty="0">
                 <a:solidFill>
                   <a:srgbClr val="A6E22E"/>
                 </a:solidFill>
                 <a:latin typeface="Monaco" charset="0"/>
               </a:rPr>
-              <a:t>fetch</a:t>
-            </a:r>
-            <a:r>
-              <a:rPr lang="en-US" sz="1800" dirty="0" smtClean="0">
+              <a:t>https://</a:t>
+            </a:r>
+            <a:r>
+              <a:rPr lang="en-US" sz="2000" dirty="0" err="1" smtClean="0">
+                <a:solidFill>
+                  <a:srgbClr val="A6E22E"/>
+                </a:solidFill>
+                <a:latin typeface="Monaco" charset="0"/>
+              </a:rPr>
+              <a:t>site.com</a:t>
+            </a:r>
+            <a:r>
+              <a:rPr lang="en-US" sz="2000" dirty="0" smtClean="0">
+                <a:solidFill>
+                  <a:srgbClr val="A6E22E"/>
+                </a:solidFill>
+                <a:latin typeface="Monaco" charset="0"/>
+              </a:rPr>
+              <a:t>/</a:t>
+            </a:r>
+            <a:r>
+              <a:rPr lang="en-US" sz="2000" dirty="0" err="1" smtClean="0">
+                <a:solidFill>
+                  <a:srgbClr val="A6E22E"/>
+                </a:solidFill>
+                <a:latin typeface="Monaco" charset="0"/>
+              </a:rPr>
+              <a:t>wp-json</a:t>
+            </a:r>
+            <a:r>
+              <a:rPr lang="en-US" sz="2000" dirty="0" smtClean="0">
+                <a:solidFill>
+                  <a:srgbClr val="A6E22E"/>
+                </a:solidFill>
+                <a:latin typeface="Monaco" charset="0"/>
+              </a:rPr>
+              <a:t>/</a:t>
+            </a:r>
+            <a:r>
+              <a:rPr lang="en-US" sz="2000" dirty="0" err="1" smtClean="0">
+                <a:solidFill>
+                  <a:srgbClr val="A6E22E"/>
+                </a:solidFill>
+                <a:latin typeface="Monaco" charset="0"/>
+              </a:rPr>
+              <a:t>wp</a:t>
+            </a:r>
+            <a:r>
+              <a:rPr lang="en-US" sz="2000" dirty="0" smtClean="0">
+                <a:solidFill>
+                  <a:srgbClr val="A6E22E"/>
+                </a:solidFill>
+                <a:latin typeface="Monaco" charset="0"/>
+              </a:rPr>
+              <a:t>/v2/posts</a:t>
+            </a:r>
+            <a:r>
+              <a:rPr lang="en-US" sz="2000" dirty="0" smtClean="0">
+                <a:solidFill>
+                  <a:srgbClr val="960050"/>
+                </a:solidFill>
+                <a:latin typeface="Monaco" charset="0"/>
+              </a:rPr>
+              <a:t>’</a:t>
+            </a:r>
+            <a:r>
+              <a:rPr lang="en-US" sz="2000" dirty="0" smtClean="0">
+                <a:solidFill>
+                  <a:srgbClr val="75715E"/>
+                </a:solidFill>
+                <a:latin typeface="Monaco" charset="0"/>
+              </a:rPr>
+              <a:t> </a:t>
+            </a:r>
+            <a:r>
+              <a:rPr lang="en-US" sz="2000" dirty="0">
+                <a:latin typeface="Monaco" charset="0"/>
+              </a:rPr>
+              <a:t>)</a:t>
+            </a:r>
+          </a:p>
+          <a:p>
+            <a:r>
+              <a:rPr lang="en-US" sz="2000" dirty="0">
                 <a:solidFill>
                   <a:srgbClr val="F8F8F2"/>
                 </a:solidFill>
                 <a:latin typeface="Monaco" charset="0"/>
               </a:rPr>
+              <a:t>  .</a:t>
+            </a:r>
+            <a:r>
+              <a:rPr lang="en-US" sz="2000" dirty="0">
+                <a:solidFill>
+                  <a:srgbClr val="00B0F0"/>
+                </a:solidFill>
+                <a:latin typeface="Monaco" charset="0"/>
+              </a:rPr>
+              <a:t>then</a:t>
+            </a:r>
+            <a:r>
+              <a:rPr lang="en-US" sz="2000" dirty="0">
+                <a:solidFill>
+                  <a:srgbClr val="F8F8F2"/>
+                </a:solidFill>
+                <a:latin typeface="Monaco" charset="0"/>
+              </a:rPr>
               <a:t>( </a:t>
             </a:r>
             <a:r>
-              <a:rPr lang="en-US" sz="1800" dirty="0" smtClean="0">
-                <a:solidFill>
-                  <a:srgbClr val="E6DB74"/>
-                </a:solidFill>
-                <a:latin typeface="Monaco" charset="0"/>
-              </a:rPr>
-              <a:t>'https://</a:t>
-            </a:r>
-            <a:r>
-              <a:rPr lang="en-US" sz="1800" dirty="0" err="1" smtClean="0">
-                <a:solidFill>
-                  <a:srgbClr val="E6DB74"/>
-                </a:solidFill>
-                <a:latin typeface="Monaco" charset="0"/>
-              </a:rPr>
-              <a:t>site.com</a:t>
-            </a:r>
-            <a:r>
-              <a:rPr lang="en-US" sz="1800" dirty="0" smtClean="0">
-                <a:solidFill>
-                  <a:srgbClr val="E6DB74"/>
-                </a:solidFill>
-                <a:latin typeface="Monaco" charset="0"/>
-              </a:rPr>
-              <a:t>/</a:t>
-            </a:r>
-            <a:r>
-              <a:rPr lang="en-US" sz="1800" dirty="0" err="1" smtClean="0">
-                <a:solidFill>
-                  <a:srgbClr val="E6DB74"/>
-                </a:solidFill>
-                <a:latin typeface="Monaco" charset="0"/>
-              </a:rPr>
-              <a:t>wp-json</a:t>
-            </a:r>
-            <a:r>
-              <a:rPr lang="en-US" sz="1800" dirty="0" smtClean="0">
-                <a:solidFill>
-                  <a:srgbClr val="E6DB74"/>
-                </a:solidFill>
-                <a:latin typeface="Monaco" charset="0"/>
-              </a:rPr>
-              <a:t>/</a:t>
-            </a:r>
-            <a:r>
-              <a:rPr lang="en-US" sz="1800" dirty="0" err="1" smtClean="0">
-                <a:solidFill>
-                  <a:srgbClr val="E6DB74"/>
-                </a:solidFill>
-                <a:latin typeface="Monaco" charset="0"/>
-              </a:rPr>
-              <a:t>wp</a:t>
-            </a:r>
-            <a:r>
-              <a:rPr lang="en-US" sz="1800" dirty="0" smtClean="0">
-                <a:solidFill>
-                  <a:srgbClr val="E6DB74"/>
-                </a:solidFill>
-                <a:latin typeface="Monaco" charset="0"/>
-              </a:rPr>
-              <a:t>/v2/posts</a:t>
-            </a:r>
-            <a:r>
-              <a:rPr lang="en-US" sz="1800" dirty="0">
-                <a:solidFill>
-                  <a:srgbClr val="E6DB74"/>
-                </a:solidFill>
-                <a:latin typeface="Monaco" charset="0"/>
-              </a:rPr>
-              <a:t>'</a:t>
-            </a:r>
-            <a:r>
-              <a:rPr lang="en-US" sz="1800" dirty="0">
+              <a:rPr lang="en-US" sz="2000" dirty="0">
+                <a:solidFill>
+                  <a:schemeClr val="bg1">
+                    <a:lumMod val="95000"/>
+                  </a:schemeClr>
+                </a:solidFill>
+                <a:latin typeface="Monaco" charset="0"/>
+              </a:rPr>
+              <a:t>response </a:t>
+            </a:r>
+            <a:r>
+              <a:rPr lang="en-US" sz="2000" dirty="0">
+                <a:solidFill>
+                  <a:srgbClr val="F92672"/>
+                </a:solidFill>
+                <a:latin typeface="Monaco" charset="0"/>
+              </a:rPr>
+              <a:t>=&gt;</a:t>
+            </a:r>
+            <a:r>
+              <a:rPr lang="en-US" sz="2000" dirty="0">
                 <a:solidFill>
                   <a:srgbClr val="F8F8F2"/>
                 </a:solidFill>
                 <a:latin typeface="Monaco" charset="0"/>
               </a:rPr>
-              <a:t>, {</a:t>
-            </a:r>
-          </a:p>
-          <a:p>
-            <a:pPr>
-              <a:lnSpc>
-                <a:spcPct val="100000"/>
-              </a:lnSpc>
-              <a:spcBef>
-                <a:spcPts val="0"/>
-              </a:spcBef>
-            </a:pPr>
-            <a:r>
-              <a:rPr lang="en-US" sz="1800" dirty="0" smtClean="0">
+              <a:t> {</a:t>
+            </a:r>
+          </a:p>
+          <a:p>
+            <a:r>
+              <a:rPr lang="en-US" sz="2000" dirty="0">
                 <a:solidFill>
                   <a:srgbClr val="F8F8F2"/>
                 </a:solidFill>
                 <a:latin typeface="Monaco" charset="0"/>
               </a:rPr>
+              <a:t>    </a:t>
+            </a:r>
+            <a:r>
+              <a:rPr lang="en-US" sz="2000" dirty="0" err="1">
+                <a:solidFill>
+                  <a:schemeClr val="bg1">
+                    <a:lumMod val="95000"/>
+                  </a:schemeClr>
+                </a:solidFill>
+                <a:latin typeface="Monaco" charset="0"/>
+              </a:rPr>
+              <a:t>response</a:t>
+            </a:r>
+            <a:r>
+              <a:rPr lang="en-US" sz="2000" dirty="0" err="1">
+                <a:solidFill>
+                  <a:srgbClr val="F8F8F2"/>
+                </a:solidFill>
+                <a:latin typeface="Monaco" charset="0"/>
+              </a:rPr>
+              <a:t>.</a:t>
+            </a:r>
+            <a:r>
+              <a:rPr lang="en-US" sz="2000" dirty="0" err="1">
+                <a:solidFill>
+                  <a:srgbClr val="A6E22E"/>
+                </a:solidFill>
+                <a:latin typeface="Monaco" charset="0"/>
+              </a:rPr>
+              <a:t>json</a:t>
+            </a:r>
+            <a:r>
+              <a:rPr lang="en-US" sz="2000" dirty="0">
+                <a:solidFill>
+                  <a:srgbClr val="F8F8F2"/>
+                </a:solidFill>
+                <a:latin typeface="Monaco" charset="0"/>
+              </a:rPr>
+              <a:t>().</a:t>
+            </a:r>
+            <a:r>
+              <a:rPr lang="en-US" sz="2000" dirty="0">
+                <a:solidFill>
+                  <a:srgbClr val="A6E22E"/>
+                </a:solidFill>
+                <a:latin typeface="Monaco" charset="0"/>
+              </a:rPr>
+              <a:t>then</a:t>
+            </a:r>
+            <a:r>
+              <a:rPr lang="en-US" sz="2000" dirty="0">
+                <a:solidFill>
+                  <a:srgbClr val="F8F8F2"/>
+                </a:solidFill>
+                <a:latin typeface="Monaco" charset="0"/>
+              </a:rPr>
+              <a:t>( </a:t>
+            </a:r>
+            <a:r>
+              <a:rPr lang="en-US" sz="2000" dirty="0" smtClean="0">
+                <a:solidFill>
+                  <a:schemeClr val="bg1">
+                    <a:lumMod val="95000"/>
+                  </a:schemeClr>
+                </a:solidFill>
+                <a:latin typeface="Monaco" charset="0"/>
+              </a:rPr>
+              <a:t>posts</a:t>
+            </a:r>
+            <a:r>
+              <a:rPr lang="en-US" sz="2000" dirty="0" smtClean="0">
+                <a:solidFill>
+                  <a:srgbClr val="A6E22E"/>
+                </a:solidFill>
+                <a:latin typeface="Monaco" charset="0"/>
+              </a:rPr>
+              <a:t> </a:t>
+            </a:r>
+            <a:r>
+              <a:rPr lang="en-US" sz="2000" dirty="0" smtClean="0">
+                <a:solidFill>
+                  <a:srgbClr val="F92672"/>
+                </a:solidFill>
+                <a:latin typeface="Monaco" charset="0"/>
+              </a:rPr>
+              <a:t>=&gt;</a:t>
+            </a:r>
+            <a:r>
+              <a:rPr lang="en-US" sz="2000" dirty="0" smtClean="0">
+                <a:solidFill>
+                  <a:srgbClr val="F8F8F2"/>
+                </a:solidFill>
+                <a:latin typeface="Monaco" charset="0"/>
+              </a:rPr>
+              <a:t> </a:t>
+            </a:r>
+            <a:r>
+              <a:rPr lang="en-US" sz="2000" dirty="0">
+                <a:solidFill>
+                  <a:srgbClr val="F8F8F2"/>
+                </a:solidFill>
+                <a:latin typeface="Monaco" charset="0"/>
+              </a:rPr>
+              <a:t>{</a:t>
+            </a:r>
+          </a:p>
+          <a:p>
+            <a:r>
+              <a:rPr lang="en-US" sz="2000" dirty="0">
+                <a:solidFill>
+                  <a:srgbClr val="F8F8F2"/>
+                </a:solidFill>
+                <a:latin typeface="Monaco" charset="0"/>
+              </a:rPr>
+              <a:t>      </a:t>
+            </a:r>
+            <a:r>
+              <a:rPr lang="en-US" sz="2000" dirty="0" err="1">
+                <a:solidFill>
+                  <a:srgbClr val="A6E22E"/>
+                </a:solidFill>
+                <a:latin typeface="Monaco" charset="0"/>
+              </a:rPr>
+              <a:t>console</a:t>
+            </a:r>
+            <a:r>
+              <a:rPr lang="en-US" sz="2000" dirty="0" err="1">
+                <a:solidFill>
+                  <a:srgbClr val="F8F8F2"/>
+                </a:solidFill>
+                <a:latin typeface="Monaco" charset="0"/>
+              </a:rPr>
+              <a:t>.</a:t>
+            </a:r>
+            <a:r>
+              <a:rPr lang="en-US" sz="2000" dirty="0" err="1">
+                <a:solidFill>
+                  <a:srgbClr val="A6E22E"/>
+                </a:solidFill>
+                <a:latin typeface="Monaco" charset="0"/>
+              </a:rPr>
+              <a:t>log</a:t>
+            </a:r>
+            <a:r>
+              <a:rPr lang="en-US" sz="2000" dirty="0">
+                <a:solidFill>
+                  <a:srgbClr val="F8F8F2"/>
+                </a:solidFill>
+                <a:latin typeface="Monaco" charset="0"/>
+              </a:rPr>
+              <a:t>( </a:t>
+            </a:r>
+            <a:r>
+              <a:rPr lang="en-US" sz="2000" dirty="0">
+                <a:solidFill>
+                  <a:schemeClr val="bg1">
+                    <a:lumMod val="95000"/>
+                  </a:schemeClr>
+                </a:solidFill>
+                <a:latin typeface="Monaco" charset="0"/>
+              </a:rPr>
+              <a:t>posts </a:t>
+            </a:r>
+            <a:r>
+              <a:rPr lang="en-US" sz="2000" dirty="0">
+                <a:solidFill>
+                  <a:srgbClr val="F8F8F2"/>
+                </a:solidFill>
+                <a:latin typeface="Monaco" charset="0"/>
+              </a:rPr>
+              <a:t>);</a:t>
+            </a:r>
+          </a:p>
+          <a:p>
+            <a:r>
+              <a:rPr lang="mr-IN" sz="2000" dirty="0">
+                <a:solidFill>
+                  <a:srgbClr val="F8F8F2"/>
+                </a:solidFill>
+                <a:latin typeface="Monaco" charset="0"/>
+              </a:rPr>
+              <a:t>    });</a:t>
+            </a:r>
+          </a:p>
+          <a:p>
+            <a:r>
+              <a:rPr lang="mr-IN" sz="2000" dirty="0">
+                <a:solidFill>
+                  <a:srgbClr val="F8F8F2"/>
+                </a:solidFill>
+                <a:latin typeface="Monaco" charset="0"/>
+              </a:rPr>
+              <a:t>  })</a:t>
+            </a:r>
+          </a:p>
+          <a:p>
+            <a:r>
+              <a:rPr lang="mr-IN" sz="2000" dirty="0">
+                <a:solidFill>
+                  <a:srgbClr val="F8F8F2"/>
+                </a:solidFill>
+                <a:latin typeface="Monaco" charset="0"/>
+              </a:rPr>
+              <a:t>  .</a:t>
+            </a:r>
+            <a:r>
+              <a:rPr lang="mr-IN" sz="2000" dirty="0" err="1">
+                <a:solidFill>
+                  <a:srgbClr val="00B0F0"/>
+                </a:solidFill>
+                <a:latin typeface="Monaco" charset="0"/>
+              </a:rPr>
+              <a:t>catch</a:t>
+            </a:r>
+            <a:r>
+              <a:rPr lang="mr-IN" sz="2000" dirty="0">
+                <a:solidFill>
+                  <a:srgbClr val="F8F8F2"/>
+                </a:solidFill>
+                <a:latin typeface="Monaco" charset="0"/>
+              </a:rPr>
+              <a:t>( </a:t>
+            </a:r>
+            <a:r>
+              <a:rPr lang="mr-IN" sz="2000" dirty="0" err="1">
+                <a:solidFill>
+                  <a:schemeClr val="bg1">
+                    <a:lumMod val="95000"/>
+                  </a:schemeClr>
+                </a:solidFill>
+                <a:latin typeface="Monaco" charset="0"/>
+              </a:rPr>
+              <a:t>err</a:t>
+            </a:r>
+            <a:r>
+              <a:rPr lang="mr-IN" sz="2000" dirty="0">
+                <a:solidFill>
+                  <a:srgbClr val="F8F8F2"/>
+                </a:solidFill>
+                <a:latin typeface="Monaco" charset="0"/>
+              </a:rPr>
+              <a:t> </a:t>
+            </a:r>
+            <a:r>
+              <a:rPr lang="mr-IN" sz="2000" dirty="0">
+                <a:solidFill>
+                  <a:srgbClr val="F92672"/>
+                </a:solidFill>
+                <a:latin typeface="Monaco" charset="0"/>
+              </a:rPr>
+              <a:t>=&gt;</a:t>
+            </a:r>
+            <a:r>
+              <a:rPr lang="mr-IN" sz="2000" dirty="0">
+                <a:solidFill>
+                  <a:srgbClr val="F8F8F2"/>
+                </a:solidFill>
+                <a:latin typeface="Monaco" charset="0"/>
+              </a:rPr>
+              <a:t> {</a:t>
+            </a:r>
+          </a:p>
+          <a:p>
+            <a:r>
+              <a:rPr lang="en-US" sz="2000" dirty="0">
+                <a:solidFill>
+                  <a:srgbClr val="F8F8F2"/>
+                </a:solidFill>
+                <a:latin typeface="Monaco" charset="0"/>
+              </a:rPr>
+              <a:t>    </a:t>
+            </a:r>
+            <a:r>
+              <a:rPr lang="en-US" sz="2000" dirty="0" err="1">
+                <a:solidFill>
+                  <a:srgbClr val="A6E22E"/>
+                </a:solidFill>
+                <a:latin typeface="Monaco" charset="0"/>
+              </a:rPr>
+              <a:t>console</a:t>
+            </a:r>
+            <a:r>
+              <a:rPr lang="en-US" sz="2000" dirty="0" err="1">
+                <a:solidFill>
+                  <a:srgbClr val="F8F8F2"/>
+                </a:solidFill>
+                <a:latin typeface="Monaco" charset="0"/>
+              </a:rPr>
+              <a:t>.</a:t>
+            </a:r>
+            <a:r>
+              <a:rPr lang="en-US" sz="2000" dirty="0" err="1">
+                <a:solidFill>
+                  <a:srgbClr val="A6E22E"/>
+                </a:solidFill>
+                <a:latin typeface="Monaco" charset="0"/>
+              </a:rPr>
+              <a:t>log</a:t>
+            </a:r>
+            <a:r>
+              <a:rPr lang="en-US" sz="2000" dirty="0">
+                <a:solidFill>
+                  <a:srgbClr val="F8F8F2"/>
+                </a:solidFill>
+                <a:latin typeface="Monaco" charset="0"/>
+              </a:rPr>
+              <a:t>( </a:t>
+            </a:r>
+            <a:r>
+              <a:rPr lang="en-US" sz="2000" dirty="0">
+                <a:solidFill>
+                  <a:schemeClr val="bg1">
+                    <a:lumMod val="95000"/>
+                  </a:schemeClr>
+                </a:solidFill>
+                <a:latin typeface="Monaco" charset="0"/>
+              </a:rPr>
+              <a:t>err</a:t>
+            </a:r>
+            <a:r>
+              <a:rPr lang="en-US" sz="2000" dirty="0">
+                <a:solidFill>
+                  <a:srgbClr val="F8F8F2"/>
+                </a:solidFill>
+                <a:latin typeface="Monaco" charset="0"/>
+              </a:rPr>
+              <a:t> );</a:t>
+            </a:r>
+          </a:p>
+          <a:p>
+            <a:r>
+              <a:rPr lang="mr-IN" sz="2000" dirty="0">
+                <a:solidFill>
+                  <a:srgbClr val="F8F8F2"/>
+                </a:solidFill>
+                <a:latin typeface="Monaco" charset="0"/>
+              </a:rPr>
               <a:t>  </a:t>
             </a:r>
             <a:r>
-              <a:rPr lang="en-US" sz="1800" dirty="0" smtClean="0">
-                <a:solidFill>
-                  <a:srgbClr val="A6E22E"/>
-                </a:solidFill>
-                <a:latin typeface="Monaco" charset="0"/>
-              </a:rPr>
-              <a:t>method</a:t>
-            </a:r>
-            <a:r>
-              <a:rPr lang="en-US" sz="1800" dirty="0">
-                <a:solidFill>
-                  <a:srgbClr val="F92672"/>
-                </a:solidFill>
-                <a:latin typeface="Monaco" charset="0"/>
-              </a:rPr>
-              <a:t>:</a:t>
-            </a:r>
-            <a:r>
-              <a:rPr lang="en-US" sz="1800" dirty="0">
+              <a:rPr lang="mr-IN" sz="2000" dirty="0" smtClean="0">
                 <a:solidFill>
                   <a:srgbClr val="F8F8F2"/>
                 </a:solidFill>
                 <a:latin typeface="Monaco" charset="0"/>
               </a:rPr>
-              <a:t> </a:t>
-            </a:r>
-            <a:r>
-              <a:rPr lang="en-US" sz="1800" dirty="0">
-                <a:solidFill>
-                  <a:srgbClr val="E6DB74"/>
-                </a:solidFill>
-                <a:latin typeface="Monaco" charset="0"/>
-              </a:rPr>
-              <a:t>'POST'</a:t>
-            </a:r>
-            <a:r>
-              <a:rPr lang="en-US" sz="1800" dirty="0">
-                <a:solidFill>
-                  <a:srgbClr val="F8F8F2"/>
-                </a:solidFill>
-                <a:latin typeface="Monaco" charset="0"/>
-              </a:rPr>
-              <a:t>,</a:t>
-            </a:r>
-          </a:p>
-          <a:p>
-            <a:pPr>
-              <a:lnSpc>
-                <a:spcPct val="100000"/>
-              </a:lnSpc>
-              <a:spcBef>
-                <a:spcPts val="0"/>
-              </a:spcBef>
-            </a:pPr>
-            <a:r>
-              <a:rPr lang="en-US" sz="1800" dirty="0" smtClean="0">
-                <a:solidFill>
-                  <a:srgbClr val="F8F8F2"/>
-                </a:solidFill>
-                <a:latin typeface="Monaco" charset="0"/>
-              </a:rPr>
-              <a:t>  </a:t>
-            </a:r>
-            <a:r>
-              <a:rPr lang="en-US" sz="1800" dirty="0" smtClean="0">
-                <a:solidFill>
-                  <a:srgbClr val="A6E22E"/>
-                </a:solidFill>
-                <a:latin typeface="Monaco" charset="0"/>
-              </a:rPr>
-              <a:t>body</a:t>
-            </a:r>
-            <a:r>
-              <a:rPr lang="en-US" sz="1800" dirty="0">
-                <a:solidFill>
-                  <a:srgbClr val="F92672"/>
-                </a:solidFill>
-                <a:latin typeface="Monaco" charset="0"/>
-              </a:rPr>
-              <a:t>:</a:t>
-            </a:r>
-            <a:r>
-              <a:rPr lang="en-US" sz="1800" dirty="0">
-                <a:solidFill>
-                  <a:srgbClr val="F8F8F2"/>
-                </a:solidFill>
-                <a:latin typeface="Monaco" charset="0"/>
-              </a:rPr>
-              <a:t> </a:t>
-            </a:r>
-            <a:r>
-              <a:rPr lang="en-US" sz="1800" dirty="0" err="1">
-                <a:solidFill>
-                  <a:srgbClr val="A6E22E"/>
-                </a:solidFill>
-                <a:latin typeface="Monaco" charset="0"/>
-              </a:rPr>
-              <a:t>JSON</a:t>
-            </a:r>
-            <a:r>
-              <a:rPr lang="en-US" sz="1800" dirty="0" err="1">
-                <a:solidFill>
-                  <a:srgbClr val="F8F8F2"/>
-                </a:solidFill>
-                <a:latin typeface="Monaco" charset="0"/>
-              </a:rPr>
-              <a:t>.</a:t>
-            </a:r>
-            <a:r>
-              <a:rPr lang="en-US" sz="1800" dirty="0" err="1">
-                <a:solidFill>
-                  <a:srgbClr val="A6E22E"/>
-                </a:solidFill>
-                <a:latin typeface="Monaco" charset="0"/>
-              </a:rPr>
-              <a:t>stringify</a:t>
-            </a:r>
-            <a:r>
-              <a:rPr lang="en-US" sz="1800" dirty="0" smtClean="0">
-                <a:solidFill>
-                  <a:srgbClr val="F8F8F2"/>
-                </a:solidFill>
-                <a:latin typeface="Monaco" charset="0"/>
-              </a:rPr>
-              <a:t>( </a:t>
-            </a:r>
-            <a:r>
-              <a:rPr lang="en-US" sz="1800" dirty="0" smtClean="0">
-                <a:solidFill>
-                  <a:srgbClr val="A6E22E"/>
-                </a:solidFill>
-                <a:latin typeface="Monaco" charset="0"/>
-              </a:rPr>
-              <a:t>post </a:t>
-            </a:r>
-            <a:r>
-              <a:rPr lang="en-US" sz="1800" dirty="0" smtClean="0">
-                <a:solidFill>
-                  <a:srgbClr val="F8F8F2"/>
-                </a:solidFill>
-                <a:latin typeface="Monaco" charset="0"/>
-              </a:rPr>
-              <a:t>),</a:t>
-            </a:r>
-            <a:endParaRPr lang="en-US" sz="1800" dirty="0">
+              <a:t>});</a:t>
+            </a:r>
+            <a:endParaRPr lang="mr-IN" sz="2000" dirty="0">
               <a:solidFill>
                 <a:srgbClr val="F8F8F2"/>
               </a:solidFill>
               <a:latin typeface="Monaco" charset="0"/>
             </a:endParaRPr>
           </a:p>
-          <a:p>
-            <a:pPr>
-              <a:lnSpc>
-                <a:spcPct val="100000"/>
-              </a:lnSpc>
-              <a:spcBef>
-                <a:spcPts val="0"/>
-              </a:spcBef>
-            </a:pPr>
-            <a:r>
-              <a:rPr lang="en-US" sz="1800" dirty="0" smtClean="0">
-                <a:solidFill>
-                  <a:srgbClr val="F8F8F2"/>
-                </a:solidFill>
-                <a:latin typeface="Monaco" charset="0"/>
-              </a:rPr>
-              <a:t>  </a:t>
-            </a:r>
-            <a:r>
-              <a:rPr lang="en-US" sz="1800" dirty="0" smtClean="0">
-                <a:solidFill>
-                  <a:srgbClr val="A6E22E"/>
-                </a:solidFill>
-                <a:latin typeface="Monaco" charset="0"/>
-              </a:rPr>
-              <a:t>headers</a:t>
-            </a:r>
-            <a:r>
-              <a:rPr lang="en-US" sz="1800" dirty="0">
-                <a:solidFill>
-                  <a:srgbClr val="F92672"/>
-                </a:solidFill>
-                <a:latin typeface="Monaco" charset="0"/>
-              </a:rPr>
-              <a:t>:</a:t>
-            </a:r>
-            <a:r>
-              <a:rPr lang="en-US" sz="1800" dirty="0">
-                <a:solidFill>
-                  <a:srgbClr val="F8F8F2"/>
-                </a:solidFill>
-                <a:latin typeface="Monaco" charset="0"/>
-              </a:rPr>
-              <a:t> </a:t>
-            </a:r>
-            <a:r>
-              <a:rPr lang="en-US" sz="1800" dirty="0">
-                <a:solidFill>
-                  <a:srgbClr val="66D9EF"/>
-                </a:solidFill>
-                <a:latin typeface="Monaco" charset="0"/>
-              </a:rPr>
-              <a:t>new</a:t>
-            </a:r>
-            <a:r>
-              <a:rPr lang="en-US" sz="1800" dirty="0">
-                <a:solidFill>
-                  <a:srgbClr val="F8F8F2"/>
-                </a:solidFill>
-                <a:latin typeface="Monaco" charset="0"/>
-              </a:rPr>
-              <a:t> </a:t>
-            </a:r>
-            <a:r>
-              <a:rPr lang="en-US" sz="1800" dirty="0">
-                <a:solidFill>
-                  <a:srgbClr val="A6E22E"/>
-                </a:solidFill>
-                <a:latin typeface="Monaco" charset="0"/>
-              </a:rPr>
-              <a:t>Headers</a:t>
-            </a:r>
-            <a:r>
-              <a:rPr lang="en-US" sz="1800" dirty="0">
-                <a:solidFill>
-                  <a:srgbClr val="F8F8F2"/>
-                </a:solidFill>
-                <a:latin typeface="Monaco" charset="0"/>
-              </a:rPr>
-              <a:t>({</a:t>
-            </a:r>
-          </a:p>
-          <a:p>
-            <a:pPr>
-              <a:lnSpc>
-                <a:spcPct val="100000"/>
-              </a:lnSpc>
-              <a:spcBef>
-                <a:spcPts val="0"/>
-              </a:spcBef>
-            </a:pPr>
-            <a:r>
-              <a:rPr lang="en-US" sz="1800" dirty="0" smtClean="0">
-                <a:solidFill>
-                  <a:srgbClr val="F8F8F2"/>
-                </a:solidFill>
-                <a:latin typeface="Monaco" charset="0"/>
-              </a:rPr>
-              <a:t>    </a:t>
-            </a:r>
-            <a:r>
-              <a:rPr lang="en-US" sz="1800" dirty="0" smtClean="0">
-                <a:solidFill>
-                  <a:srgbClr val="E6DB74"/>
-                </a:solidFill>
-                <a:latin typeface="Monaco" charset="0"/>
-              </a:rPr>
-              <a:t>'Content-Type</a:t>
-            </a:r>
-            <a:r>
-              <a:rPr lang="en-US" sz="1800" dirty="0">
-                <a:solidFill>
-                  <a:srgbClr val="E6DB74"/>
-                </a:solidFill>
-                <a:latin typeface="Monaco" charset="0"/>
-              </a:rPr>
-              <a:t>'</a:t>
-            </a:r>
-            <a:r>
-              <a:rPr lang="en-US" sz="1800" dirty="0">
-                <a:solidFill>
-                  <a:srgbClr val="F8F8F2"/>
-                </a:solidFill>
-                <a:latin typeface="Monaco" charset="0"/>
-              </a:rPr>
-              <a:t> </a:t>
-            </a:r>
-            <a:r>
-              <a:rPr lang="en-US" sz="1800" dirty="0">
-                <a:solidFill>
-                  <a:srgbClr val="F92672"/>
-                </a:solidFill>
-                <a:latin typeface="Monaco" charset="0"/>
-              </a:rPr>
-              <a:t>:</a:t>
-            </a:r>
-            <a:r>
-              <a:rPr lang="en-US" sz="1800" dirty="0">
-                <a:solidFill>
-                  <a:srgbClr val="F8F8F2"/>
-                </a:solidFill>
-                <a:latin typeface="Monaco" charset="0"/>
-              </a:rPr>
-              <a:t> </a:t>
-            </a:r>
-            <a:r>
-              <a:rPr lang="en-US" sz="1800" dirty="0">
-                <a:solidFill>
-                  <a:srgbClr val="E6DB74"/>
-                </a:solidFill>
-                <a:latin typeface="Monaco" charset="0"/>
-              </a:rPr>
-              <a:t>'application/</a:t>
-            </a:r>
-            <a:r>
-              <a:rPr lang="en-US" sz="1800" dirty="0" err="1">
-                <a:solidFill>
-                  <a:srgbClr val="E6DB74"/>
-                </a:solidFill>
-                <a:latin typeface="Monaco" charset="0"/>
-              </a:rPr>
-              <a:t>json</a:t>
-            </a:r>
-            <a:r>
-              <a:rPr lang="en-US" sz="1800" dirty="0">
-                <a:solidFill>
-                  <a:srgbClr val="E6DB74"/>
-                </a:solidFill>
-                <a:latin typeface="Monaco" charset="0"/>
-              </a:rPr>
-              <a:t>'</a:t>
-            </a:r>
-            <a:r>
-              <a:rPr lang="en-US" sz="1800" dirty="0">
-                <a:solidFill>
-                  <a:srgbClr val="F8F8F2"/>
-                </a:solidFill>
-                <a:latin typeface="Monaco" charset="0"/>
-              </a:rPr>
-              <a:t>,</a:t>
-            </a:r>
-          </a:p>
-          <a:p>
-            <a:pPr>
-              <a:lnSpc>
-                <a:spcPct val="100000"/>
-              </a:lnSpc>
-              <a:spcBef>
-                <a:spcPts val="0"/>
-              </a:spcBef>
-            </a:pPr>
-            <a:r>
-              <a:rPr lang="en-US" sz="1800" dirty="0" smtClean="0">
-                <a:solidFill>
-                  <a:srgbClr val="F8F8F2"/>
-                </a:solidFill>
-                <a:latin typeface="Monaco" charset="0"/>
-              </a:rPr>
-              <a:t>    </a:t>
-            </a:r>
-            <a:r>
-              <a:rPr lang="en-US" sz="1800" dirty="0" smtClean="0">
-                <a:solidFill>
-                  <a:srgbClr val="E6DB74"/>
-                </a:solidFill>
-                <a:latin typeface="Monaco" charset="0"/>
-              </a:rPr>
-              <a:t>'Authorization</a:t>
-            </a:r>
-            <a:r>
-              <a:rPr lang="en-US" sz="1800" dirty="0">
-                <a:solidFill>
-                  <a:srgbClr val="E6DB74"/>
-                </a:solidFill>
-                <a:latin typeface="Monaco" charset="0"/>
-              </a:rPr>
-              <a:t>'</a:t>
-            </a:r>
-            <a:r>
-              <a:rPr lang="en-US" sz="1800" dirty="0">
-                <a:solidFill>
-                  <a:srgbClr val="F8F8F2"/>
-                </a:solidFill>
-                <a:latin typeface="Monaco" charset="0"/>
-              </a:rPr>
-              <a:t> </a:t>
-            </a:r>
-            <a:r>
-              <a:rPr lang="en-US" sz="1800" dirty="0">
-                <a:solidFill>
-                  <a:srgbClr val="F92672"/>
-                </a:solidFill>
-                <a:latin typeface="Monaco" charset="0"/>
-              </a:rPr>
-              <a:t>:</a:t>
-            </a:r>
-            <a:r>
-              <a:rPr lang="en-US" sz="1800" dirty="0">
-                <a:solidFill>
-                  <a:srgbClr val="F8F8F2"/>
-                </a:solidFill>
-                <a:latin typeface="Monaco" charset="0"/>
-              </a:rPr>
-              <a:t> </a:t>
-            </a:r>
-            <a:r>
-              <a:rPr lang="en-US" sz="1800" dirty="0">
-                <a:solidFill>
-                  <a:srgbClr val="E6DB74"/>
-                </a:solidFill>
-                <a:latin typeface="Monaco" charset="0"/>
-              </a:rPr>
-              <a:t>'Bearer '</a:t>
-            </a:r>
-            <a:r>
-              <a:rPr lang="en-US" sz="1800" dirty="0">
-                <a:solidFill>
-                  <a:srgbClr val="F8F8F2"/>
-                </a:solidFill>
-                <a:latin typeface="Monaco" charset="0"/>
-              </a:rPr>
-              <a:t> </a:t>
-            </a:r>
-            <a:r>
-              <a:rPr lang="en-US" sz="1800" dirty="0">
-                <a:solidFill>
-                  <a:srgbClr val="F92672"/>
-                </a:solidFill>
-                <a:latin typeface="Monaco" charset="0"/>
-              </a:rPr>
-              <a:t>+</a:t>
-            </a:r>
-            <a:r>
-              <a:rPr lang="en-US" sz="1800" dirty="0">
-                <a:solidFill>
-                  <a:srgbClr val="F8F8F2"/>
-                </a:solidFill>
-                <a:latin typeface="Monaco" charset="0"/>
-              </a:rPr>
-              <a:t> </a:t>
-            </a:r>
-            <a:r>
-              <a:rPr lang="en-US" sz="1800" dirty="0">
-                <a:solidFill>
-                  <a:srgbClr val="A6E22E"/>
-                </a:solidFill>
-                <a:latin typeface="Monaco" charset="0"/>
-              </a:rPr>
-              <a:t>token</a:t>
-            </a:r>
-            <a:endParaRPr lang="en-US" sz="1800" dirty="0">
-              <a:solidFill>
-                <a:srgbClr val="F8F8F2"/>
-              </a:solidFill>
-              <a:latin typeface="Monaco" charset="0"/>
-            </a:endParaRPr>
-          </a:p>
-          <a:p>
-            <a:pPr>
-              <a:lnSpc>
-                <a:spcPct val="100000"/>
-              </a:lnSpc>
-              <a:spcBef>
-                <a:spcPts val="0"/>
-              </a:spcBef>
-            </a:pPr>
-            <a:r>
-              <a:rPr lang="en-US" sz="1800" dirty="0" smtClean="0">
-                <a:solidFill>
-                  <a:srgbClr val="F8F8F2"/>
-                </a:solidFill>
-                <a:latin typeface="Monaco" charset="0"/>
-              </a:rPr>
-              <a:t>  </a:t>
-            </a:r>
-            <a:r>
-              <a:rPr lang="mr-IN" sz="1800" dirty="0" smtClean="0">
-                <a:solidFill>
-                  <a:srgbClr val="F8F8F2"/>
-                </a:solidFill>
-                <a:latin typeface="Monaco" charset="0"/>
-              </a:rPr>
-              <a:t>}),</a:t>
-            </a:r>
-            <a:endParaRPr lang="mr-IN" sz="1800" dirty="0">
-              <a:solidFill>
-                <a:srgbClr val="F8F8F2"/>
-              </a:solidFill>
-              <a:latin typeface="Monaco" charset="0"/>
-            </a:endParaRPr>
-          </a:p>
-          <a:p>
-            <a:pPr>
-              <a:lnSpc>
-                <a:spcPct val="100000"/>
-              </a:lnSpc>
-              <a:spcBef>
-                <a:spcPts val="0"/>
-              </a:spcBef>
-            </a:pPr>
-            <a:r>
-              <a:rPr lang="en-US" sz="1800" dirty="0" smtClean="0">
-                <a:solidFill>
-                  <a:srgbClr val="F8F8F2"/>
-                </a:solidFill>
-                <a:latin typeface="Monaco" charset="0"/>
-              </a:rPr>
-              <a:t>  </a:t>
-            </a:r>
-            <a:r>
-              <a:rPr lang="en-US" sz="1800" dirty="0" smtClean="0">
-                <a:solidFill>
-                  <a:srgbClr val="A6E22E"/>
-                </a:solidFill>
-                <a:latin typeface="Monaco" charset="0"/>
-              </a:rPr>
-              <a:t>credentials</a:t>
-            </a:r>
-            <a:r>
-              <a:rPr lang="en-US" sz="1800" dirty="0">
-                <a:solidFill>
-                  <a:srgbClr val="F92672"/>
-                </a:solidFill>
-                <a:latin typeface="Monaco" charset="0"/>
-              </a:rPr>
-              <a:t>:</a:t>
-            </a:r>
-            <a:r>
-              <a:rPr lang="en-US" sz="1800" dirty="0">
-                <a:solidFill>
-                  <a:srgbClr val="F8F8F2"/>
-                </a:solidFill>
-                <a:latin typeface="Monaco" charset="0"/>
-              </a:rPr>
-              <a:t> </a:t>
-            </a:r>
-            <a:r>
-              <a:rPr lang="en-US" sz="1800" dirty="0">
-                <a:solidFill>
-                  <a:srgbClr val="E6DB74"/>
-                </a:solidFill>
-                <a:latin typeface="Monaco" charset="0"/>
-              </a:rPr>
-              <a:t>'include'</a:t>
-            </a:r>
-            <a:endParaRPr lang="en-US" sz="1800" dirty="0">
-              <a:solidFill>
-                <a:srgbClr val="F8F8F2"/>
-              </a:solidFill>
-              <a:latin typeface="Monaco" charset="0"/>
-            </a:endParaRPr>
-          </a:p>
-          <a:p>
-            <a:pPr>
-              <a:lnSpc>
-                <a:spcPct val="100000"/>
-              </a:lnSpc>
-              <a:spcBef>
-                <a:spcPts val="0"/>
-              </a:spcBef>
-            </a:pPr>
-            <a:r>
-              <a:rPr lang="mr-IN" sz="1800" dirty="0">
-                <a:solidFill>
-                  <a:srgbClr val="F8F8F2"/>
-                </a:solidFill>
-                <a:latin typeface="Monaco" charset="0"/>
-              </a:rPr>
-              <a:t>})</a:t>
-            </a:r>
-          </a:p>
-          <a:p>
-            <a:pPr>
-              <a:lnSpc>
-                <a:spcPct val="100000"/>
-              </a:lnSpc>
-              <a:spcBef>
-                <a:spcPts val="0"/>
-              </a:spcBef>
-            </a:pPr>
-            <a:r>
-              <a:rPr lang="en-US" sz="1800" dirty="0" smtClean="0">
-                <a:solidFill>
-                  <a:srgbClr val="F8F8F2"/>
-                </a:solidFill>
-                <a:latin typeface="Monaco" charset="0"/>
-              </a:rPr>
-              <a:t>  .</a:t>
-            </a:r>
-            <a:r>
-              <a:rPr lang="en-US" sz="1800" dirty="0">
-                <a:solidFill>
-                  <a:srgbClr val="A6E22E"/>
-                </a:solidFill>
-                <a:latin typeface="Monaco" charset="0"/>
-              </a:rPr>
-              <a:t>then</a:t>
-            </a:r>
-            <a:r>
-              <a:rPr lang="en-US" sz="1800" dirty="0">
-                <a:solidFill>
-                  <a:srgbClr val="F8F8F2"/>
-                </a:solidFill>
-                <a:latin typeface="Monaco" charset="0"/>
-              </a:rPr>
-              <a:t>( </a:t>
-            </a:r>
-            <a:r>
-              <a:rPr lang="en-US" sz="1800" dirty="0">
-                <a:solidFill>
-                  <a:srgbClr val="66D9EF"/>
-                </a:solidFill>
-                <a:latin typeface="Monaco" charset="0"/>
-              </a:rPr>
-              <a:t>function</a:t>
-            </a:r>
-            <a:r>
-              <a:rPr lang="en-US" sz="1800" dirty="0" smtClean="0">
-                <a:solidFill>
-                  <a:srgbClr val="F8F8F2"/>
-                </a:solidFill>
-                <a:latin typeface="Monaco" charset="0"/>
-              </a:rPr>
-              <a:t>( </a:t>
-            </a:r>
-            <a:r>
-              <a:rPr lang="en-US" sz="1800" dirty="0" smtClean="0">
-                <a:solidFill>
-                  <a:srgbClr val="A6E22E"/>
-                </a:solidFill>
-                <a:latin typeface="Monaco" charset="0"/>
-              </a:rPr>
-              <a:t>response </a:t>
-            </a:r>
-            <a:r>
-              <a:rPr lang="en-US" sz="1800" dirty="0" smtClean="0">
-                <a:solidFill>
-                  <a:srgbClr val="F8F8F2"/>
-                </a:solidFill>
-                <a:latin typeface="Monaco" charset="0"/>
-              </a:rPr>
-              <a:t>) {</a:t>
-            </a:r>
-          </a:p>
-          <a:p>
-            <a:pPr>
-              <a:lnSpc>
-                <a:spcPct val="100000"/>
-              </a:lnSpc>
-              <a:spcBef>
-                <a:spcPts val="0"/>
-              </a:spcBef>
-            </a:pPr>
-            <a:r>
-              <a:rPr lang="en-US" sz="1800" dirty="0" smtClean="0">
-                <a:solidFill>
-                  <a:srgbClr val="F8F8F2"/>
-                </a:solidFill>
-                <a:latin typeface="Monaco" charset="0"/>
-              </a:rPr>
-              <a:t>    </a:t>
-            </a:r>
-            <a:r>
-              <a:rPr lang="en-US" sz="1800" dirty="0" smtClean="0">
-                <a:solidFill>
-                  <a:srgbClr val="66D9EF"/>
-                </a:solidFill>
-                <a:latin typeface="Monaco" charset="0"/>
-              </a:rPr>
-              <a:t>if</a:t>
-            </a:r>
-            <a:r>
-              <a:rPr lang="en-US" sz="1800" dirty="0">
-                <a:solidFill>
-                  <a:srgbClr val="F8F8F2"/>
-                </a:solidFill>
-                <a:latin typeface="Monaco" charset="0"/>
-              </a:rPr>
-              <a:t>( </a:t>
-            </a:r>
-            <a:r>
-              <a:rPr lang="en-US" sz="1800" dirty="0">
-                <a:solidFill>
-                  <a:srgbClr val="AE81FF"/>
-                </a:solidFill>
-                <a:latin typeface="Monaco" charset="0"/>
-              </a:rPr>
-              <a:t>201</a:t>
-            </a:r>
-            <a:r>
-              <a:rPr lang="en-US" sz="1800" dirty="0">
-                <a:solidFill>
-                  <a:srgbClr val="F8F8F2"/>
-                </a:solidFill>
-                <a:latin typeface="Monaco" charset="0"/>
-              </a:rPr>
-              <a:t> </a:t>
-            </a:r>
-            <a:r>
-              <a:rPr lang="en-US" sz="1800" dirty="0">
-                <a:solidFill>
-                  <a:srgbClr val="F92672"/>
-                </a:solidFill>
-                <a:latin typeface="Monaco" charset="0"/>
-              </a:rPr>
-              <a:t>===</a:t>
-            </a:r>
-            <a:r>
-              <a:rPr lang="en-US" sz="1800" dirty="0">
-                <a:solidFill>
-                  <a:srgbClr val="F8F8F2"/>
-                </a:solidFill>
-                <a:latin typeface="Monaco" charset="0"/>
-              </a:rPr>
-              <a:t> </a:t>
-            </a:r>
-            <a:r>
-              <a:rPr lang="en-US" sz="1800" dirty="0" err="1">
-                <a:solidFill>
-                  <a:srgbClr val="A6E22E"/>
-                </a:solidFill>
-                <a:latin typeface="Monaco" charset="0"/>
-              </a:rPr>
-              <a:t>response</a:t>
-            </a:r>
-            <a:r>
-              <a:rPr lang="en-US" sz="1800" dirty="0" err="1">
-                <a:solidFill>
-                  <a:srgbClr val="F8F8F2"/>
-                </a:solidFill>
-                <a:latin typeface="Monaco" charset="0"/>
-              </a:rPr>
-              <a:t>.</a:t>
-            </a:r>
-            <a:r>
-              <a:rPr lang="en-US" sz="1800" dirty="0" err="1">
-                <a:solidFill>
-                  <a:srgbClr val="A6E22E"/>
-                </a:solidFill>
-                <a:latin typeface="Monaco" charset="0"/>
-              </a:rPr>
-              <a:t>status</a:t>
-            </a:r>
-            <a:r>
-              <a:rPr lang="en-US" sz="1800" dirty="0">
-                <a:solidFill>
-                  <a:srgbClr val="F8F8F2"/>
-                </a:solidFill>
-                <a:latin typeface="Monaco" charset="0"/>
-              </a:rPr>
-              <a:t> ) {</a:t>
-            </a:r>
-          </a:p>
-          <a:p>
-            <a:pPr>
-              <a:lnSpc>
-                <a:spcPct val="100000"/>
-              </a:lnSpc>
-              <a:spcBef>
-                <a:spcPts val="0"/>
-              </a:spcBef>
-            </a:pPr>
-            <a:r>
-              <a:rPr lang="en-US" sz="1800" dirty="0" smtClean="0">
-                <a:solidFill>
-                  <a:srgbClr val="F8F8F2"/>
-                </a:solidFill>
-                <a:latin typeface="Monaco" charset="0"/>
-              </a:rPr>
-              <a:t>      </a:t>
-            </a:r>
-            <a:r>
-              <a:rPr lang="en-US" sz="1800" dirty="0" err="1" smtClean="0">
-                <a:solidFill>
-                  <a:srgbClr val="A6E22E"/>
-                </a:solidFill>
-                <a:latin typeface="Monaco" charset="0"/>
-              </a:rPr>
-              <a:t>console</a:t>
-            </a:r>
-            <a:r>
-              <a:rPr lang="en-US" sz="1800" dirty="0" err="1" smtClean="0">
-                <a:solidFill>
-                  <a:srgbClr val="F8F8F2"/>
-                </a:solidFill>
-                <a:latin typeface="Monaco" charset="0"/>
-              </a:rPr>
-              <a:t>.</a:t>
-            </a:r>
-            <a:r>
-              <a:rPr lang="en-US" sz="1800" dirty="0" err="1" smtClean="0">
-                <a:solidFill>
-                  <a:srgbClr val="A6E22E"/>
-                </a:solidFill>
-                <a:latin typeface="Monaco" charset="0"/>
-              </a:rPr>
-              <a:t>log</a:t>
-            </a:r>
-            <a:r>
-              <a:rPr lang="en-US" sz="1800" dirty="0" smtClean="0">
-                <a:solidFill>
-                  <a:srgbClr val="F8F8F2"/>
-                </a:solidFill>
-                <a:latin typeface="Monaco" charset="0"/>
-              </a:rPr>
-              <a:t>( </a:t>
-            </a:r>
-            <a:r>
-              <a:rPr lang="en-US" sz="1800" dirty="0" smtClean="0">
-                <a:solidFill>
-                  <a:srgbClr val="A6E22E"/>
-                </a:solidFill>
-                <a:latin typeface="Monaco" charset="0"/>
-              </a:rPr>
-              <a:t>'Post Update</a:t>
-            </a:r>
-            <a:r>
-              <a:rPr lang="en-US" sz="1800" dirty="0">
-                <a:solidFill>
-                  <a:srgbClr val="A6E22E"/>
-                </a:solidFill>
-                <a:latin typeface="Monaco" charset="0"/>
-              </a:rPr>
-              <a:t>'</a:t>
-            </a:r>
-            <a:r>
-              <a:rPr lang="en-US" sz="1800" dirty="0" smtClean="0">
-                <a:solidFill>
-                  <a:srgbClr val="F8F8F2"/>
-                </a:solidFill>
-                <a:latin typeface="Monaco" charset="0"/>
-              </a:rPr>
-              <a:t> );</a:t>
-            </a:r>
-          </a:p>
-          <a:p>
-            <a:pPr>
-              <a:lnSpc>
-                <a:spcPct val="100000"/>
-              </a:lnSpc>
-              <a:spcBef>
-                <a:spcPts val="0"/>
-              </a:spcBef>
-            </a:pPr>
-            <a:r>
-              <a:rPr lang="en-US" sz="1800" dirty="0" smtClean="0">
-                <a:solidFill>
-                  <a:srgbClr val="F8F8F2"/>
-                </a:solidFill>
-                <a:latin typeface="Monaco" charset="0"/>
-              </a:rPr>
-              <a:t>    }</a:t>
-            </a:r>
-          </a:p>
-          <a:p>
-            <a:pPr>
-              <a:lnSpc>
-                <a:spcPct val="100000"/>
-              </a:lnSpc>
-              <a:spcBef>
-                <a:spcPts val="0"/>
-              </a:spcBef>
-            </a:pPr>
-            <a:r>
-              <a:rPr lang="en-US" sz="1800" dirty="0" smtClean="0">
-                <a:solidFill>
-                  <a:srgbClr val="F8F8F2"/>
-                </a:solidFill>
-                <a:latin typeface="Monaco" charset="0"/>
-              </a:rPr>
-              <a:t>  </a:t>
-            </a:r>
-            <a:r>
-              <a:rPr lang="mr-IN" sz="1800" dirty="0" smtClean="0">
-                <a:solidFill>
-                  <a:srgbClr val="F8F8F2"/>
-                </a:solidFill>
-                <a:latin typeface="Monaco" charset="0"/>
-              </a:rPr>
-              <a:t>})</a:t>
-            </a:r>
-            <a:r>
-              <a:rPr lang="en-US" sz="1800" dirty="0">
-                <a:solidFill>
-                  <a:srgbClr val="F8F8F2"/>
-                </a:solidFill>
-                <a:latin typeface="Monaco" charset="0"/>
-              </a:rPr>
-              <a:t>;</a:t>
-            </a:r>
-            <a:endParaRPr lang="mr-IN" sz="1800" dirty="0">
-              <a:solidFill>
-                <a:srgbClr val="F8F8F2"/>
-              </a:solidFill>
-              <a:latin typeface="Monaco" charset="0"/>
-            </a:endParaRPr>
-          </a:p>
         </p:txBody>
       </p:sp>
     </p:spTree>
     <p:extLst>
       <p:ext uri="{BB962C8B-B14F-4D97-AF65-F5344CB8AC3E}">
-        <p14:creationId xmlns:p14="http://schemas.microsoft.com/office/powerpoint/2010/main" val="1455455207"/>
+        <p14:creationId xmlns:p14="http://schemas.microsoft.com/office/powerpoint/2010/main" val="2117583182"/>
       </p:ext>
     </p:extLst>
   </p:cSld>
@@ -41206,30 +40383,7 @@
       </p:grpSpPr>
       <p:sp>
         <p:nvSpPr>
-          <p:cNvPr id="2" name="Title 1"/>
-          <p:cNvSpPr>
-            <a:spLocks noGrp="1"/>
-          </p:cNvSpPr>
-          <p:nvPr>
-            <p:ph type="ctrTitle"/>
-          </p:nvPr>
-        </p:nvSpPr>
-        <p:spPr/>
-        <p:txBody>
-          <a:bodyPr/>
-          <a:lstStyle/>
-          <a:p>
-            <a:r>
-              <a:rPr lang="en-US" dirty="0" smtClean="0"/>
-              <a:t>DEMO</a:t>
-            </a:r>
-            <a:endParaRPr lang="en-US" dirty="0"/>
-          </a:p>
-        </p:txBody>
-      </p:sp>
-      <p:sp>
-        <p:nvSpPr>
-          <p:cNvPr id="3" name="Content Placeholder 2"/>
+          <p:cNvPr id="4" name="Content Placeholder 3"/>
           <p:cNvSpPr>
             <a:spLocks noGrp="1"/>
           </p:cNvSpPr>
@@ -41249,10 +40403,1096 @@
           </a:p>
         </p:txBody>
       </p:sp>
+      <p:sp>
+        <p:nvSpPr>
+          <p:cNvPr id="5" name="Rectangle 4"/>
+          <p:cNvSpPr/>
+          <p:nvPr/>
+        </p:nvSpPr>
+        <p:spPr>
+          <a:xfrm>
+            <a:off x="493059" y="289343"/>
+            <a:ext cx="8346141" cy="461665"/>
+          </a:xfrm>
+          <a:prstGeom prst="rect">
+            <a:avLst/>
+          </a:prstGeom>
+        </p:spPr>
+        <p:txBody>
+          <a:bodyPr wrap="square">
+            <a:spAutoFit/>
+          </a:bodyPr>
+          <a:lstStyle/>
+          <a:p>
+            <a:r>
+              <a:rPr lang="en-US" sz="2400" b="1" dirty="0" smtClean="0">
+                <a:solidFill>
+                  <a:schemeClr val="bg1">
+                    <a:lumMod val="95000"/>
+                  </a:schemeClr>
+                </a:solidFill>
+                <a:latin typeface="Open Sans Extrabold" charset="0"/>
+                <a:ea typeface="Open Sans Extrabold" charset="0"/>
+                <a:cs typeface="Open Sans Extrabold" charset="0"/>
+              </a:rPr>
+              <a:t>Making HTTP Post Requests with Fetch</a:t>
+            </a:r>
+            <a:endParaRPr lang="en-US" sz="2400" b="1" dirty="0">
+              <a:solidFill>
+                <a:schemeClr val="bg1">
+                  <a:lumMod val="95000"/>
+                </a:schemeClr>
+              </a:solidFill>
+              <a:latin typeface="Open Sans Extrabold" charset="0"/>
+              <a:ea typeface="Open Sans Extrabold" charset="0"/>
+              <a:cs typeface="Open Sans Extrabold" charset="0"/>
+            </a:endParaRPr>
+          </a:p>
+        </p:txBody>
+      </p:sp>
+      <p:sp>
+        <p:nvSpPr>
+          <p:cNvPr id="2" name="Content Placeholder 1"/>
+          <p:cNvSpPr>
+            <a:spLocks noGrp="1"/>
+          </p:cNvSpPr>
+          <p:nvPr>
+            <p:ph idx="1"/>
+          </p:nvPr>
+        </p:nvSpPr>
+        <p:spPr>
+          <a:xfrm>
+            <a:off x="609600" y="886968"/>
+            <a:ext cx="8534400" cy="3831644"/>
+          </a:xfrm>
+        </p:spPr>
+        <p:txBody>
+          <a:bodyPr>
+            <a:noAutofit/>
+          </a:bodyPr>
+          <a:lstStyle/>
+          <a:p>
+            <a:pPr>
+              <a:lnSpc>
+                <a:spcPct val="100000"/>
+              </a:lnSpc>
+              <a:spcBef>
+                <a:spcPts val="0"/>
+              </a:spcBef>
+            </a:pPr>
+            <a:r>
+              <a:rPr lang="en-US" sz="1800" dirty="0" smtClean="0">
+                <a:solidFill>
+                  <a:srgbClr val="A6E22E"/>
+                </a:solidFill>
+                <a:latin typeface="Monaco" charset="0"/>
+              </a:rPr>
+              <a:t>fetch</a:t>
+            </a:r>
+            <a:r>
+              <a:rPr lang="en-US" sz="1800" dirty="0" smtClean="0">
+                <a:solidFill>
+                  <a:srgbClr val="F8F8F2"/>
+                </a:solidFill>
+                <a:latin typeface="Monaco" charset="0"/>
+              </a:rPr>
+              <a:t>( </a:t>
+            </a:r>
+            <a:r>
+              <a:rPr lang="en-US" sz="1800" dirty="0" smtClean="0">
+                <a:solidFill>
+                  <a:srgbClr val="E6DB74"/>
+                </a:solidFill>
+                <a:latin typeface="Monaco" charset="0"/>
+              </a:rPr>
+              <a:t>'https://</a:t>
+            </a:r>
+            <a:r>
+              <a:rPr lang="en-US" sz="1800" dirty="0" err="1" smtClean="0">
+                <a:solidFill>
+                  <a:srgbClr val="E6DB74"/>
+                </a:solidFill>
+                <a:latin typeface="Monaco" charset="0"/>
+              </a:rPr>
+              <a:t>site.com</a:t>
+            </a:r>
+            <a:r>
+              <a:rPr lang="en-US" sz="1800" dirty="0" smtClean="0">
+                <a:solidFill>
+                  <a:srgbClr val="E6DB74"/>
+                </a:solidFill>
+                <a:latin typeface="Monaco" charset="0"/>
+              </a:rPr>
+              <a:t>/</a:t>
+            </a:r>
+            <a:r>
+              <a:rPr lang="en-US" sz="1800" dirty="0" err="1" smtClean="0">
+                <a:solidFill>
+                  <a:srgbClr val="E6DB74"/>
+                </a:solidFill>
+                <a:latin typeface="Monaco" charset="0"/>
+              </a:rPr>
+              <a:t>wp-json</a:t>
+            </a:r>
+            <a:r>
+              <a:rPr lang="en-US" sz="1800" dirty="0" smtClean="0">
+                <a:solidFill>
+                  <a:srgbClr val="E6DB74"/>
+                </a:solidFill>
+                <a:latin typeface="Monaco" charset="0"/>
+              </a:rPr>
+              <a:t>/</a:t>
+            </a:r>
+            <a:r>
+              <a:rPr lang="en-US" sz="1800" dirty="0" err="1" smtClean="0">
+                <a:solidFill>
+                  <a:srgbClr val="E6DB74"/>
+                </a:solidFill>
+                <a:latin typeface="Monaco" charset="0"/>
+              </a:rPr>
+              <a:t>wp</a:t>
+            </a:r>
+            <a:r>
+              <a:rPr lang="en-US" sz="1800" dirty="0" smtClean="0">
+                <a:solidFill>
+                  <a:srgbClr val="E6DB74"/>
+                </a:solidFill>
+                <a:latin typeface="Monaco" charset="0"/>
+              </a:rPr>
+              <a:t>/v2/posts</a:t>
+            </a:r>
+            <a:r>
+              <a:rPr lang="en-US" sz="1800" dirty="0">
+                <a:solidFill>
+                  <a:srgbClr val="E6DB74"/>
+                </a:solidFill>
+                <a:latin typeface="Monaco" charset="0"/>
+              </a:rPr>
+              <a:t>'</a:t>
+            </a:r>
+            <a:r>
+              <a:rPr lang="en-US" sz="1800" dirty="0">
+                <a:solidFill>
+                  <a:srgbClr val="F8F8F2"/>
+                </a:solidFill>
+                <a:latin typeface="Monaco" charset="0"/>
+              </a:rPr>
+              <a:t>, {</a:t>
+            </a:r>
+          </a:p>
+          <a:p>
+            <a:pPr>
+              <a:lnSpc>
+                <a:spcPct val="100000"/>
+              </a:lnSpc>
+              <a:spcBef>
+                <a:spcPts val="0"/>
+              </a:spcBef>
+            </a:pPr>
+            <a:r>
+              <a:rPr lang="en-US" sz="1800" dirty="0" smtClean="0">
+                <a:solidFill>
+                  <a:srgbClr val="F8F8F2"/>
+                </a:solidFill>
+                <a:latin typeface="Monaco" charset="0"/>
+              </a:rPr>
+              <a:t>  </a:t>
+            </a:r>
+            <a:r>
+              <a:rPr lang="en-US" sz="1800" dirty="0" smtClean="0">
+                <a:solidFill>
+                  <a:srgbClr val="A6E22E"/>
+                </a:solidFill>
+                <a:latin typeface="Monaco" charset="0"/>
+              </a:rPr>
+              <a:t>method</a:t>
+            </a:r>
+            <a:r>
+              <a:rPr lang="en-US" sz="1800" dirty="0">
+                <a:solidFill>
+                  <a:srgbClr val="F92672"/>
+                </a:solidFill>
+                <a:latin typeface="Monaco" charset="0"/>
+              </a:rPr>
+              <a:t>:</a:t>
+            </a:r>
+            <a:r>
+              <a:rPr lang="en-US" sz="1800" dirty="0">
+                <a:solidFill>
+                  <a:srgbClr val="F8F8F2"/>
+                </a:solidFill>
+                <a:latin typeface="Monaco" charset="0"/>
+              </a:rPr>
+              <a:t> </a:t>
+            </a:r>
+            <a:r>
+              <a:rPr lang="en-US" sz="1800" dirty="0">
+                <a:solidFill>
+                  <a:srgbClr val="E6DB74"/>
+                </a:solidFill>
+                <a:latin typeface="Monaco" charset="0"/>
+              </a:rPr>
+              <a:t>'POST'</a:t>
+            </a:r>
+            <a:r>
+              <a:rPr lang="en-US" sz="1800" dirty="0">
+                <a:solidFill>
+                  <a:srgbClr val="F8F8F2"/>
+                </a:solidFill>
+                <a:latin typeface="Monaco" charset="0"/>
+              </a:rPr>
+              <a:t>,</a:t>
+            </a:r>
+          </a:p>
+          <a:p>
+            <a:pPr>
+              <a:lnSpc>
+                <a:spcPct val="100000"/>
+              </a:lnSpc>
+              <a:spcBef>
+                <a:spcPts val="0"/>
+              </a:spcBef>
+            </a:pPr>
+            <a:r>
+              <a:rPr lang="en-US" sz="1800" dirty="0" smtClean="0">
+                <a:solidFill>
+                  <a:srgbClr val="F8F8F2"/>
+                </a:solidFill>
+                <a:latin typeface="Monaco" charset="0"/>
+              </a:rPr>
+              <a:t>  </a:t>
+            </a:r>
+            <a:r>
+              <a:rPr lang="en-US" sz="1800" dirty="0" smtClean="0">
+                <a:solidFill>
+                  <a:srgbClr val="A6E22E"/>
+                </a:solidFill>
+                <a:latin typeface="Monaco" charset="0"/>
+              </a:rPr>
+              <a:t>body</a:t>
+            </a:r>
+            <a:r>
+              <a:rPr lang="en-US" sz="1800" dirty="0">
+                <a:solidFill>
+                  <a:srgbClr val="F92672"/>
+                </a:solidFill>
+                <a:latin typeface="Monaco" charset="0"/>
+              </a:rPr>
+              <a:t>:</a:t>
+            </a:r>
+            <a:r>
+              <a:rPr lang="en-US" sz="1800" dirty="0">
+                <a:solidFill>
+                  <a:srgbClr val="F8F8F2"/>
+                </a:solidFill>
+                <a:latin typeface="Monaco" charset="0"/>
+              </a:rPr>
+              <a:t> </a:t>
+            </a:r>
+            <a:r>
+              <a:rPr lang="en-US" sz="1800" dirty="0" err="1">
+                <a:solidFill>
+                  <a:srgbClr val="A6E22E"/>
+                </a:solidFill>
+                <a:latin typeface="Monaco" charset="0"/>
+              </a:rPr>
+              <a:t>JSON</a:t>
+            </a:r>
+            <a:r>
+              <a:rPr lang="en-US" sz="1800" dirty="0" err="1">
+                <a:solidFill>
+                  <a:srgbClr val="F8F8F2"/>
+                </a:solidFill>
+                <a:latin typeface="Monaco" charset="0"/>
+              </a:rPr>
+              <a:t>.</a:t>
+            </a:r>
+            <a:r>
+              <a:rPr lang="en-US" sz="1800" dirty="0" err="1">
+                <a:solidFill>
+                  <a:srgbClr val="A6E22E"/>
+                </a:solidFill>
+                <a:latin typeface="Monaco" charset="0"/>
+              </a:rPr>
+              <a:t>stringify</a:t>
+            </a:r>
+            <a:r>
+              <a:rPr lang="en-US" sz="1800" dirty="0" smtClean="0">
+                <a:solidFill>
+                  <a:srgbClr val="F8F8F2"/>
+                </a:solidFill>
+                <a:latin typeface="Monaco" charset="0"/>
+              </a:rPr>
+              <a:t>( </a:t>
+            </a:r>
+            <a:r>
+              <a:rPr lang="en-US" sz="1800" dirty="0" smtClean="0">
+                <a:solidFill>
+                  <a:srgbClr val="A6E22E"/>
+                </a:solidFill>
+                <a:latin typeface="Monaco" charset="0"/>
+              </a:rPr>
+              <a:t>post </a:t>
+            </a:r>
+            <a:r>
+              <a:rPr lang="en-US" sz="1800" dirty="0" smtClean="0">
+                <a:solidFill>
+                  <a:srgbClr val="F8F8F2"/>
+                </a:solidFill>
+                <a:latin typeface="Monaco" charset="0"/>
+              </a:rPr>
+              <a:t>),</a:t>
+            </a:r>
+            <a:endParaRPr lang="en-US" sz="1800" dirty="0">
+              <a:solidFill>
+                <a:srgbClr val="F8F8F2"/>
+              </a:solidFill>
+              <a:latin typeface="Monaco" charset="0"/>
+            </a:endParaRPr>
+          </a:p>
+          <a:p>
+            <a:pPr>
+              <a:lnSpc>
+                <a:spcPct val="100000"/>
+              </a:lnSpc>
+              <a:spcBef>
+                <a:spcPts val="0"/>
+              </a:spcBef>
+            </a:pPr>
+            <a:r>
+              <a:rPr lang="en-US" sz="1800" dirty="0" smtClean="0">
+                <a:solidFill>
+                  <a:srgbClr val="F8F8F2"/>
+                </a:solidFill>
+                <a:latin typeface="Monaco" charset="0"/>
+              </a:rPr>
+              <a:t>  </a:t>
+            </a:r>
+            <a:r>
+              <a:rPr lang="en-US" sz="1800" dirty="0" smtClean="0">
+                <a:solidFill>
+                  <a:srgbClr val="A6E22E"/>
+                </a:solidFill>
+                <a:latin typeface="Monaco" charset="0"/>
+              </a:rPr>
+              <a:t>headers</a:t>
+            </a:r>
+            <a:r>
+              <a:rPr lang="en-US" sz="1800" dirty="0">
+                <a:solidFill>
+                  <a:srgbClr val="F92672"/>
+                </a:solidFill>
+                <a:latin typeface="Monaco" charset="0"/>
+              </a:rPr>
+              <a:t>:</a:t>
+            </a:r>
+            <a:r>
+              <a:rPr lang="en-US" sz="1800" dirty="0">
+                <a:solidFill>
+                  <a:srgbClr val="F8F8F2"/>
+                </a:solidFill>
+                <a:latin typeface="Monaco" charset="0"/>
+              </a:rPr>
+              <a:t> </a:t>
+            </a:r>
+            <a:r>
+              <a:rPr lang="en-US" sz="1800" dirty="0">
+                <a:solidFill>
+                  <a:srgbClr val="66D9EF"/>
+                </a:solidFill>
+                <a:latin typeface="Monaco" charset="0"/>
+              </a:rPr>
+              <a:t>new</a:t>
+            </a:r>
+            <a:r>
+              <a:rPr lang="en-US" sz="1800" dirty="0">
+                <a:solidFill>
+                  <a:srgbClr val="F8F8F2"/>
+                </a:solidFill>
+                <a:latin typeface="Monaco" charset="0"/>
+              </a:rPr>
+              <a:t> </a:t>
+            </a:r>
+            <a:r>
+              <a:rPr lang="en-US" sz="1800" dirty="0">
+                <a:solidFill>
+                  <a:srgbClr val="A6E22E"/>
+                </a:solidFill>
+                <a:latin typeface="Monaco" charset="0"/>
+              </a:rPr>
+              <a:t>Headers</a:t>
+            </a:r>
+            <a:r>
+              <a:rPr lang="en-US" sz="1800" dirty="0">
+                <a:solidFill>
+                  <a:srgbClr val="F8F8F2"/>
+                </a:solidFill>
+                <a:latin typeface="Monaco" charset="0"/>
+              </a:rPr>
+              <a:t>({</a:t>
+            </a:r>
+          </a:p>
+          <a:p>
+            <a:pPr>
+              <a:lnSpc>
+                <a:spcPct val="100000"/>
+              </a:lnSpc>
+              <a:spcBef>
+                <a:spcPts val="0"/>
+              </a:spcBef>
+            </a:pPr>
+            <a:r>
+              <a:rPr lang="en-US" sz="1800" dirty="0" smtClean="0">
+                <a:solidFill>
+                  <a:srgbClr val="F8F8F2"/>
+                </a:solidFill>
+                <a:latin typeface="Monaco" charset="0"/>
+              </a:rPr>
+              <a:t>    </a:t>
+            </a:r>
+            <a:r>
+              <a:rPr lang="en-US" sz="1800" dirty="0" smtClean="0">
+                <a:solidFill>
+                  <a:srgbClr val="E6DB74"/>
+                </a:solidFill>
+                <a:latin typeface="Monaco" charset="0"/>
+              </a:rPr>
+              <a:t>'Content-Type</a:t>
+            </a:r>
+            <a:r>
+              <a:rPr lang="en-US" sz="1800" dirty="0">
+                <a:solidFill>
+                  <a:srgbClr val="E6DB74"/>
+                </a:solidFill>
+                <a:latin typeface="Monaco" charset="0"/>
+              </a:rPr>
+              <a:t>'</a:t>
+            </a:r>
+            <a:r>
+              <a:rPr lang="en-US" sz="1800" dirty="0">
+                <a:solidFill>
+                  <a:srgbClr val="F8F8F2"/>
+                </a:solidFill>
+                <a:latin typeface="Monaco" charset="0"/>
+              </a:rPr>
+              <a:t> </a:t>
+            </a:r>
+            <a:r>
+              <a:rPr lang="en-US" sz="1800" dirty="0">
+                <a:solidFill>
+                  <a:srgbClr val="F92672"/>
+                </a:solidFill>
+                <a:latin typeface="Monaco" charset="0"/>
+              </a:rPr>
+              <a:t>:</a:t>
+            </a:r>
+            <a:r>
+              <a:rPr lang="en-US" sz="1800" dirty="0">
+                <a:solidFill>
+                  <a:srgbClr val="F8F8F2"/>
+                </a:solidFill>
+                <a:latin typeface="Monaco" charset="0"/>
+              </a:rPr>
+              <a:t> </a:t>
+            </a:r>
+            <a:r>
+              <a:rPr lang="en-US" sz="1800" dirty="0">
+                <a:solidFill>
+                  <a:srgbClr val="E6DB74"/>
+                </a:solidFill>
+                <a:latin typeface="Monaco" charset="0"/>
+              </a:rPr>
+              <a:t>'application/</a:t>
+            </a:r>
+            <a:r>
+              <a:rPr lang="en-US" sz="1800" dirty="0" err="1">
+                <a:solidFill>
+                  <a:srgbClr val="E6DB74"/>
+                </a:solidFill>
+                <a:latin typeface="Monaco" charset="0"/>
+              </a:rPr>
+              <a:t>json</a:t>
+            </a:r>
+            <a:r>
+              <a:rPr lang="en-US" sz="1800" dirty="0">
+                <a:solidFill>
+                  <a:srgbClr val="E6DB74"/>
+                </a:solidFill>
+                <a:latin typeface="Monaco" charset="0"/>
+              </a:rPr>
+              <a:t>'</a:t>
+            </a:r>
+            <a:r>
+              <a:rPr lang="en-US" sz="1800" dirty="0">
+                <a:solidFill>
+                  <a:srgbClr val="F8F8F2"/>
+                </a:solidFill>
+                <a:latin typeface="Monaco" charset="0"/>
+              </a:rPr>
+              <a:t>,</a:t>
+            </a:r>
+          </a:p>
+          <a:p>
+            <a:pPr>
+              <a:lnSpc>
+                <a:spcPct val="100000"/>
+              </a:lnSpc>
+              <a:spcBef>
+                <a:spcPts val="0"/>
+              </a:spcBef>
+            </a:pPr>
+            <a:r>
+              <a:rPr lang="en-US" sz="1800" dirty="0" smtClean="0">
+                <a:solidFill>
+                  <a:srgbClr val="F8F8F2"/>
+                </a:solidFill>
+                <a:latin typeface="Monaco" charset="0"/>
+              </a:rPr>
+              <a:t>    </a:t>
+            </a:r>
+            <a:r>
+              <a:rPr lang="en-US" sz="1800" dirty="0" smtClean="0">
+                <a:solidFill>
+                  <a:srgbClr val="E6DB74"/>
+                </a:solidFill>
+                <a:latin typeface="Monaco" charset="0"/>
+              </a:rPr>
+              <a:t>'Authorization</a:t>
+            </a:r>
+            <a:r>
+              <a:rPr lang="en-US" sz="1800" dirty="0">
+                <a:solidFill>
+                  <a:srgbClr val="E6DB74"/>
+                </a:solidFill>
+                <a:latin typeface="Monaco" charset="0"/>
+              </a:rPr>
+              <a:t>'</a:t>
+            </a:r>
+            <a:r>
+              <a:rPr lang="en-US" sz="1800" dirty="0">
+                <a:solidFill>
+                  <a:srgbClr val="F8F8F2"/>
+                </a:solidFill>
+                <a:latin typeface="Monaco" charset="0"/>
+              </a:rPr>
+              <a:t> </a:t>
+            </a:r>
+            <a:r>
+              <a:rPr lang="en-US" sz="1800" dirty="0">
+                <a:solidFill>
+                  <a:srgbClr val="F92672"/>
+                </a:solidFill>
+                <a:latin typeface="Monaco" charset="0"/>
+              </a:rPr>
+              <a:t>:</a:t>
+            </a:r>
+            <a:r>
+              <a:rPr lang="en-US" sz="1800" dirty="0">
+                <a:solidFill>
+                  <a:srgbClr val="F8F8F2"/>
+                </a:solidFill>
+                <a:latin typeface="Monaco" charset="0"/>
+              </a:rPr>
+              <a:t> </a:t>
+            </a:r>
+            <a:r>
+              <a:rPr lang="en-US" sz="1800" dirty="0">
+                <a:solidFill>
+                  <a:srgbClr val="E6DB74"/>
+                </a:solidFill>
+                <a:latin typeface="Monaco" charset="0"/>
+              </a:rPr>
+              <a:t>'Bearer '</a:t>
+            </a:r>
+            <a:r>
+              <a:rPr lang="en-US" sz="1800" dirty="0">
+                <a:solidFill>
+                  <a:srgbClr val="F8F8F2"/>
+                </a:solidFill>
+                <a:latin typeface="Monaco" charset="0"/>
+              </a:rPr>
+              <a:t> </a:t>
+            </a:r>
+            <a:r>
+              <a:rPr lang="en-US" sz="1800" dirty="0">
+                <a:solidFill>
+                  <a:srgbClr val="F92672"/>
+                </a:solidFill>
+                <a:latin typeface="Monaco" charset="0"/>
+              </a:rPr>
+              <a:t>+</a:t>
+            </a:r>
+            <a:r>
+              <a:rPr lang="en-US" sz="1800" dirty="0">
+                <a:solidFill>
+                  <a:srgbClr val="F8F8F2"/>
+                </a:solidFill>
+                <a:latin typeface="Monaco" charset="0"/>
+              </a:rPr>
+              <a:t> </a:t>
+            </a:r>
+            <a:r>
+              <a:rPr lang="en-US" sz="1800" dirty="0">
+                <a:solidFill>
+                  <a:srgbClr val="A6E22E"/>
+                </a:solidFill>
+                <a:latin typeface="Monaco" charset="0"/>
+              </a:rPr>
+              <a:t>token</a:t>
+            </a:r>
+            <a:endParaRPr lang="en-US" sz="1800" dirty="0">
+              <a:solidFill>
+                <a:srgbClr val="F8F8F2"/>
+              </a:solidFill>
+              <a:latin typeface="Monaco" charset="0"/>
+            </a:endParaRPr>
+          </a:p>
+          <a:p>
+            <a:pPr>
+              <a:lnSpc>
+                <a:spcPct val="100000"/>
+              </a:lnSpc>
+              <a:spcBef>
+                <a:spcPts val="0"/>
+              </a:spcBef>
+            </a:pPr>
+            <a:r>
+              <a:rPr lang="en-US" sz="1800" dirty="0" smtClean="0">
+                <a:solidFill>
+                  <a:srgbClr val="F8F8F2"/>
+                </a:solidFill>
+                <a:latin typeface="Monaco" charset="0"/>
+              </a:rPr>
+              <a:t>  </a:t>
+            </a:r>
+            <a:r>
+              <a:rPr lang="mr-IN" sz="1800" dirty="0" smtClean="0">
+                <a:solidFill>
+                  <a:srgbClr val="F8F8F2"/>
+                </a:solidFill>
+                <a:latin typeface="Monaco" charset="0"/>
+              </a:rPr>
+              <a:t>}),</a:t>
+            </a:r>
+            <a:endParaRPr lang="mr-IN" sz="1800" dirty="0">
+              <a:solidFill>
+                <a:srgbClr val="F8F8F2"/>
+              </a:solidFill>
+              <a:latin typeface="Monaco" charset="0"/>
+            </a:endParaRPr>
+          </a:p>
+          <a:p>
+            <a:pPr>
+              <a:lnSpc>
+                <a:spcPct val="100000"/>
+              </a:lnSpc>
+              <a:spcBef>
+                <a:spcPts val="0"/>
+              </a:spcBef>
+            </a:pPr>
+            <a:r>
+              <a:rPr lang="en-US" sz="1800" dirty="0" smtClean="0">
+                <a:solidFill>
+                  <a:srgbClr val="F8F8F2"/>
+                </a:solidFill>
+                <a:latin typeface="Monaco" charset="0"/>
+              </a:rPr>
+              <a:t>  </a:t>
+            </a:r>
+            <a:r>
+              <a:rPr lang="en-US" sz="1800" dirty="0" smtClean="0">
+                <a:solidFill>
+                  <a:srgbClr val="A6E22E"/>
+                </a:solidFill>
+                <a:latin typeface="Monaco" charset="0"/>
+              </a:rPr>
+              <a:t>credentials</a:t>
+            </a:r>
+            <a:r>
+              <a:rPr lang="en-US" sz="1800" dirty="0">
+                <a:solidFill>
+                  <a:srgbClr val="F92672"/>
+                </a:solidFill>
+                <a:latin typeface="Monaco" charset="0"/>
+              </a:rPr>
+              <a:t>:</a:t>
+            </a:r>
+            <a:r>
+              <a:rPr lang="en-US" sz="1800" dirty="0">
+                <a:solidFill>
+                  <a:srgbClr val="F8F8F2"/>
+                </a:solidFill>
+                <a:latin typeface="Monaco" charset="0"/>
+              </a:rPr>
+              <a:t> </a:t>
+            </a:r>
+            <a:r>
+              <a:rPr lang="en-US" sz="1800" dirty="0">
+                <a:solidFill>
+                  <a:srgbClr val="E6DB74"/>
+                </a:solidFill>
+                <a:latin typeface="Monaco" charset="0"/>
+              </a:rPr>
+              <a:t>'include'</a:t>
+            </a:r>
+            <a:endParaRPr lang="en-US" sz="1800" dirty="0">
+              <a:solidFill>
+                <a:srgbClr val="F8F8F2"/>
+              </a:solidFill>
+              <a:latin typeface="Monaco" charset="0"/>
+            </a:endParaRPr>
+          </a:p>
+          <a:p>
+            <a:pPr>
+              <a:lnSpc>
+                <a:spcPct val="100000"/>
+              </a:lnSpc>
+              <a:spcBef>
+                <a:spcPts val="0"/>
+              </a:spcBef>
+            </a:pPr>
+            <a:r>
+              <a:rPr lang="mr-IN" sz="1800" dirty="0">
+                <a:solidFill>
+                  <a:srgbClr val="F8F8F2"/>
+                </a:solidFill>
+                <a:latin typeface="Monaco" charset="0"/>
+              </a:rPr>
+              <a:t>})</a:t>
+            </a:r>
+          </a:p>
+          <a:p>
+            <a:pPr>
+              <a:lnSpc>
+                <a:spcPct val="100000"/>
+              </a:lnSpc>
+              <a:spcBef>
+                <a:spcPts val="0"/>
+              </a:spcBef>
+            </a:pPr>
+            <a:r>
+              <a:rPr lang="en-US" sz="1800" dirty="0" smtClean="0">
+                <a:solidFill>
+                  <a:srgbClr val="F8F8F2"/>
+                </a:solidFill>
+                <a:latin typeface="Monaco" charset="0"/>
+              </a:rPr>
+              <a:t>  .</a:t>
+            </a:r>
+            <a:r>
+              <a:rPr lang="en-US" sz="1800" dirty="0">
+                <a:solidFill>
+                  <a:srgbClr val="A6E22E"/>
+                </a:solidFill>
+                <a:latin typeface="Monaco" charset="0"/>
+              </a:rPr>
+              <a:t>then</a:t>
+            </a:r>
+            <a:r>
+              <a:rPr lang="en-US" sz="1800" dirty="0">
+                <a:solidFill>
+                  <a:srgbClr val="F8F8F2"/>
+                </a:solidFill>
+                <a:latin typeface="Monaco" charset="0"/>
+              </a:rPr>
+              <a:t>( </a:t>
+            </a:r>
+            <a:r>
+              <a:rPr lang="en-US" sz="1800" dirty="0">
+                <a:solidFill>
+                  <a:srgbClr val="66D9EF"/>
+                </a:solidFill>
+                <a:latin typeface="Monaco" charset="0"/>
+              </a:rPr>
+              <a:t>function</a:t>
+            </a:r>
+            <a:r>
+              <a:rPr lang="en-US" sz="1800" dirty="0" smtClean="0">
+                <a:solidFill>
+                  <a:srgbClr val="F8F8F2"/>
+                </a:solidFill>
+                <a:latin typeface="Monaco" charset="0"/>
+              </a:rPr>
+              <a:t>( </a:t>
+            </a:r>
+            <a:r>
+              <a:rPr lang="en-US" sz="1800" dirty="0" smtClean="0">
+                <a:solidFill>
+                  <a:srgbClr val="A6E22E"/>
+                </a:solidFill>
+                <a:latin typeface="Monaco" charset="0"/>
+              </a:rPr>
+              <a:t>response </a:t>
+            </a:r>
+            <a:r>
+              <a:rPr lang="en-US" sz="1800" dirty="0" smtClean="0">
+                <a:solidFill>
+                  <a:srgbClr val="F8F8F2"/>
+                </a:solidFill>
+                <a:latin typeface="Monaco" charset="0"/>
+              </a:rPr>
+              <a:t>) {</a:t>
+            </a:r>
+          </a:p>
+          <a:p>
+            <a:pPr>
+              <a:lnSpc>
+                <a:spcPct val="100000"/>
+              </a:lnSpc>
+              <a:spcBef>
+                <a:spcPts val="0"/>
+              </a:spcBef>
+            </a:pPr>
+            <a:r>
+              <a:rPr lang="en-US" sz="1800" dirty="0" smtClean="0">
+                <a:solidFill>
+                  <a:srgbClr val="F8F8F2"/>
+                </a:solidFill>
+                <a:latin typeface="Monaco" charset="0"/>
+              </a:rPr>
+              <a:t>    </a:t>
+            </a:r>
+            <a:r>
+              <a:rPr lang="en-US" sz="1800" dirty="0" smtClean="0">
+                <a:solidFill>
+                  <a:srgbClr val="66D9EF"/>
+                </a:solidFill>
+                <a:latin typeface="Monaco" charset="0"/>
+              </a:rPr>
+              <a:t>if</a:t>
+            </a:r>
+            <a:r>
+              <a:rPr lang="en-US" sz="1800" dirty="0">
+                <a:solidFill>
+                  <a:srgbClr val="F8F8F2"/>
+                </a:solidFill>
+                <a:latin typeface="Monaco" charset="0"/>
+              </a:rPr>
+              <a:t>( </a:t>
+            </a:r>
+            <a:r>
+              <a:rPr lang="en-US" sz="1800" dirty="0">
+                <a:solidFill>
+                  <a:srgbClr val="AE81FF"/>
+                </a:solidFill>
+                <a:latin typeface="Monaco" charset="0"/>
+              </a:rPr>
+              <a:t>201</a:t>
+            </a:r>
+            <a:r>
+              <a:rPr lang="en-US" sz="1800" dirty="0">
+                <a:solidFill>
+                  <a:srgbClr val="F8F8F2"/>
+                </a:solidFill>
+                <a:latin typeface="Monaco" charset="0"/>
+              </a:rPr>
+              <a:t> </a:t>
+            </a:r>
+            <a:r>
+              <a:rPr lang="en-US" sz="1800" dirty="0">
+                <a:solidFill>
+                  <a:srgbClr val="F92672"/>
+                </a:solidFill>
+                <a:latin typeface="Monaco" charset="0"/>
+              </a:rPr>
+              <a:t>===</a:t>
+            </a:r>
+            <a:r>
+              <a:rPr lang="en-US" sz="1800" dirty="0">
+                <a:solidFill>
+                  <a:srgbClr val="F8F8F2"/>
+                </a:solidFill>
+                <a:latin typeface="Monaco" charset="0"/>
+              </a:rPr>
+              <a:t> </a:t>
+            </a:r>
+            <a:r>
+              <a:rPr lang="en-US" sz="1800" dirty="0" err="1">
+                <a:solidFill>
+                  <a:srgbClr val="A6E22E"/>
+                </a:solidFill>
+                <a:latin typeface="Monaco" charset="0"/>
+              </a:rPr>
+              <a:t>response</a:t>
+            </a:r>
+            <a:r>
+              <a:rPr lang="en-US" sz="1800" dirty="0" err="1">
+                <a:solidFill>
+                  <a:srgbClr val="F8F8F2"/>
+                </a:solidFill>
+                <a:latin typeface="Monaco" charset="0"/>
+              </a:rPr>
+              <a:t>.</a:t>
+            </a:r>
+            <a:r>
+              <a:rPr lang="en-US" sz="1800" dirty="0" err="1">
+                <a:solidFill>
+                  <a:srgbClr val="A6E22E"/>
+                </a:solidFill>
+                <a:latin typeface="Monaco" charset="0"/>
+              </a:rPr>
+              <a:t>status</a:t>
+            </a:r>
+            <a:r>
+              <a:rPr lang="en-US" sz="1800" dirty="0">
+                <a:solidFill>
+                  <a:srgbClr val="F8F8F2"/>
+                </a:solidFill>
+                <a:latin typeface="Monaco" charset="0"/>
+              </a:rPr>
+              <a:t> ) {</a:t>
+            </a:r>
+          </a:p>
+          <a:p>
+            <a:pPr>
+              <a:lnSpc>
+                <a:spcPct val="100000"/>
+              </a:lnSpc>
+              <a:spcBef>
+                <a:spcPts val="0"/>
+              </a:spcBef>
+            </a:pPr>
+            <a:r>
+              <a:rPr lang="en-US" sz="1800" dirty="0" smtClean="0">
+                <a:solidFill>
+                  <a:srgbClr val="F8F8F2"/>
+                </a:solidFill>
+                <a:latin typeface="Monaco" charset="0"/>
+              </a:rPr>
+              <a:t>      </a:t>
+            </a:r>
+            <a:r>
+              <a:rPr lang="en-US" sz="1800" dirty="0" err="1" smtClean="0">
+                <a:solidFill>
+                  <a:srgbClr val="A6E22E"/>
+                </a:solidFill>
+                <a:latin typeface="Monaco" charset="0"/>
+              </a:rPr>
+              <a:t>console</a:t>
+            </a:r>
+            <a:r>
+              <a:rPr lang="en-US" sz="1800" dirty="0" err="1" smtClean="0">
+                <a:solidFill>
+                  <a:srgbClr val="F8F8F2"/>
+                </a:solidFill>
+                <a:latin typeface="Monaco" charset="0"/>
+              </a:rPr>
+              <a:t>.</a:t>
+            </a:r>
+            <a:r>
+              <a:rPr lang="en-US" sz="1800" dirty="0" err="1" smtClean="0">
+                <a:solidFill>
+                  <a:srgbClr val="A6E22E"/>
+                </a:solidFill>
+                <a:latin typeface="Monaco" charset="0"/>
+              </a:rPr>
+              <a:t>log</a:t>
+            </a:r>
+            <a:r>
+              <a:rPr lang="en-US" sz="1800" dirty="0" smtClean="0">
+                <a:solidFill>
+                  <a:srgbClr val="F8F8F2"/>
+                </a:solidFill>
+                <a:latin typeface="Monaco" charset="0"/>
+              </a:rPr>
+              <a:t>( </a:t>
+            </a:r>
+            <a:r>
+              <a:rPr lang="en-US" sz="1800" dirty="0" smtClean="0">
+                <a:solidFill>
+                  <a:srgbClr val="A6E22E"/>
+                </a:solidFill>
+                <a:latin typeface="Monaco" charset="0"/>
+              </a:rPr>
+              <a:t>'Post Update</a:t>
+            </a:r>
+            <a:r>
+              <a:rPr lang="en-US" sz="1800" dirty="0">
+                <a:solidFill>
+                  <a:srgbClr val="A6E22E"/>
+                </a:solidFill>
+                <a:latin typeface="Monaco" charset="0"/>
+              </a:rPr>
+              <a:t>'</a:t>
+            </a:r>
+            <a:r>
+              <a:rPr lang="en-US" sz="1800" dirty="0" smtClean="0">
+                <a:solidFill>
+                  <a:srgbClr val="F8F8F2"/>
+                </a:solidFill>
+                <a:latin typeface="Monaco" charset="0"/>
+              </a:rPr>
+              <a:t> );</a:t>
+            </a:r>
+          </a:p>
+          <a:p>
+            <a:pPr>
+              <a:lnSpc>
+                <a:spcPct val="100000"/>
+              </a:lnSpc>
+              <a:spcBef>
+                <a:spcPts val="0"/>
+              </a:spcBef>
+            </a:pPr>
+            <a:r>
+              <a:rPr lang="en-US" sz="1800" dirty="0" smtClean="0">
+                <a:solidFill>
+                  <a:srgbClr val="F8F8F2"/>
+                </a:solidFill>
+                <a:latin typeface="Monaco" charset="0"/>
+              </a:rPr>
+              <a:t>    }</a:t>
+            </a:r>
+          </a:p>
+          <a:p>
+            <a:pPr>
+              <a:lnSpc>
+                <a:spcPct val="100000"/>
+              </a:lnSpc>
+              <a:spcBef>
+                <a:spcPts val="0"/>
+              </a:spcBef>
+            </a:pPr>
+            <a:r>
+              <a:rPr lang="en-US" sz="1800" dirty="0" smtClean="0">
+                <a:solidFill>
+                  <a:srgbClr val="F8F8F2"/>
+                </a:solidFill>
+                <a:latin typeface="Monaco" charset="0"/>
+              </a:rPr>
+              <a:t>  </a:t>
+            </a:r>
+            <a:r>
+              <a:rPr lang="mr-IN" sz="1800" dirty="0" smtClean="0">
+                <a:solidFill>
+                  <a:srgbClr val="F8F8F2"/>
+                </a:solidFill>
+                <a:latin typeface="Monaco" charset="0"/>
+              </a:rPr>
+              <a:t>})</a:t>
+            </a:r>
+            <a:r>
+              <a:rPr lang="en-US" sz="1800" dirty="0">
+                <a:solidFill>
+                  <a:srgbClr val="F8F8F2"/>
+                </a:solidFill>
+                <a:latin typeface="Monaco" charset="0"/>
+              </a:rPr>
+              <a:t>;</a:t>
+            </a:r>
+            <a:endParaRPr lang="mr-IN" sz="1800" dirty="0">
+              <a:solidFill>
+                <a:srgbClr val="F8F8F2"/>
+              </a:solidFill>
+              <a:latin typeface="Monaco" charset="0"/>
+            </a:endParaRPr>
+          </a:p>
+        </p:txBody>
+      </p:sp>
     </p:spTree>
     <p:extLst>
       <p:ext uri="{BB962C8B-B14F-4D97-AF65-F5344CB8AC3E}">
-        <p14:creationId xmlns:p14="http://schemas.microsoft.com/office/powerpoint/2010/main" val="869835742"/>
+        <p14:creationId xmlns:p14="http://schemas.microsoft.com/office/powerpoint/2010/main" val="1455455207"/>
       </p:ext>
     </p:extLst>
   </p:cSld>
@@ -41262,9 +41502,88 @@
   <p:timing>
     <p:tnLst>
       <p:par>
-        <p:cTn id="1" dur="indefinite" restart="never" nodeType="tmRoot"/>
+        <p:cTn id="1" dur="indefinite" restart="never" nodeType="tmRoot">
+          <p:childTnLst>
+            <p:seq concurrent="1" nextAc="seek">
+              <p:cTn id="2" dur="indefinite" nodeType="mainSeq">
+                <p:childTnLst>
+                  <p:par>
+                    <p:cTn id="3" fill="hold">
+                      <p:stCondLst>
+                        <p:cond delay="indefinite"/>
+                      </p:stCondLst>
+                      <p:childTnLst>
+                        <p:par>
+                          <p:cTn id="4" fill="hold">
+                            <p:stCondLst>
+                              <p:cond delay="0"/>
+                            </p:stCondLst>
+                            <p:childTnLst>
+                              <p:par>
+                                <p:cTn id="5" presetID="10" presetClass="entr" presetSubtype="0" fill="hold" grpId="0" nodeType="clickEffect">
+                                  <p:stCondLst>
+                                    <p:cond delay="0"/>
+                                  </p:stCondLst>
+                                  <p:childTnLst>
+                                    <p:set>
+                                      <p:cBhvr>
+                                        <p:cTn id="6" dur="1" fill="hold">
+                                          <p:stCondLst>
+                                            <p:cond delay="0"/>
+                                          </p:stCondLst>
+                                        </p:cTn>
+                                        <p:tgtEl>
+                                          <p:spTgt spid="2"/>
+                                        </p:tgtEl>
+                                        <p:attrNameLst>
+                                          <p:attrName>style.visibility</p:attrName>
+                                        </p:attrNameLst>
+                                      </p:cBhvr>
+                                      <p:to>
+                                        <p:strVal val="visible"/>
+                                      </p:to>
+                                    </p:set>
+                                    <p:animEffect transition="in" filter="fade">
+                                      <p:cBhvr>
+                                        <p:cTn id="7" dur="500"/>
+                                        <p:tgtEl>
+                                          <p:spTgt spid="2"/>
+                                        </p:tgtEl>
+                                      </p:cBhvr>
+                                    </p:animEffect>
+                                  </p:childTnLst>
+                                </p:cTn>
+                              </p:par>
+                            </p:childTnLst>
+                          </p:cTn>
+                        </p:par>
+                      </p:childTnLst>
+                    </p:cTn>
+                  </p:par>
+                </p:childTnLst>
+              </p:cTn>
+              <p:prevCondLst>
+                <p:cond evt="onPrev" delay="0">
+                  <p:tgtEl>
+                    <p:sldTgt/>
+                  </p:tgtEl>
+                </p:cond>
+              </p:prevCondLst>
+              <p:nextCondLst>
+                <p:cond evt="onNext" delay="0">
+                  <p:tgtEl>
+                    <p:sldTgt/>
+                  </p:tgtEl>
+                </p:cond>
+              </p:nextCondLst>
+            </p:seq>
+          </p:childTnLst>
+        </p:cTn>
       </p:par>
     </p:tnLst>
+    <p:bldLst>
+      <p:bldP spid="2" grpId="0"/>
+    </p:bldLst>
   </p:timing>
 </p:sld>
 </file>
@@ -41288,6 +41607,29 @@
       </p:grpSpPr>
       <p:sp>
         <p:nvSpPr>
+          <p:cNvPr id="2" name="Title 1"/>
+          <p:cNvSpPr>
+            <a:spLocks noGrp="1"/>
+          </p:cNvSpPr>
+          <p:nvPr>
+            <p:ph type="ctrTitle"/>
+          </p:nvPr>
+        </p:nvSpPr>
+        <p:spPr/>
+        <p:txBody>
+          <a:bodyPr/>
+          <a:lstStyle/>
+          <a:p>
+            <a:r>
+              <a:rPr lang="en-US" dirty="0" smtClean="0"/>
+              <a:t>DEMO</a:t>
+            </a:r>
+            <a:endParaRPr lang="en-US" dirty="0"/>
+          </a:p>
+        </p:txBody>
+      </p:sp>
+      <p:sp>
+        <p:nvSpPr>
           <p:cNvPr id="3" name="Content Placeholder 2"/>
           <p:cNvSpPr>
             <a:spLocks noGrp="1"/>
@@ -41308,695 +41650,10 @@
           </a:p>
         </p:txBody>
       </p:sp>
-      <p:sp>
-        <p:nvSpPr>
-          <p:cNvPr id="4" name="Content Placeholder 2"/>
-          <p:cNvSpPr txBox="1">
-            <a:spLocks/>
-          </p:cNvSpPr>
-          <p:nvPr/>
-        </p:nvSpPr>
-        <p:spPr>
-          <a:xfrm>
-            <a:off x="493058" y="968990"/>
-            <a:ext cx="4433784" cy="3397319"/>
-          </a:xfrm>
-          <a:prstGeom prst="rect">
-            <a:avLst/>
-          </a:prstGeom>
-        </p:spPr>
-        <p:txBody>
-          <a:bodyPr/>
-          <a:lstStyle>
-            <a:lvl1pPr marL="251460" indent="-251460" algn="l" defTabSz="914400" rtl="0" eaLnBrk="1" latinLnBrk="0" hangingPunct="1">
-              <a:lnSpc>
-                <a:spcPct val="110000"/>
-              </a:lnSpc>
-              <a:spcBef>
-                <a:spcPts val="800"/>
-              </a:spcBef>
-              <a:buFont typeface="Arial" panose="020B0604020202020204" pitchFamily="34" charset="0"/>
-              <a:buChar char="•"/>
-              <a:defRPr sz="2400" kern="1200">
-                <a:solidFill>
-                  <a:schemeClr val="tx1"/>
-                </a:solidFill>
-                <a:latin typeface="+mn-lt"/>
-                <a:ea typeface="+mn-ea"/>
-                <a:cs typeface="+mn-cs"/>
-              </a:defRPr>
-            </a:lvl1pPr>
-            <a:lvl2pPr marL="742950" indent="-285750" algn="l" defTabSz="914400" rtl="0" eaLnBrk="1" latinLnBrk="0" hangingPunct="1">
-              <a:lnSpc>
-                <a:spcPct val="110000"/>
-              </a:lnSpc>
-              <a:spcBef>
-                <a:spcPts val="800"/>
-              </a:spcBef>
-              <a:buFont typeface="Arial" panose="020B0604020202020204" pitchFamily="34" charset="0"/>
-              <a:buChar char="–"/>
-              <a:defRPr sz="2000" kern="1200">
-                <a:solidFill>
-                  <a:schemeClr val="tx1"/>
-                </a:solidFill>
-                <a:latin typeface="+mn-lt"/>
-                <a:ea typeface="+mn-ea"/>
-                <a:cs typeface="+mn-cs"/>
-              </a:defRPr>
-            </a:lvl2pPr>
-            <a:lvl3pPr marL="1143000" indent="-228600" algn="l" defTabSz="914400" rtl="0" eaLnBrk="1" latinLnBrk="0" hangingPunct="1">
-              <a:lnSpc>
-                <a:spcPct val="110000"/>
-              </a:lnSpc>
-              <a:spcBef>
-                <a:spcPts val="800"/>
-              </a:spcBef>
-              <a:buFont typeface="Arial" panose="020B0604020202020204" pitchFamily="34" charset="0"/>
-              <a:buChar char="•"/>
-              <a:defRPr sz="1800" kern="1200">
-                <a:solidFill>
-                  <a:schemeClr val="tx1"/>
-                </a:solidFill>
-                <a:latin typeface="+mn-lt"/>
-                <a:ea typeface="+mn-ea"/>
-                <a:cs typeface="+mn-cs"/>
-              </a:defRPr>
-            </a:lvl3pPr>
-            <a:lvl4pPr marL="1600200" indent="-228600" algn="l" defTabSz="914400" rtl="0" eaLnBrk="1" latinLnBrk="0" hangingPunct="1">
-              <a:lnSpc>
-                <a:spcPct val="110000"/>
-              </a:lnSpc>
-              <a:spcBef>
-                <a:spcPts val="800"/>
-              </a:spcBef>
-              <a:buFont typeface="Arial" panose="020B0604020202020204" pitchFamily="34" charset="0"/>
-              <a:buChar char="–"/>
-              <a:defRPr sz="1600" kern="1200">
-                <a:solidFill>
-                  <a:schemeClr val="tx1"/>
-                </a:solidFill>
-                <a:latin typeface="+mn-lt"/>
-                <a:ea typeface="+mn-ea"/>
-                <a:cs typeface="+mn-cs"/>
-              </a:defRPr>
-            </a:lvl4pPr>
-            <a:lvl5pPr marL="2057400" indent="-228600" algn="l" defTabSz="914400" rtl="0" eaLnBrk="1" latinLnBrk="0" hangingPunct="1">
-              <a:lnSpc>
-                <a:spcPct val="110000"/>
-              </a:lnSpc>
-              <a:spcBef>
-                <a:spcPts val="800"/>
-              </a:spcBef>
-              <a:buFont typeface="Arial" panose="020B0604020202020204" pitchFamily="34" charset="0"/>
-              <a:buChar char="»"/>
-              <a:defRPr sz="1600" kern="1200">
-                <a:solidFill>
-                  <a:schemeClr val="tx1"/>
-                </a:solidFill>
-                <a:latin typeface="+mn-lt"/>
-                <a:ea typeface="+mn-ea"/>
-                <a:cs typeface="+mn-cs"/>
-              </a:defRPr>
-            </a:lvl5pPr>
-            <a:lvl6pPr marL="2514600" indent="-228600" algn="l" defTabSz="914400" rtl="0" eaLnBrk="1" latinLnBrk="0" hangingPunct="1">
-              <a:spcBef>
-                <a:spcPct val="20000"/>
-              </a:spcBef>
-              <a:buFont typeface="Arial" panose="020B0604020202020204" pitchFamily="34" charset="0"/>
-              <a:buChar char="•"/>
-              <a:defRPr sz="2000" kern="1200">
-                <a:solidFill>
-                  <a:schemeClr val="tx1"/>
-                </a:solidFill>
-                <a:latin typeface="+mn-lt"/>
-                <a:ea typeface="+mn-ea"/>
-                <a:cs typeface="+mn-cs"/>
-              </a:defRPr>
-            </a:lvl6pPr>
-            <a:lvl7pPr marL="2971800" indent="-228600" algn="l" defTabSz="914400" rtl="0" eaLnBrk="1" latinLnBrk="0" hangingPunct="1">
-              <a:spcBef>
-                <a:spcPct val="20000"/>
-              </a:spcBef>
-              <a:buFont typeface="Arial" panose="020B0604020202020204" pitchFamily="34" charset="0"/>
-              <a:buChar char="•"/>
-              <a:defRPr sz="2000" kern="1200">
-                <a:solidFill>
-                  <a:schemeClr val="tx1"/>
-                </a:solidFill>
-                <a:latin typeface="+mn-lt"/>
-                <a:ea typeface="+mn-ea"/>
-                <a:cs typeface="+mn-cs"/>
-              </a:defRPr>
-            </a:lvl7pPr>
-            <a:lvl8pPr marL="3429000" indent="-228600" algn="l" defTabSz="914400" rtl="0" eaLnBrk="1" latinLnBrk="0" hangingPunct="1">
-              <a:spcBef>
-                <a:spcPct val="20000"/>
-              </a:spcBef>
-              <a:buFont typeface="Arial" panose="020B0604020202020204" pitchFamily="34" charset="0"/>
-              <a:buChar char="•"/>
-              <a:defRPr sz="2000" kern="1200">
-                <a:solidFill>
-                  <a:schemeClr val="tx1"/>
-                </a:solidFill>
-                <a:latin typeface="+mn-lt"/>
-                <a:ea typeface="+mn-ea"/>
-                <a:cs typeface="+mn-cs"/>
-              </a:defRPr>
-            </a:lvl8pPr>
-            <a:lvl9pPr marL="3886200" indent="-228600" algn="l" defTabSz="914400" rtl="0" eaLnBrk="1" latinLnBrk="0" hangingPunct="1">
-              <a:spcBef>
-                <a:spcPct val="20000"/>
-              </a:spcBef>
-              <a:buFont typeface="Arial" panose="020B0604020202020204" pitchFamily="34" charset="0"/>
-              <a:buChar char="•"/>
-              <a:defRPr sz="2000" kern="1200">
-                <a:solidFill>
-                  <a:schemeClr val="tx1"/>
-                </a:solidFill>
-                <a:latin typeface="+mn-lt"/>
-                <a:ea typeface="+mn-ea"/>
-                <a:cs typeface="+mn-cs"/>
-              </a:defRPr>
-            </a:lvl9pPr>
-          </a:lstStyle>
-          <a:p>
-            <a:pPr marL="0" indent="0">
-              <a:buFont typeface="Arial" panose="020B0604020202020204" pitchFamily="34" charset="0"/>
-              <a:buNone/>
-            </a:pPr>
-            <a:r>
-              <a:rPr lang="en-US" sz="1600" b="1" dirty="0" smtClean="0">
-                <a:latin typeface="Open Sans Extrabold" charset="0"/>
-                <a:ea typeface="Open Sans Extrabold" charset="0"/>
-                <a:cs typeface="Open Sans Extrabold" charset="0"/>
-              </a:rPr>
-              <a:t>JSON Example</a:t>
-            </a:r>
-          </a:p>
-          <a:p>
-            <a:pPr marL="0" indent="0">
-              <a:buNone/>
-            </a:pPr>
-            <a:r>
-              <a:rPr lang="en-US" sz="1600" dirty="0" smtClean="0"/>
-              <a:t>[{ “title” : “Hello” },</a:t>
-            </a:r>
-            <a:r>
-              <a:rPr lang="en-US" sz="1600" dirty="0"/>
-              <a:t> { “title” : </a:t>
-            </a:r>
-            <a:r>
-              <a:rPr lang="en-US" sz="1600" dirty="0" smtClean="0"/>
-              <a:t>“JSON” }]</a:t>
-            </a:r>
-            <a:endParaRPr lang="en-US" sz="1600" dirty="0"/>
-          </a:p>
-          <a:p>
-            <a:pPr marL="0" indent="0">
-              <a:buNone/>
-            </a:pPr>
-            <a:endParaRPr lang="en-US" sz="1600" dirty="0">
-              <a:latin typeface="Open Sans Extrabold" charset="0"/>
-              <a:ea typeface="Open Sans Extrabold" charset="0"/>
-              <a:cs typeface="Open Sans Extrabold" charset="0"/>
-            </a:endParaRPr>
-          </a:p>
-          <a:p>
-            <a:pPr marL="0" indent="0">
-              <a:buNone/>
-            </a:pPr>
-            <a:r>
-              <a:rPr lang="en-US" sz="1600" b="1" dirty="0" smtClean="0">
-                <a:latin typeface="Open Sans Extrabold" charset="0"/>
-                <a:ea typeface="Open Sans Extrabold" charset="0"/>
-                <a:cs typeface="Open Sans Extrabold" charset="0"/>
-              </a:rPr>
-              <a:t>JS JSON Conversion</a:t>
-            </a:r>
-            <a:endParaRPr lang="en-US" sz="1600" dirty="0" smtClean="0"/>
-          </a:p>
-          <a:p>
-            <a:pPr marL="0" indent="0">
-              <a:buFont typeface="Arial" panose="020B0604020202020204" pitchFamily="34" charset="0"/>
-              <a:buNone/>
-            </a:pPr>
-            <a:r>
-              <a:rPr lang="en-US" sz="1600" dirty="0" smtClean="0"/>
-              <a:t>let posts = </a:t>
-            </a:r>
-            <a:r>
-              <a:rPr lang="en-US" sz="1600" dirty="0" err="1" smtClean="0"/>
-              <a:t>JSON.parse</a:t>
-            </a:r>
-            <a:r>
-              <a:rPr lang="en-US" sz="1600" dirty="0" smtClean="0"/>
-              <a:t>( </a:t>
-            </a:r>
-            <a:r>
-              <a:rPr lang="en-US" sz="1600" dirty="0" err="1" smtClean="0"/>
-              <a:t>postsJSON</a:t>
-            </a:r>
-            <a:r>
-              <a:rPr lang="en-US" sz="1600" dirty="0" smtClean="0"/>
-              <a:t> );</a:t>
-            </a:r>
-          </a:p>
-          <a:p>
-            <a:pPr marL="0" indent="0">
-              <a:buNone/>
-            </a:pPr>
-            <a:r>
-              <a:rPr lang="en-US" sz="1600" dirty="0" smtClean="0"/>
-              <a:t>let </a:t>
-            </a:r>
-            <a:r>
-              <a:rPr lang="en-US" sz="1600" dirty="0" err="1" smtClean="0"/>
-              <a:t>postJSON</a:t>
-            </a:r>
-            <a:r>
-              <a:rPr lang="en-US" sz="1600" dirty="0" smtClean="0"/>
-              <a:t> </a:t>
-            </a:r>
-            <a:r>
-              <a:rPr lang="en-US" sz="1600" dirty="0"/>
-              <a:t>= </a:t>
-            </a:r>
-            <a:r>
-              <a:rPr lang="en-US" sz="1600" dirty="0" err="1" smtClean="0"/>
-              <a:t>JSON.stringify</a:t>
-            </a:r>
-            <a:r>
-              <a:rPr lang="en-US" sz="1600" dirty="0" smtClean="0"/>
-              <a:t>( posts );</a:t>
-            </a:r>
-            <a:endParaRPr lang="en-US" sz="1600" dirty="0"/>
-          </a:p>
-        </p:txBody>
-      </p:sp>
-      <p:sp>
-        <p:nvSpPr>
-          <p:cNvPr id="5" name="Content Placeholder 2"/>
-          <p:cNvSpPr txBox="1">
-            <a:spLocks/>
-          </p:cNvSpPr>
-          <p:nvPr/>
-        </p:nvSpPr>
-        <p:spPr>
-          <a:xfrm>
-            <a:off x="5281684" y="968989"/>
-            <a:ext cx="3557516" cy="3835023"/>
-          </a:xfrm>
-          <a:prstGeom prst="rect">
-            <a:avLst/>
-          </a:prstGeom>
-        </p:spPr>
-        <p:txBody>
-          <a:bodyPr vert="horz" lIns="0" tIns="0" rIns="0" bIns="0" rtlCol="0">
-            <a:noAutofit/>
-          </a:bodyPr>
-          <a:lstStyle>
-            <a:lvl1pPr marL="251460" indent="-251460" algn="l" defTabSz="914400" rtl="0" eaLnBrk="1" latinLnBrk="0" hangingPunct="1">
-              <a:lnSpc>
-                <a:spcPct val="110000"/>
-              </a:lnSpc>
-              <a:spcBef>
-                <a:spcPts val="800"/>
-              </a:spcBef>
-              <a:buFont typeface="Arial" panose="020B0604020202020204" pitchFamily="34" charset="0"/>
-              <a:buChar char="•"/>
-              <a:defRPr sz="2400" kern="1200">
-                <a:solidFill>
-                  <a:schemeClr val="tx1"/>
-                </a:solidFill>
-                <a:latin typeface="+mn-lt"/>
-                <a:ea typeface="+mn-ea"/>
-                <a:cs typeface="+mn-cs"/>
-              </a:defRPr>
-            </a:lvl1pPr>
-            <a:lvl2pPr marL="742950" indent="-285750" algn="l" defTabSz="914400" rtl="0" eaLnBrk="1" latinLnBrk="0" hangingPunct="1">
-              <a:lnSpc>
-                <a:spcPct val="110000"/>
-              </a:lnSpc>
-              <a:spcBef>
-                <a:spcPts val="800"/>
-              </a:spcBef>
-              <a:buFont typeface="Arial" panose="020B0604020202020204" pitchFamily="34" charset="0"/>
-              <a:buChar char="–"/>
-              <a:defRPr sz="2000" kern="1200">
-                <a:solidFill>
-                  <a:schemeClr val="tx1"/>
-                </a:solidFill>
-                <a:latin typeface="+mn-lt"/>
-                <a:ea typeface="+mn-ea"/>
-                <a:cs typeface="+mn-cs"/>
-              </a:defRPr>
-            </a:lvl2pPr>
-            <a:lvl3pPr marL="1143000" indent="-228600" algn="l" defTabSz="914400" rtl="0" eaLnBrk="1" latinLnBrk="0" hangingPunct="1">
-              <a:lnSpc>
-                <a:spcPct val="110000"/>
-              </a:lnSpc>
-              <a:spcBef>
-                <a:spcPts val="800"/>
-              </a:spcBef>
-              <a:buFont typeface="Arial" panose="020B0604020202020204" pitchFamily="34" charset="0"/>
-              <a:buChar char="•"/>
-              <a:defRPr sz="1800" kern="1200">
-                <a:solidFill>
-                  <a:schemeClr val="tx1"/>
-                </a:solidFill>
-                <a:latin typeface="+mn-lt"/>
-                <a:ea typeface="+mn-ea"/>
-                <a:cs typeface="+mn-cs"/>
-              </a:defRPr>
-            </a:lvl3pPr>
-            <a:lvl4pPr marL="1600200" indent="-228600" algn="l" defTabSz="914400" rtl="0" eaLnBrk="1" latinLnBrk="0" hangingPunct="1">
-              <a:lnSpc>
-                <a:spcPct val="110000"/>
-              </a:lnSpc>
-              <a:spcBef>
-                <a:spcPts val="800"/>
-              </a:spcBef>
-              <a:buFont typeface="Arial" panose="020B0604020202020204" pitchFamily="34" charset="0"/>
-              <a:buChar char="–"/>
-              <a:defRPr sz="1600" kern="1200">
-                <a:solidFill>
-                  <a:schemeClr val="tx1"/>
-                </a:solidFill>
-                <a:latin typeface="+mn-lt"/>
-                <a:ea typeface="+mn-ea"/>
-                <a:cs typeface="+mn-cs"/>
-              </a:defRPr>
-            </a:lvl4pPr>
-            <a:lvl5pPr marL="2057400" indent="-228600" algn="l" defTabSz="914400" rtl="0" eaLnBrk="1" latinLnBrk="0" hangingPunct="1">
-              <a:lnSpc>
-                <a:spcPct val="110000"/>
-              </a:lnSpc>
-              <a:spcBef>
-                <a:spcPts val="800"/>
-              </a:spcBef>
-              <a:buFont typeface="Arial" panose="020B0604020202020204" pitchFamily="34" charset="0"/>
-              <a:buChar char="»"/>
-              <a:defRPr sz="1600" kern="1200">
-                <a:solidFill>
-                  <a:schemeClr val="tx1"/>
-                </a:solidFill>
-                <a:latin typeface="+mn-lt"/>
-                <a:ea typeface="+mn-ea"/>
-                <a:cs typeface="+mn-cs"/>
-              </a:defRPr>
-            </a:lvl5pPr>
-            <a:lvl6pPr marL="2514600" indent="-228600" algn="l" defTabSz="914400" rtl="0" eaLnBrk="1" latinLnBrk="0" hangingPunct="1">
-              <a:spcBef>
-                <a:spcPct val="20000"/>
-              </a:spcBef>
-              <a:buFont typeface="Arial" panose="020B0604020202020204" pitchFamily="34" charset="0"/>
-              <a:buChar char="•"/>
-              <a:defRPr sz="2000" kern="1200">
-                <a:solidFill>
-                  <a:schemeClr val="tx1"/>
-                </a:solidFill>
-                <a:latin typeface="+mn-lt"/>
-                <a:ea typeface="+mn-ea"/>
-                <a:cs typeface="+mn-cs"/>
-              </a:defRPr>
-            </a:lvl6pPr>
-            <a:lvl7pPr marL="2971800" indent="-228600" algn="l" defTabSz="914400" rtl="0" eaLnBrk="1" latinLnBrk="0" hangingPunct="1">
-              <a:spcBef>
-                <a:spcPct val="20000"/>
-              </a:spcBef>
-              <a:buFont typeface="Arial" panose="020B0604020202020204" pitchFamily="34" charset="0"/>
-              <a:buChar char="•"/>
-              <a:defRPr sz="2000" kern="1200">
-                <a:solidFill>
-                  <a:schemeClr val="tx1"/>
-                </a:solidFill>
-                <a:latin typeface="+mn-lt"/>
-                <a:ea typeface="+mn-ea"/>
-                <a:cs typeface="+mn-cs"/>
-              </a:defRPr>
-            </a:lvl7pPr>
-            <a:lvl8pPr marL="3429000" indent="-228600" algn="l" defTabSz="914400" rtl="0" eaLnBrk="1" latinLnBrk="0" hangingPunct="1">
-              <a:spcBef>
-                <a:spcPct val="20000"/>
-              </a:spcBef>
-              <a:buFont typeface="Arial" panose="020B0604020202020204" pitchFamily="34" charset="0"/>
-              <a:buChar char="•"/>
-              <a:defRPr sz="2000" kern="1200">
-                <a:solidFill>
-                  <a:schemeClr val="tx1"/>
-                </a:solidFill>
-                <a:latin typeface="+mn-lt"/>
-                <a:ea typeface="+mn-ea"/>
-                <a:cs typeface="+mn-cs"/>
-              </a:defRPr>
-            </a:lvl8pPr>
-            <a:lvl9pPr marL="3886200" indent="-228600" algn="l" defTabSz="914400" rtl="0" eaLnBrk="1" latinLnBrk="0" hangingPunct="1">
-              <a:spcBef>
-                <a:spcPct val="20000"/>
-              </a:spcBef>
-              <a:buFont typeface="Arial" panose="020B0604020202020204" pitchFamily="34" charset="0"/>
-              <a:buChar char="•"/>
-              <a:defRPr sz="2000" kern="1200">
-                <a:solidFill>
-                  <a:schemeClr val="tx1"/>
-                </a:solidFill>
-                <a:latin typeface="+mn-lt"/>
-                <a:ea typeface="+mn-ea"/>
-                <a:cs typeface="+mn-cs"/>
-              </a:defRPr>
-            </a:lvl9pPr>
-          </a:lstStyle>
-          <a:p>
-            <a:pPr marL="0" indent="0">
-              <a:buNone/>
-            </a:pPr>
-            <a:r>
-              <a:rPr lang="en-US" sz="1600" b="1" dirty="0" smtClean="0">
-                <a:latin typeface="Open Sans Extrabold" charset="0"/>
-                <a:ea typeface="Open Sans Extrabold" charset="0"/>
-                <a:cs typeface="Open Sans Extrabold" charset="0"/>
-              </a:rPr>
-              <a:t>Fetch with Promises</a:t>
-            </a:r>
-            <a:endParaRPr lang="en-US" sz="1600" b="1" dirty="0">
-              <a:latin typeface="Open Sans Extrabold" charset="0"/>
-              <a:ea typeface="Open Sans Extrabold" charset="0"/>
-              <a:cs typeface="Open Sans Extrabold" charset="0"/>
-            </a:endParaRPr>
-          </a:p>
-          <a:p>
-            <a:pPr marL="0" indent="0">
-              <a:buNone/>
-            </a:pPr>
-            <a:r>
-              <a:rPr lang="en-US" sz="1600" dirty="0" smtClean="0"/>
-              <a:t>fetch( ‘https://</a:t>
-            </a:r>
-            <a:r>
-              <a:rPr lang="en-US" sz="1600" dirty="0" err="1" smtClean="0"/>
-              <a:t>site.com</a:t>
-            </a:r>
-            <a:r>
-              <a:rPr lang="en-US" sz="1600" dirty="0" smtClean="0"/>
-              <a:t>/</a:t>
-            </a:r>
-            <a:r>
-              <a:rPr lang="en-US" sz="1600" dirty="0" err="1" smtClean="0"/>
-              <a:t>posts.json</a:t>
-            </a:r>
-            <a:r>
-              <a:rPr lang="en-US" sz="1600" dirty="0" smtClean="0"/>
-              <a:t>’ )</a:t>
-            </a:r>
-          </a:p>
-          <a:p>
-            <a:pPr marL="0" indent="0">
-              <a:buNone/>
-            </a:pPr>
-            <a:r>
-              <a:rPr lang="en-US" sz="1600" dirty="0"/>
-              <a:t> </a:t>
-            </a:r>
-            <a:r>
-              <a:rPr lang="en-US" sz="1600" dirty="0" smtClean="0"/>
-              <a:t> .</a:t>
-            </a:r>
-            <a:r>
-              <a:rPr lang="en-US" sz="1600" dirty="0"/>
-              <a:t>then( response =&gt; </a:t>
-            </a:r>
-            <a:r>
-              <a:rPr lang="en-US" sz="1600" dirty="0" smtClean="0"/>
-              <a:t>{</a:t>
-            </a:r>
-            <a:endParaRPr lang="en-US" sz="1600" dirty="0"/>
-          </a:p>
-          <a:p>
-            <a:pPr marL="0" indent="0">
-              <a:buNone/>
-            </a:pPr>
-            <a:r>
-              <a:rPr lang="en-US" sz="1600" dirty="0" smtClean="0"/>
-              <a:t>    </a:t>
-            </a:r>
-            <a:r>
-              <a:rPr lang="en-US" sz="1600" dirty="0" err="1" smtClean="0"/>
-              <a:t>response.json</a:t>
-            </a:r>
-            <a:r>
-              <a:rPr lang="en-US" sz="1600" dirty="0"/>
-              <a:t>().</a:t>
-            </a:r>
-            <a:r>
-              <a:rPr lang="en-US" sz="1600" dirty="0" smtClean="0"/>
-              <a:t>then( posts=&gt; {</a:t>
-            </a:r>
-          </a:p>
-          <a:p>
-            <a:pPr marL="0" indent="0">
-              <a:buNone/>
-            </a:pPr>
-            <a:r>
-              <a:rPr lang="en-US" sz="1600" dirty="0"/>
-              <a:t>      </a:t>
-            </a:r>
-            <a:r>
-              <a:rPr lang="en-US" sz="1600" dirty="0" err="1"/>
-              <a:t>console.log</a:t>
-            </a:r>
-            <a:r>
-              <a:rPr lang="en-US" sz="1600" dirty="0"/>
-              <a:t>( </a:t>
-            </a:r>
-            <a:r>
-              <a:rPr lang="en-US" sz="1600" dirty="0" smtClean="0"/>
-              <a:t>posts );</a:t>
-            </a:r>
-          </a:p>
-          <a:p>
-            <a:pPr marL="0" indent="0">
-              <a:buNone/>
-            </a:pPr>
-            <a:r>
-              <a:rPr lang="en-US" sz="1600" dirty="0"/>
-              <a:t> </a:t>
-            </a:r>
-            <a:r>
-              <a:rPr lang="en-US" sz="1600" dirty="0" smtClean="0"/>
-              <a:t>   });</a:t>
-            </a:r>
-          </a:p>
-          <a:p>
-            <a:pPr marL="0" indent="0">
-              <a:buNone/>
-            </a:pPr>
-            <a:r>
-              <a:rPr lang="en-US" sz="1600" dirty="0"/>
-              <a:t> </a:t>
-            </a:r>
-            <a:r>
-              <a:rPr lang="en-US" sz="1600" dirty="0" smtClean="0"/>
-              <a:t> })</a:t>
-            </a:r>
-          </a:p>
-          <a:p>
-            <a:pPr marL="0" indent="0">
-              <a:buNone/>
-            </a:pPr>
-            <a:r>
-              <a:rPr lang="en-US" sz="1600" dirty="0"/>
-              <a:t> </a:t>
-            </a:r>
-            <a:r>
-              <a:rPr lang="en-US" sz="1600" dirty="0" smtClean="0"/>
-              <a:t> .catch( err =&gt; {</a:t>
-            </a:r>
-          </a:p>
-          <a:p>
-            <a:pPr marL="0" indent="0">
-              <a:buNone/>
-            </a:pPr>
-            <a:r>
-              <a:rPr lang="en-US" sz="1600" dirty="0"/>
-              <a:t> </a:t>
-            </a:r>
-            <a:r>
-              <a:rPr lang="en-US" sz="1600" dirty="0" smtClean="0"/>
-              <a:t>   </a:t>
-            </a:r>
-            <a:r>
-              <a:rPr lang="en-US" sz="1600" dirty="0" err="1" smtClean="0"/>
-              <a:t>console.log</a:t>
-            </a:r>
-            <a:r>
-              <a:rPr lang="en-US" sz="1600" dirty="0" smtClean="0"/>
-              <a:t>( err );</a:t>
-            </a:r>
-          </a:p>
-          <a:p>
-            <a:pPr marL="0" indent="0">
-              <a:buNone/>
-            </a:pPr>
-            <a:r>
-              <a:rPr lang="en-US" sz="1600" dirty="0"/>
-              <a:t> </a:t>
-            </a:r>
-            <a:r>
-              <a:rPr lang="en-US" sz="1600" dirty="0" smtClean="0"/>
-              <a:t> });</a:t>
-            </a:r>
-            <a:endParaRPr lang="en-US" sz="1600" b="1" dirty="0" smtClean="0">
-              <a:latin typeface="Open Sans Extrabold" charset="0"/>
-              <a:ea typeface="Open Sans Extrabold" charset="0"/>
-              <a:cs typeface="Open Sans Extrabold" charset="0"/>
-            </a:endParaRPr>
-          </a:p>
-        </p:txBody>
-      </p:sp>
-      <p:sp>
-        <p:nvSpPr>
-          <p:cNvPr id="6" name="Rectangle 5"/>
-          <p:cNvSpPr/>
-          <p:nvPr/>
-        </p:nvSpPr>
-        <p:spPr>
-          <a:xfrm>
-            <a:off x="493059" y="289343"/>
-            <a:ext cx="8346141" cy="461665"/>
-          </a:xfrm>
-          <a:prstGeom prst="rect">
-            <a:avLst/>
-          </a:prstGeom>
-        </p:spPr>
-        <p:txBody>
-          <a:bodyPr wrap="square">
-            <a:spAutoFit/>
-          </a:bodyPr>
-          <a:lstStyle/>
-          <a:p>
-            <a:r>
-              <a:rPr lang="en-US" sz="2400" b="1" dirty="0" smtClean="0">
-                <a:latin typeface="Open Sans Extrabold" charset="0"/>
-                <a:ea typeface="Open Sans Extrabold" charset="0"/>
-                <a:cs typeface="Open Sans Extrabold" charset="0"/>
-              </a:rPr>
-              <a:t>JSON &amp; HTTP Cheat </a:t>
-            </a:r>
-            <a:r>
-              <a:rPr lang="en-US" sz="2400" b="1" dirty="0">
-                <a:latin typeface="Open Sans Extrabold" charset="0"/>
-                <a:ea typeface="Open Sans Extrabold" charset="0"/>
-                <a:cs typeface="Open Sans Extrabold" charset="0"/>
-              </a:rPr>
-              <a:t>Sheet</a:t>
-            </a:r>
-          </a:p>
-        </p:txBody>
-      </p:sp>
     </p:spTree>
     <p:extLst>
       <p:ext uri="{BB962C8B-B14F-4D97-AF65-F5344CB8AC3E}">
-        <p14:creationId xmlns:p14="http://schemas.microsoft.com/office/powerpoint/2010/main" val="1212151645"/>
+        <p14:creationId xmlns:p14="http://schemas.microsoft.com/office/powerpoint/2010/main" val="869835742"/>
       </p:ext>
     </p:extLst>
   </p:cSld>
@@ -42032,66 +41689,7 @@
       </p:grpSpPr>
       <p:sp>
         <p:nvSpPr>
-          <p:cNvPr id="2" name="Title 1"/>
-          <p:cNvSpPr>
-            <a:spLocks noGrp="1"/>
-          </p:cNvSpPr>
-          <p:nvPr>
-            <p:ph type="title"/>
-          </p:nvPr>
-        </p:nvSpPr>
-        <p:spPr/>
-        <p:txBody>
-          <a:bodyPr/>
-          <a:lstStyle/>
-          <a:p>
-            <a:r>
-              <a:rPr lang="en-US" dirty="0" smtClean="0"/>
-              <a:t>JSON Practice 03.01</a:t>
-            </a:r>
-            <a:endParaRPr lang="en-US" dirty="0"/>
-          </a:p>
-        </p:txBody>
-      </p:sp>
-      <p:sp>
-        <p:nvSpPr>
           <p:cNvPr id="3" name="Content Placeholder 2"/>
-          <p:cNvSpPr>
-            <a:spLocks noGrp="1"/>
-          </p:cNvSpPr>
-          <p:nvPr>
-            <p:ph idx="1"/>
-          </p:nvPr>
-        </p:nvSpPr>
-        <p:spPr>
-          <a:xfrm>
-            <a:off x="609600" y="1792224"/>
-            <a:ext cx="7924800" cy="2816352"/>
-          </a:xfrm>
-        </p:spPr>
-        <p:txBody>
-          <a:bodyPr/>
-          <a:lstStyle/>
-          <a:p>
-            <a:endParaRPr lang="en-US" dirty="0" smtClean="0"/>
-          </a:p>
-          <a:p>
-            <a:r>
-              <a:rPr lang="en-US" dirty="0" smtClean="0"/>
-              <a:t>Write a valid JSON file for a post</a:t>
-            </a:r>
-          </a:p>
-          <a:p>
-            <a:r>
-              <a:rPr lang="en-US" dirty="0" smtClean="0"/>
-              <a:t>Validate that JSON file online</a:t>
-            </a:r>
-          </a:p>
-        </p:txBody>
-      </p:sp>
-      <p:sp>
-        <p:nvSpPr>
-          <p:cNvPr id="4" name="Content Placeholder 3"/>
           <p:cNvSpPr>
             <a:spLocks noGrp="1"/>
           </p:cNvSpPr>
@@ -42106,20 +41704,700 @@
           <a:p>
             <a:r>
               <a:rPr lang="en-US" dirty="0"/>
-              <a:t>JSON &amp; </a:t>
-            </a:r>
-            <a:r>
-              <a:rPr lang="en-US" dirty="0" smtClean="0"/>
-              <a:t>HTTP</a:t>
-            </a:r>
-            <a:endParaRPr lang="en-US" dirty="0"/>
+              <a:t>JSON &amp; HTTP</a:t>
+            </a:r>
+          </a:p>
+        </p:txBody>
+      </p:sp>
+      <p:sp>
+        <p:nvSpPr>
+          <p:cNvPr id="4" name="Content Placeholder 2"/>
+          <p:cNvSpPr txBox="1">
+            <a:spLocks/>
+          </p:cNvSpPr>
+          <p:nvPr/>
+        </p:nvSpPr>
+        <p:spPr>
+          <a:xfrm>
+            <a:off x="493058" y="968990"/>
+            <a:ext cx="4433784" cy="3397319"/>
+          </a:xfrm>
+          <a:prstGeom prst="rect">
+            <a:avLst/>
+          </a:prstGeom>
+        </p:spPr>
+        <p:txBody>
+          <a:bodyPr/>
+          <a:lstStyle>
+            <a:lvl1pPr marL="251460" indent="-251460" algn="l" defTabSz="914400" rtl="0" eaLnBrk="1" latinLnBrk="0" hangingPunct="1">
+              <a:lnSpc>
+                <a:spcPct val="110000"/>
+              </a:lnSpc>
+              <a:spcBef>
+                <a:spcPts val="800"/>
+              </a:spcBef>
+              <a:buFont typeface="Arial" panose="020B0604020202020204" pitchFamily="34" charset="0"/>
+              <a:buChar char="•"/>
+              <a:defRPr sz="2400" kern="1200">
+                <a:solidFill>
+                  <a:schemeClr val="tx1"/>
+                </a:solidFill>
+                <a:latin typeface="+mn-lt"/>
+                <a:ea typeface="+mn-ea"/>
+                <a:cs typeface="+mn-cs"/>
+              </a:defRPr>
+            </a:lvl1pPr>
+            <a:lvl2pPr marL="742950" indent="-285750" algn="l" defTabSz="914400" rtl="0" eaLnBrk="1" latinLnBrk="0" hangingPunct="1">
+              <a:lnSpc>
+                <a:spcPct val="110000"/>
+              </a:lnSpc>
+              <a:spcBef>
+                <a:spcPts val="800"/>
+              </a:spcBef>
+              <a:buFont typeface="Arial" panose="020B0604020202020204" pitchFamily="34" charset="0"/>
+              <a:buChar char="–"/>
+              <a:defRPr sz="2000" kern="1200">
+                <a:solidFill>
+                  <a:schemeClr val="tx1"/>
+                </a:solidFill>
+                <a:latin typeface="+mn-lt"/>
+                <a:ea typeface="+mn-ea"/>
+                <a:cs typeface="+mn-cs"/>
+              </a:defRPr>
+            </a:lvl2pPr>
+            <a:lvl3pPr marL="1143000" indent="-228600" algn="l" defTabSz="914400" rtl="0" eaLnBrk="1" latinLnBrk="0" hangingPunct="1">
+              <a:lnSpc>
+                <a:spcPct val="110000"/>
+              </a:lnSpc>
+              <a:spcBef>
+                <a:spcPts val="800"/>
+              </a:spcBef>
+              <a:buFont typeface="Arial" panose="020B0604020202020204" pitchFamily="34" charset="0"/>
+              <a:buChar char="•"/>
+              <a:defRPr sz="1800" kern="1200">
+                <a:solidFill>
+                  <a:schemeClr val="tx1"/>
+                </a:solidFill>
+                <a:latin typeface="+mn-lt"/>
+                <a:ea typeface="+mn-ea"/>
+                <a:cs typeface="+mn-cs"/>
+              </a:defRPr>
+            </a:lvl3pPr>
+            <a:lvl4pPr marL="1600200" indent="-228600" algn="l" defTabSz="914400" rtl="0" eaLnBrk="1" latinLnBrk="0" hangingPunct="1">
+              <a:lnSpc>
+                <a:spcPct val="110000"/>
+              </a:lnSpc>
+              <a:spcBef>
+                <a:spcPts val="800"/>
+              </a:spcBef>
+              <a:buFont typeface="Arial" panose="020B0604020202020204" pitchFamily="34" charset="0"/>
+              <a:buChar char="–"/>
+              <a:defRPr sz="1600" kern="1200">
+                <a:solidFill>
+                  <a:schemeClr val="tx1"/>
+                </a:solidFill>
+                <a:latin typeface="+mn-lt"/>
+                <a:ea typeface="+mn-ea"/>
+                <a:cs typeface="+mn-cs"/>
+              </a:defRPr>
+            </a:lvl4pPr>
+            <a:lvl5pPr marL="2057400" indent="-228600" algn="l" defTabSz="914400" rtl="0" eaLnBrk="1" latinLnBrk="0" hangingPunct="1">
+              <a:lnSpc>
+                <a:spcPct val="110000"/>
+              </a:lnSpc>
+              <a:spcBef>
+                <a:spcPts val="800"/>
+              </a:spcBef>
+              <a:buFont typeface="Arial" panose="020B0604020202020204" pitchFamily="34" charset="0"/>
+              <a:buChar char="»"/>
+              <a:defRPr sz="1600" kern="1200">
+                <a:solidFill>
+                  <a:schemeClr val="tx1"/>
+                </a:solidFill>
+                <a:latin typeface="+mn-lt"/>
+                <a:ea typeface="+mn-ea"/>
+                <a:cs typeface="+mn-cs"/>
+              </a:defRPr>
+            </a:lvl5pPr>
+            <a:lvl6pPr marL="2514600" indent="-228600" algn="l" defTabSz="914400" rtl="0" eaLnBrk="1" latinLnBrk="0" hangingPunct="1">
+              <a:spcBef>
+                <a:spcPct val="20000"/>
+              </a:spcBef>
+              <a:buFont typeface="Arial" panose="020B0604020202020204" pitchFamily="34" charset="0"/>
+              <a:buChar char="•"/>
+              <a:defRPr sz="2000" kern="1200">
+                <a:solidFill>
+                  <a:schemeClr val="tx1"/>
+                </a:solidFill>
+                <a:latin typeface="+mn-lt"/>
+                <a:ea typeface="+mn-ea"/>
+                <a:cs typeface="+mn-cs"/>
+              </a:defRPr>
+            </a:lvl6pPr>
+            <a:lvl7pPr marL="2971800" indent="-228600" algn="l" defTabSz="914400" rtl="0" eaLnBrk="1" latinLnBrk="0" hangingPunct="1">
+              <a:spcBef>
+                <a:spcPct val="20000"/>
+              </a:spcBef>
+              <a:buFont typeface="Arial" panose="020B0604020202020204" pitchFamily="34" charset="0"/>
+              <a:buChar char="•"/>
+              <a:defRPr sz="2000" kern="1200">
+                <a:solidFill>
+                  <a:schemeClr val="tx1"/>
+                </a:solidFill>
+                <a:latin typeface="+mn-lt"/>
+                <a:ea typeface="+mn-ea"/>
+                <a:cs typeface="+mn-cs"/>
+              </a:defRPr>
+            </a:lvl7pPr>
+            <a:lvl8pPr marL="3429000" indent="-228600" algn="l" defTabSz="914400" rtl="0" eaLnBrk="1" latinLnBrk="0" hangingPunct="1">
+              <a:spcBef>
+                <a:spcPct val="20000"/>
+              </a:spcBef>
+              <a:buFont typeface="Arial" panose="020B0604020202020204" pitchFamily="34" charset="0"/>
+              <a:buChar char="•"/>
+              <a:defRPr sz="2000" kern="1200">
+                <a:solidFill>
+                  <a:schemeClr val="tx1"/>
+                </a:solidFill>
+                <a:latin typeface="+mn-lt"/>
+                <a:ea typeface="+mn-ea"/>
+                <a:cs typeface="+mn-cs"/>
+              </a:defRPr>
+            </a:lvl8pPr>
+            <a:lvl9pPr marL="3886200" indent="-228600" algn="l" defTabSz="914400" rtl="0" eaLnBrk="1" latinLnBrk="0" hangingPunct="1">
+              <a:spcBef>
+                <a:spcPct val="20000"/>
+              </a:spcBef>
+              <a:buFont typeface="Arial" panose="020B0604020202020204" pitchFamily="34" charset="0"/>
+              <a:buChar char="•"/>
+              <a:defRPr sz="2000" kern="1200">
+                <a:solidFill>
+                  <a:schemeClr val="tx1"/>
+                </a:solidFill>
+                <a:latin typeface="+mn-lt"/>
+                <a:ea typeface="+mn-ea"/>
+                <a:cs typeface="+mn-cs"/>
+              </a:defRPr>
+            </a:lvl9pPr>
+          </a:lstStyle>
+          <a:p>
+            <a:pPr marL="0" indent="0">
+              <a:buFont typeface="Arial" panose="020B0604020202020204" pitchFamily="34" charset="0"/>
+              <a:buNone/>
+            </a:pPr>
+            <a:r>
+              <a:rPr lang="en-US" sz="1600" b="1" dirty="0" smtClean="0">
+                <a:latin typeface="Open Sans Extrabold" charset="0"/>
+                <a:ea typeface="Open Sans Extrabold" charset="0"/>
+                <a:cs typeface="Open Sans Extrabold" charset="0"/>
+              </a:rPr>
+              <a:t>JSON Example</a:t>
+            </a:r>
+          </a:p>
+          <a:p>
+            <a:pPr marL="0" indent="0">
+              <a:buNone/>
+            </a:pPr>
+            <a:r>
+              <a:rPr lang="en-US" sz="1600" dirty="0" smtClean="0"/>
+              <a:t>[{ “title” : “Hello” },</a:t>
+            </a:r>
+            <a:r>
+              <a:rPr lang="en-US" sz="1600" dirty="0"/>
+              <a:t> { “title” : </a:t>
+            </a:r>
+            <a:r>
+              <a:rPr lang="en-US" sz="1600" dirty="0" smtClean="0"/>
+              <a:t>“JSON” }]</a:t>
+            </a:r>
+            <a:endParaRPr lang="en-US" sz="1600" dirty="0"/>
+          </a:p>
+          <a:p>
+            <a:pPr marL="0" indent="0">
+              <a:buNone/>
+            </a:pPr>
+            <a:endParaRPr lang="en-US" sz="1600" dirty="0">
+              <a:latin typeface="Open Sans Extrabold" charset="0"/>
+              <a:ea typeface="Open Sans Extrabold" charset="0"/>
+              <a:cs typeface="Open Sans Extrabold" charset="0"/>
+            </a:endParaRPr>
+          </a:p>
+          <a:p>
+            <a:pPr marL="0" indent="0">
+              <a:buNone/>
+            </a:pPr>
+            <a:r>
+              <a:rPr lang="en-US" sz="1600" b="1" dirty="0" smtClean="0">
+                <a:latin typeface="Open Sans Extrabold" charset="0"/>
+                <a:ea typeface="Open Sans Extrabold" charset="0"/>
+                <a:cs typeface="Open Sans Extrabold" charset="0"/>
+              </a:rPr>
+              <a:t>JS JSON Conversion</a:t>
+            </a:r>
+            <a:endParaRPr lang="en-US" sz="1600" dirty="0" smtClean="0"/>
+          </a:p>
+          <a:p>
+            <a:pPr marL="0" indent="0">
+              <a:buFont typeface="Arial" panose="020B0604020202020204" pitchFamily="34" charset="0"/>
+              <a:buNone/>
+            </a:pPr>
+            <a:r>
+              <a:rPr lang="en-US" sz="1600" dirty="0" smtClean="0"/>
+              <a:t>let posts = </a:t>
+            </a:r>
+            <a:r>
+              <a:rPr lang="en-US" sz="1600" dirty="0" err="1" smtClean="0"/>
+              <a:t>JSON.parse</a:t>
+            </a:r>
+            <a:r>
+              <a:rPr lang="en-US" sz="1600" dirty="0" smtClean="0"/>
+              <a:t>( </a:t>
+            </a:r>
+            <a:r>
+              <a:rPr lang="en-US" sz="1600" dirty="0" err="1" smtClean="0"/>
+              <a:t>postsJSON</a:t>
+            </a:r>
+            <a:r>
+              <a:rPr lang="en-US" sz="1600" dirty="0" smtClean="0"/>
+              <a:t> );</a:t>
+            </a:r>
+          </a:p>
+          <a:p>
+            <a:pPr marL="0" indent="0">
+              <a:buNone/>
+            </a:pPr>
+            <a:r>
+              <a:rPr lang="en-US" sz="1600" dirty="0" smtClean="0"/>
+              <a:t>let </a:t>
+            </a:r>
+            <a:r>
+              <a:rPr lang="en-US" sz="1600" dirty="0" err="1" smtClean="0"/>
+              <a:t>postJSON</a:t>
+            </a:r>
+            <a:r>
+              <a:rPr lang="en-US" sz="1600" dirty="0" smtClean="0"/>
+              <a:t> </a:t>
+            </a:r>
+            <a:r>
+              <a:rPr lang="en-US" sz="1600" dirty="0"/>
+              <a:t>= </a:t>
+            </a:r>
+            <a:r>
+              <a:rPr lang="en-US" sz="1600" dirty="0" err="1" smtClean="0"/>
+              <a:t>JSON.stringify</a:t>
+            </a:r>
+            <a:r>
+              <a:rPr lang="en-US" sz="1600" dirty="0" smtClean="0"/>
+              <a:t>( posts );</a:t>
+            </a:r>
+            <a:endParaRPr lang="en-US" sz="1600" dirty="0"/>
+          </a:p>
+        </p:txBody>
+      </p:sp>
+      <p:sp>
+        <p:nvSpPr>
+          <p:cNvPr id="5" name="Content Placeholder 2"/>
+          <p:cNvSpPr txBox="1">
+            <a:spLocks/>
+          </p:cNvSpPr>
+          <p:nvPr/>
+        </p:nvSpPr>
+        <p:spPr>
+          <a:xfrm>
+            <a:off x="5281684" y="968989"/>
+            <a:ext cx="3557516" cy="3835023"/>
+          </a:xfrm>
+          <a:prstGeom prst="rect">
+            <a:avLst/>
+          </a:prstGeom>
+        </p:spPr>
+        <p:txBody>
+          <a:bodyPr vert="horz" lIns="0" tIns="0" rIns="0" bIns="0" rtlCol="0">
+            <a:noAutofit/>
+          </a:bodyPr>
+          <a:lstStyle>
+            <a:lvl1pPr marL="251460" indent="-251460" algn="l" defTabSz="914400" rtl="0" eaLnBrk="1" latinLnBrk="0" hangingPunct="1">
+              <a:lnSpc>
+                <a:spcPct val="110000"/>
+              </a:lnSpc>
+              <a:spcBef>
+                <a:spcPts val="800"/>
+              </a:spcBef>
+              <a:buFont typeface="Arial" panose="020B0604020202020204" pitchFamily="34" charset="0"/>
+              <a:buChar char="•"/>
+              <a:defRPr sz="2400" kern="1200">
+                <a:solidFill>
+                  <a:schemeClr val="tx1"/>
+                </a:solidFill>
+                <a:latin typeface="+mn-lt"/>
+                <a:ea typeface="+mn-ea"/>
+                <a:cs typeface="+mn-cs"/>
+              </a:defRPr>
+            </a:lvl1pPr>
+            <a:lvl2pPr marL="742950" indent="-285750" algn="l" defTabSz="914400" rtl="0" eaLnBrk="1" latinLnBrk="0" hangingPunct="1">
+              <a:lnSpc>
+                <a:spcPct val="110000"/>
+              </a:lnSpc>
+              <a:spcBef>
+                <a:spcPts val="800"/>
+              </a:spcBef>
+              <a:buFont typeface="Arial" panose="020B0604020202020204" pitchFamily="34" charset="0"/>
+              <a:buChar char="–"/>
+              <a:defRPr sz="2000" kern="1200">
+                <a:solidFill>
+                  <a:schemeClr val="tx1"/>
+                </a:solidFill>
+                <a:latin typeface="+mn-lt"/>
+                <a:ea typeface="+mn-ea"/>
+                <a:cs typeface="+mn-cs"/>
+              </a:defRPr>
+            </a:lvl2pPr>
+            <a:lvl3pPr marL="1143000" indent="-228600" algn="l" defTabSz="914400" rtl="0" eaLnBrk="1" latinLnBrk="0" hangingPunct="1">
+              <a:lnSpc>
+                <a:spcPct val="110000"/>
+              </a:lnSpc>
+              <a:spcBef>
+                <a:spcPts val="800"/>
+              </a:spcBef>
+              <a:buFont typeface="Arial" panose="020B0604020202020204" pitchFamily="34" charset="0"/>
+              <a:buChar char="•"/>
+              <a:defRPr sz="1800" kern="1200">
+                <a:solidFill>
+                  <a:schemeClr val="tx1"/>
+                </a:solidFill>
+                <a:latin typeface="+mn-lt"/>
+                <a:ea typeface="+mn-ea"/>
+                <a:cs typeface="+mn-cs"/>
+              </a:defRPr>
+            </a:lvl3pPr>
+            <a:lvl4pPr marL="1600200" indent="-228600" algn="l" defTabSz="914400" rtl="0" eaLnBrk="1" latinLnBrk="0" hangingPunct="1">
+              <a:lnSpc>
+                <a:spcPct val="110000"/>
+              </a:lnSpc>
+              <a:spcBef>
+                <a:spcPts val="800"/>
+              </a:spcBef>
+              <a:buFont typeface="Arial" panose="020B0604020202020204" pitchFamily="34" charset="0"/>
+              <a:buChar char="–"/>
+              <a:defRPr sz="1600" kern="1200">
+                <a:solidFill>
+                  <a:schemeClr val="tx1"/>
+                </a:solidFill>
+                <a:latin typeface="+mn-lt"/>
+                <a:ea typeface="+mn-ea"/>
+                <a:cs typeface="+mn-cs"/>
+              </a:defRPr>
+            </a:lvl4pPr>
+            <a:lvl5pPr marL="2057400" indent="-228600" algn="l" defTabSz="914400" rtl="0" eaLnBrk="1" latinLnBrk="0" hangingPunct="1">
+              <a:lnSpc>
+                <a:spcPct val="110000"/>
+              </a:lnSpc>
+              <a:spcBef>
+                <a:spcPts val="800"/>
+              </a:spcBef>
+              <a:buFont typeface="Arial" panose="020B0604020202020204" pitchFamily="34" charset="0"/>
+              <a:buChar char="»"/>
+              <a:defRPr sz="1600" kern="1200">
+                <a:solidFill>
+                  <a:schemeClr val="tx1"/>
+                </a:solidFill>
+                <a:latin typeface="+mn-lt"/>
+                <a:ea typeface="+mn-ea"/>
+                <a:cs typeface="+mn-cs"/>
+              </a:defRPr>
+            </a:lvl5pPr>
+            <a:lvl6pPr marL="2514600" indent="-228600" algn="l" defTabSz="914400" rtl="0" eaLnBrk="1" latinLnBrk="0" hangingPunct="1">
+              <a:spcBef>
+                <a:spcPct val="20000"/>
+              </a:spcBef>
+              <a:buFont typeface="Arial" panose="020B0604020202020204" pitchFamily="34" charset="0"/>
+              <a:buChar char="•"/>
+              <a:defRPr sz="2000" kern="1200">
+                <a:solidFill>
+                  <a:schemeClr val="tx1"/>
+                </a:solidFill>
+                <a:latin typeface="+mn-lt"/>
+                <a:ea typeface="+mn-ea"/>
+                <a:cs typeface="+mn-cs"/>
+              </a:defRPr>
+            </a:lvl6pPr>
+            <a:lvl7pPr marL="2971800" indent="-228600" algn="l" defTabSz="914400" rtl="0" eaLnBrk="1" latinLnBrk="0" hangingPunct="1">
+              <a:spcBef>
+                <a:spcPct val="20000"/>
+              </a:spcBef>
+              <a:buFont typeface="Arial" panose="020B0604020202020204" pitchFamily="34" charset="0"/>
+              <a:buChar char="•"/>
+              <a:defRPr sz="2000" kern="1200">
+                <a:solidFill>
+                  <a:schemeClr val="tx1"/>
+                </a:solidFill>
+                <a:latin typeface="+mn-lt"/>
+                <a:ea typeface="+mn-ea"/>
+                <a:cs typeface="+mn-cs"/>
+              </a:defRPr>
+            </a:lvl7pPr>
+            <a:lvl8pPr marL="3429000" indent="-228600" algn="l" defTabSz="914400" rtl="0" eaLnBrk="1" latinLnBrk="0" hangingPunct="1">
+              <a:spcBef>
+                <a:spcPct val="20000"/>
+              </a:spcBef>
+              <a:buFont typeface="Arial" panose="020B0604020202020204" pitchFamily="34" charset="0"/>
+              <a:buChar char="•"/>
+              <a:defRPr sz="2000" kern="1200">
+                <a:solidFill>
+                  <a:schemeClr val="tx1"/>
+                </a:solidFill>
+                <a:latin typeface="+mn-lt"/>
+                <a:ea typeface="+mn-ea"/>
+                <a:cs typeface="+mn-cs"/>
+              </a:defRPr>
+            </a:lvl8pPr>
+            <a:lvl9pPr marL="3886200" indent="-228600" algn="l" defTabSz="914400" rtl="0" eaLnBrk="1" latinLnBrk="0" hangingPunct="1">
+              <a:spcBef>
+                <a:spcPct val="20000"/>
+              </a:spcBef>
+              <a:buFont typeface="Arial" panose="020B0604020202020204" pitchFamily="34" charset="0"/>
+              <a:buChar char="•"/>
+              <a:defRPr sz="2000" kern="1200">
+                <a:solidFill>
+                  <a:schemeClr val="tx1"/>
+                </a:solidFill>
+                <a:latin typeface="+mn-lt"/>
+                <a:ea typeface="+mn-ea"/>
+                <a:cs typeface="+mn-cs"/>
+              </a:defRPr>
+            </a:lvl9pPr>
+          </a:lstStyle>
+          <a:p>
+            <a:pPr marL="0" indent="0">
+              <a:buNone/>
+            </a:pPr>
+            <a:r>
+              <a:rPr lang="en-US" sz="1600" b="1" dirty="0" smtClean="0">
+                <a:latin typeface="Open Sans Extrabold" charset="0"/>
+                <a:ea typeface="Open Sans Extrabold" charset="0"/>
+                <a:cs typeface="Open Sans Extrabold" charset="0"/>
+              </a:rPr>
+              <a:t>Fetch with Promises</a:t>
+            </a:r>
+            <a:endParaRPr lang="en-US" sz="1600" b="1" dirty="0">
+              <a:latin typeface="Open Sans Extrabold" charset="0"/>
+              <a:ea typeface="Open Sans Extrabold" charset="0"/>
+              <a:cs typeface="Open Sans Extrabold" charset="0"/>
+            </a:endParaRPr>
+          </a:p>
+          <a:p>
+            <a:pPr marL="0" indent="0">
+              <a:buNone/>
+            </a:pPr>
+            <a:r>
+              <a:rPr lang="en-US" sz="1600" dirty="0" smtClean="0"/>
+              <a:t>fetch( ‘https://</a:t>
+            </a:r>
+            <a:r>
+              <a:rPr lang="en-US" sz="1600" dirty="0" err="1" smtClean="0"/>
+              <a:t>site.com</a:t>
+            </a:r>
+            <a:r>
+              <a:rPr lang="en-US" sz="1600" dirty="0" smtClean="0"/>
+              <a:t>/</a:t>
+            </a:r>
+            <a:r>
+              <a:rPr lang="en-US" sz="1600" dirty="0" err="1" smtClean="0"/>
+              <a:t>posts.json</a:t>
+            </a:r>
+            <a:r>
+              <a:rPr lang="en-US" sz="1600" dirty="0" smtClean="0"/>
+              <a:t>’ )</a:t>
+            </a:r>
+          </a:p>
+          <a:p>
+            <a:pPr marL="0" indent="0">
+              <a:buNone/>
+            </a:pPr>
+            <a:r>
+              <a:rPr lang="en-US" sz="1600" dirty="0"/>
+              <a:t> </a:t>
+            </a:r>
+            <a:r>
+              <a:rPr lang="en-US" sz="1600" dirty="0" smtClean="0"/>
+              <a:t> .</a:t>
+            </a:r>
+            <a:r>
+              <a:rPr lang="en-US" sz="1600" dirty="0"/>
+              <a:t>then( response =&gt; </a:t>
+            </a:r>
+            <a:r>
+              <a:rPr lang="en-US" sz="1600" dirty="0" smtClean="0"/>
+              <a:t>{</a:t>
+            </a:r>
+            <a:endParaRPr lang="en-US" sz="1600" dirty="0"/>
+          </a:p>
+          <a:p>
+            <a:pPr marL="0" indent="0">
+              <a:buNone/>
+            </a:pPr>
+            <a:r>
+              <a:rPr lang="en-US" sz="1600" dirty="0" smtClean="0"/>
+              <a:t>    </a:t>
+            </a:r>
+            <a:r>
+              <a:rPr lang="en-US" sz="1600" dirty="0" err="1" smtClean="0"/>
+              <a:t>response.json</a:t>
+            </a:r>
+            <a:r>
+              <a:rPr lang="en-US" sz="1600" dirty="0"/>
+              <a:t>().</a:t>
+            </a:r>
+            <a:r>
+              <a:rPr lang="en-US" sz="1600" dirty="0" smtClean="0"/>
+              <a:t>then( posts=&gt; {</a:t>
+            </a:r>
+          </a:p>
+          <a:p>
+            <a:pPr marL="0" indent="0">
+              <a:buNone/>
+            </a:pPr>
+            <a:r>
+              <a:rPr lang="en-US" sz="1600" dirty="0"/>
+              <a:t>      </a:t>
+            </a:r>
+            <a:r>
+              <a:rPr lang="en-US" sz="1600" dirty="0" err="1"/>
+              <a:t>console.log</a:t>
+            </a:r>
+            <a:r>
+              <a:rPr lang="en-US" sz="1600" dirty="0"/>
+              <a:t>( </a:t>
+            </a:r>
+            <a:r>
+              <a:rPr lang="en-US" sz="1600" dirty="0" smtClean="0"/>
+              <a:t>posts );</a:t>
+            </a:r>
+          </a:p>
+          <a:p>
+            <a:pPr marL="0" indent="0">
+              <a:buNone/>
+            </a:pPr>
+            <a:r>
+              <a:rPr lang="en-US" sz="1600" dirty="0"/>
+              <a:t> </a:t>
+            </a:r>
+            <a:r>
+              <a:rPr lang="en-US" sz="1600" dirty="0" smtClean="0"/>
+              <a:t>   });</a:t>
+            </a:r>
+          </a:p>
+          <a:p>
+            <a:pPr marL="0" indent="0">
+              <a:buNone/>
+            </a:pPr>
+            <a:r>
+              <a:rPr lang="en-US" sz="1600" dirty="0"/>
+              <a:t> </a:t>
+            </a:r>
+            <a:r>
+              <a:rPr lang="en-US" sz="1600" dirty="0" smtClean="0"/>
+              <a:t> })</a:t>
+            </a:r>
+          </a:p>
+          <a:p>
+            <a:pPr marL="0" indent="0">
+              <a:buNone/>
+            </a:pPr>
+            <a:r>
+              <a:rPr lang="en-US" sz="1600" dirty="0"/>
+              <a:t> </a:t>
+            </a:r>
+            <a:r>
+              <a:rPr lang="en-US" sz="1600" dirty="0" smtClean="0"/>
+              <a:t> .catch( err =&gt; {</a:t>
+            </a:r>
+          </a:p>
+          <a:p>
+            <a:pPr marL="0" indent="0">
+              <a:buNone/>
+            </a:pPr>
+            <a:r>
+              <a:rPr lang="en-US" sz="1600" dirty="0"/>
+              <a:t> </a:t>
+            </a:r>
+            <a:r>
+              <a:rPr lang="en-US" sz="1600" dirty="0" smtClean="0"/>
+              <a:t>   </a:t>
+            </a:r>
+            <a:r>
+              <a:rPr lang="en-US" sz="1600" dirty="0" err="1" smtClean="0"/>
+              <a:t>console.log</a:t>
+            </a:r>
+            <a:r>
+              <a:rPr lang="en-US" sz="1600" dirty="0" smtClean="0"/>
+              <a:t>( err );</a:t>
+            </a:r>
+          </a:p>
+          <a:p>
+            <a:pPr marL="0" indent="0">
+              <a:buNone/>
+            </a:pPr>
+            <a:r>
+              <a:rPr lang="en-US" sz="1600" dirty="0"/>
+              <a:t> </a:t>
+            </a:r>
+            <a:r>
+              <a:rPr lang="en-US" sz="1600" dirty="0" smtClean="0"/>
+              <a:t> });</a:t>
+            </a:r>
+            <a:endParaRPr lang="en-US" sz="1600" b="1" dirty="0" smtClean="0">
+              <a:latin typeface="Open Sans Extrabold" charset="0"/>
+              <a:ea typeface="Open Sans Extrabold" charset="0"/>
+              <a:cs typeface="Open Sans Extrabold" charset="0"/>
+            </a:endParaRPr>
+          </a:p>
+        </p:txBody>
+      </p:sp>
+      <p:sp>
+        <p:nvSpPr>
+          <p:cNvPr id="6" name="Rectangle 5"/>
+          <p:cNvSpPr/>
+          <p:nvPr/>
+        </p:nvSpPr>
+        <p:spPr>
+          <a:xfrm>
+            <a:off x="493059" y="289343"/>
+            <a:ext cx="8346141" cy="461665"/>
+          </a:xfrm>
+          <a:prstGeom prst="rect">
+            <a:avLst/>
+          </a:prstGeom>
+        </p:spPr>
+        <p:txBody>
+          <a:bodyPr wrap="square">
+            <a:spAutoFit/>
+          </a:bodyPr>
+          <a:lstStyle/>
+          <a:p>
+            <a:r>
+              <a:rPr lang="en-US" sz="2400" b="1" dirty="0" smtClean="0">
+                <a:latin typeface="Open Sans Extrabold" charset="0"/>
+                <a:ea typeface="Open Sans Extrabold" charset="0"/>
+                <a:cs typeface="Open Sans Extrabold" charset="0"/>
+              </a:rPr>
+              <a:t>JSON &amp; HTTP Cheat </a:t>
+            </a:r>
+            <a:r>
+              <a:rPr lang="en-US" sz="2400" b="1" dirty="0">
+                <a:latin typeface="Open Sans Extrabold" charset="0"/>
+                <a:ea typeface="Open Sans Extrabold" charset="0"/>
+                <a:cs typeface="Open Sans Extrabold" charset="0"/>
+              </a:rPr>
+              <a:t>Sheet</a:t>
+            </a:r>
           </a:p>
         </p:txBody>
       </p:sp>
     </p:spTree>
     <p:extLst>
       <p:ext uri="{BB962C8B-B14F-4D97-AF65-F5344CB8AC3E}">
-        <p14:creationId xmlns:p14="http://schemas.microsoft.com/office/powerpoint/2010/main" val="2000640962"/>
+        <p14:creationId xmlns:p14="http://schemas.microsoft.com/office/powerpoint/2010/main" val="1212151645"/>
       </p:ext>
     </p:extLst>
   </p:cSld>
@@ -42170,7 +42448,7 @@
           <a:p>
             <a:r>
               <a:rPr lang="en-US" dirty="0" smtClean="0"/>
-              <a:t>JSON Practice 03.02</a:t>
+              <a:t>JSON Practice 03.01</a:t>
             </a:r>
             <a:endParaRPr lang="en-US" dirty="0"/>
           </a:p>
@@ -42188,8 +42466,8 @@
         </p:nvSpPr>
         <p:spPr>
           <a:xfrm>
-            <a:off x="609600" y="1618488"/>
-            <a:ext cx="7924800" cy="2976134"/>
+            <a:off x="609600" y="1792224"/>
+            <a:ext cx="7924800" cy="2816352"/>
           </a:xfrm>
         </p:spPr>
         <p:txBody>
@@ -42201,13 +42479,13 @@
           <a:p>
             <a:r>
               <a:rPr lang="en-US" dirty="0" smtClean="0"/>
-              <a:t>Make a fetch call to your JSON file</a:t>
+              <a:t>Write a valid JSON file for a post</a:t>
             </a:r>
           </a:p>
           <a:p>
             <a:r>
               <a:rPr lang="en-US" dirty="0" smtClean="0"/>
-              <a:t>Display the post on the page</a:t>
+              <a:t>Validate that JSON file online</a:t>
             </a:r>
           </a:p>
         </p:txBody>
@@ -42242,7 +42520,7 @@
     </p:spTree>
     <p:extLst>
       <p:ext uri="{BB962C8B-B14F-4D97-AF65-F5344CB8AC3E}">
-        <p14:creationId xmlns:p14="http://schemas.microsoft.com/office/powerpoint/2010/main" val="1038779575"/>
+        <p14:creationId xmlns:p14="http://schemas.microsoft.com/office/powerpoint/2010/main" val="2000640962"/>
       </p:ext>
     </p:extLst>
   </p:cSld>
@@ -42293,7 +42571,7 @@
           <a:p>
             <a:r>
               <a:rPr lang="en-US" dirty="0" smtClean="0"/>
-              <a:t>JSON Practice 03.03</a:t>
+              <a:t>JSON Practice 03.02</a:t>
             </a:r>
             <a:endParaRPr lang="en-US" dirty="0"/>
           </a:p>
@@ -42309,7 +42587,12 @@
             <p:ph idx="1"/>
           </p:nvPr>
         </p:nvSpPr>
-        <p:spPr/>
+        <p:spPr>
+          <a:xfrm>
+            <a:off x="609600" y="1618488"/>
+            <a:ext cx="7924800" cy="2976134"/>
+          </a:xfrm>
+        </p:spPr>
         <p:txBody>
           <a:bodyPr/>
           <a:lstStyle/>
@@ -42317,18 +42600,15 @@
             <a:endParaRPr lang="en-US" dirty="0" smtClean="0"/>
           </a:p>
           <a:p>
-            <a:endParaRPr lang="en-US" dirty="0"/>
-          </a:p>
-          <a:p>
             <a:r>
               <a:rPr lang="en-US" dirty="0" smtClean="0"/>
-              <a:t>Make a fetch call to a WP site for posts (5 max)</a:t>
+              <a:t>Make a fetch call to your JSON file</a:t>
             </a:r>
           </a:p>
           <a:p>
             <a:r>
               <a:rPr lang="en-US" dirty="0" smtClean="0"/>
-              <a:t>Display the posts on the page</a:t>
+              <a:t>Display the post on the page</a:t>
             </a:r>
           </a:p>
         </p:txBody>
@@ -42363,7 +42643,7 @@
     </p:spTree>
     <p:extLst>
       <p:ext uri="{BB962C8B-B14F-4D97-AF65-F5344CB8AC3E}">
-        <p14:creationId xmlns:p14="http://schemas.microsoft.com/office/powerpoint/2010/main" val="1596654767"/>
+        <p14:creationId xmlns:p14="http://schemas.microsoft.com/office/powerpoint/2010/main" val="1038779575"/>
       </p:ext>
     </p:extLst>
   </p:cSld>
@@ -42610,7 +42890,7 @@
           <a:p>
             <a:r>
               <a:rPr lang="en-US" dirty="0" smtClean="0"/>
-              <a:t>WP API + JS in a Theme</a:t>
+              <a:t>JSON Practice 03.03</a:t>
             </a:r>
             <a:endParaRPr lang="en-US" dirty="0"/>
           </a:p>
@@ -42626,114 +42906,26 @@
             <p:ph idx="1"/>
           </p:nvPr>
         </p:nvSpPr>
-        <p:spPr>
-          <a:xfrm>
-            <a:off x="609600" y="1392860"/>
-            <a:ext cx="7924800" cy="3181293"/>
-          </a:xfrm>
-        </p:spPr>
+        <p:spPr/>
         <p:txBody>
           <a:bodyPr/>
           <a:lstStyle/>
           <a:p>
-            <a:pPr marL="457200" indent="-457200">
-              <a:buFont typeface="+mj-lt"/>
-              <a:buAutoNum type="arabicPeriod"/>
-            </a:pPr>
-            <a:r>
-              <a:rPr lang="en-US" smtClean="0"/>
-              <a:t>Add </a:t>
-            </a:r>
+            <a:endParaRPr lang="en-US" dirty="0" smtClean="0"/>
+          </a:p>
+          <a:p>
+            <a:endParaRPr lang="en-US" dirty="0"/>
+          </a:p>
+          <a:p>
             <a:r>
               <a:rPr lang="en-US" dirty="0" smtClean="0"/>
-              <a:t>the </a:t>
-            </a:r>
-            <a:r>
-              <a:rPr lang="en-US" dirty="0" err="1" smtClean="0"/>
-              <a:t>apidemo.zip</a:t>
-            </a:r>
+              <a:t>Make a fetch call to a WP site for posts (5 max)</a:t>
+            </a:r>
+          </a:p>
+          <a:p>
             <a:r>
               <a:rPr lang="en-US" dirty="0" smtClean="0"/>
-              <a:t> theme to your WP site</a:t>
-            </a:r>
-          </a:p>
-          <a:p>
-            <a:pPr marL="457200" indent="-457200">
-              <a:buFont typeface="+mj-lt"/>
-              <a:buAutoNum type="arabicPeriod"/>
-            </a:pPr>
-            <a:r>
-              <a:rPr lang="en-US" dirty="0" err="1" smtClean="0"/>
-              <a:t>Functions.php</a:t>
-            </a:r>
-            <a:r>
-              <a:rPr lang="en-US" dirty="0" smtClean="0"/>
-              <a:t> </a:t>
-            </a:r>
-            <a:r>
-              <a:rPr lang="en-US" dirty="0" err="1" smtClean="0"/>
-              <a:t>enqueue</a:t>
-            </a:r>
-            <a:r>
-              <a:rPr lang="en-US" dirty="0" smtClean="0"/>
-              <a:t> </a:t>
-            </a:r>
-            <a:r>
-              <a:rPr lang="en-US" dirty="0" err="1" smtClean="0"/>
-              <a:t>main.js</a:t>
-            </a:r>
-            <a:r>
-              <a:rPr lang="en-US" dirty="0"/>
-              <a:t> </a:t>
-            </a:r>
-            <a:r>
-              <a:rPr lang="en-US" dirty="0" smtClean="0"/>
-              <a:t>with dependency of </a:t>
-            </a:r>
-            <a:r>
-              <a:rPr lang="en-US" dirty="0" err="1" smtClean="0"/>
-              <a:t>wp-api</a:t>
-            </a:r>
-            <a:r>
-              <a:rPr lang="en-US" dirty="0" smtClean="0"/>
-              <a:t> and </a:t>
-            </a:r>
-            <a:r>
-              <a:rPr lang="en-US" dirty="0" err="1" smtClean="0"/>
-              <a:t>jquery</a:t>
-            </a:r>
-            <a:endParaRPr lang="en-US" dirty="0" smtClean="0"/>
-          </a:p>
-          <a:p>
-            <a:pPr marL="457200" indent="-457200">
-              <a:buFont typeface="+mj-lt"/>
-              <a:buAutoNum type="arabicPeriod"/>
-            </a:pPr>
-            <a:r>
-              <a:rPr lang="en-US" dirty="0"/>
-              <a:t>Use new </a:t>
-            </a:r>
-            <a:r>
-              <a:rPr lang="en-US" dirty="0" err="1"/>
-              <a:t>wp.api.collections.Posts</a:t>
-            </a:r>
-            <a:r>
-              <a:rPr lang="en-US" dirty="0" smtClean="0"/>
-              <a:t>() and .fetch to get posts from WP Site</a:t>
-            </a:r>
-          </a:p>
-          <a:p>
-            <a:pPr marL="457200" indent="-457200">
-              <a:buFont typeface="+mj-lt"/>
-              <a:buAutoNum type="arabicPeriod"/>
-            </a:pPr>
-            <a:r>
-              <a:rPr lang="en-US" dirty="0"/>
-              <a:t>Use </a:t>
-            </a:r>
-            <a:r>
-              <a:rPr lang="en-US" dirty="0" smtClean="0"/>
-              <a:t>JavaScript (and jQuery) to add the posts to the page</a:t>
+              <a:t>Display the posts on the page</a:t>
             </a:r>
           </a:p>
         </p:txBody>
@@ -42754,8 +42946,12 @@
           <a:lstStyle/>
           <a:p>
             <a:r>
+              <a:rPr lang="en-US" dirty="0"/>
+              <a:t>JSON &amp; </a:t>
+            </a:r>
+            <a:r>
               <a:rPr lang="en-US" dirty="0" smtClean="0"/>
-              <a:t>WP API + JS in a Theme</a:t>
+              <a:t>HTTP</a:t>
             </a:r>
             <a:endParaRPr lang="en-US" dirty="0"/>
           </a:p>
@@ -42764,7 +42960,7 @@
     </p:spTree>
     <p:extLst>
       <p:ext uri="{BB962C8B-B14F-4D97-AF65-F5344CB8AC3E}">
-        <p14:creationId xmlns:p14="http://schemas.microsoft.com/office/powerpoint/2010/main" val="1632095686"/>
+        <p14:creationId xmlns:p14="http://schemas.microsoft.com/office/powerpoint/2010/main" val="1596654767"/>
       </p:ext>
     </p:extLst>
   </p:cSld>
@@ -42805,6 +43001,211 @@
             <a:spLocks noGrp="1"/>
           </p:cNvSpPr>
           <p:nvPr>
+            <p:ph type="title"/>
+          </p:nvPr>
+        </p:nvSpPr>
+        <p:spPr/>
+        <p:txBody>
+          <a:bodyPr/>
+          <a:lstStyle/>
+          <a:p>
+            <a:r>
+              <a:rPr lang="en-US" dirty="0" smtClean="0"/>
+              <a:t>WP API + JS in a Theme</a:t>
+            </a:r>
+            <a:endParaRPr lang="en-US" dirty="0"/>
+          </a:p>
+        </p:txBody>
+      </p:sp>
+      <p:sp>
+        <p:nvSpPr>
+          <p:cNvPr id="3" name="Content Placeholder 2"/>
+          <p:cNvSpPr>
+            <a:spLocks noGrp="1"/>
+          </p:cNvSpPr>
+          <p:nvPr>
+            <p:ph idx="1"/>
+          </p:nvPr>
+        </p:nvSpPr>
+        <p:spPr>
+          <a:xfrm>
+            <a:off x="609600" y="1392860"/>
+            <a:ext cx="7924800" cy="3181293"/>
+          </a:xfrm>
+        </p:spPr>
+        <p:txBody>
+          <a:bodyPr/>
+          <a:lstStyle/>
+          <a:p>
+            <a:pPr marL="457200" indent="-457200">
+              <a:buFont typeface="+mj-lt"/>
+              <a:buAutoNum type="arabicPeriod"/>
+            </a:pPr>
+            <a:r>
+              <a:rPr lang="en-US" smtClean="0"/>
+              <a:t>Add </a:t>
+            </a:r>
+            <a:r>
+              <a:rPr lang="en-US" dirty="0" smtClean="0"/>
+              <a:t>the </a:t>
+            </a:r>
+            <a:r>
+              <a:rPr lang="en-US" dirty="0" err="1" smtClean="0"/>
+              <a:t>apidemo.zip</a:t>
+            </a:r>
+            <a:r>
+              <a:rPr lang="en-US" dirty="0" smtClean="0"/>
+              <a:t> theme to your WP site</a:t>
+            </a:r>
+          </a:p>
+          <a:p>
+            <a:pPr marL="457200" indent="-457200">
+              <a:buFont typeface="+mj-lt"/>
+              <a:buAutoNum type="arabicPeriod"/>
+            </a:pPr>
+            <a:r>
+              <a:rPr lang="en-US" dirty="0" err="1" smtClean="0"/>
+              <a:t>Functions.php</a:t>
+            </a:r>
+            <a:r>
+              <a:rPr lang="en-US" dirty="0" smtClean="0"/>
+              <a:t> </a:t>
+            </a:r>
+            <a:r>
+              <a:rPr lang="en-US" dirty="0" err="1" smtClean="0"/>
+              <a:t>enqueue</a:t>
+            </a:r>
+            <a:r>
+              <a:rPr lang="en-US" dirty="0" smtClean="0"/>
+              <a:t> </a:t>
+            </a:r>
+            <a:r>
+              <a:rPr lang="en-US" dirty="0" err="1" smtClean="0"/>
+              <a:t>main.js</a:t>
+            </a:r>
+            <a:r>
+              <a:rPr lang="en-US" dirty="0"/>
+              <a:t> </a:t>
+            </a:r>
+            <a:r>
+              <a:rPr lang="en-US" dirty="0" smtClean="0"/>
+              <a:t>with dependency of </a:t>
+            </a:r>
+            <a:r>
+              <a:rPr lang="en-US" dirty="0" err="1" smtClean="0"/>
+              <a:t>wp-api</a:t>
+            </a:r>
+            <a:r>
+              <a:rPr lang="en-US" dirty="0" smtClean="0"/>
+              <a:t> and </a:t>
+            </a:r>
+            <a:r>
+              <a:rPr lang="en-US" dirty="0" err="1" smtClean="0"/>
+              <a:t>jquery</a:t>
+            </a:r>
+            <a:endParaRPr lang="en-US" dirty="0" smtClean="0"/>
+          </a:p>
+          <a:p>
+            <a:pPr marL="457200" indent="-457200">
+              <a:buFont typeface="+mj-lt"/>
+              <a:buAutoNum type="arabicPeriod"/>
+            </a:pPr>
+            <a:r>
+              <a:rPr lang="en-US" dirty="0"/>
+              <a:t>Use new </a:t>
+            </a:r>
+            <a:r>
+              <a:rPr lang="en-US" dirty="0" err="1"/>
+              <a:t>wp.api.collections.Posts</a:t>
+            </a:r>
+            <a:r>
+              <a:rPr lang="en-US" dirty="0" smtClean="0"/>
+              <a:t>() and .fetch to get posts from WP Site</a:t>
+            </a:r>
+          </a:p>
+          <a:p>
+            <a:pPr marL="457200" indent="-457200">
+              <a:buFont typeface="+mj-lt"/>
+              <a:buAutoNum type="arabicPeriod"/>
+            </a:pPr>
+            <a:r>
+              <a:rPr lang="en-US" dirty="0"/>
+              <a:t>Use </a:t>
+            </a:r>
+            <a:r>
+              <a:rPr lang="en-US" dirty="0" smtClean="0"/>
+              <a:t>JavaScript (and jQuery) to add the posts to the page</a:t>
+            </a:r>
+          </a:p>
+        </p:txBody>
+      </p:sp>
+      <p:sp>
+        <p:nvSpPr>
+          <p:cNvPr id="4" name="Content Placeholder 3"/>
+          <p:cNvSpPr>
+            <a:spLocks noGrp="1"/>
+          </p:cNvSpPr>
+          <p:nvPr>
+            <p:ph sz="quarter" idx="11"/>
+          </p:nvPr>
+        </p:nvSpPr>
+        <p:spPr/>
+        <p:txBody>
+          <a:bodyPr/>
+          <a:lstStyle/>
+          <a:p>
+            <a:r>
+              <a:rPr lang="en-US" dirty="0" smtClean="0"/>
+              <a:t>WP API + JS in a Theme</a:t>
+            </a:r>
+            <a:endParaRPr lang="en-US" dirty="0"/>
+          </a:p>
+        </p:txBody>
+      </p:sp>
+    </p:spTree>
+    <p:extLst>
+      <p:ext uri="{BB962C8B-B14F-4D97-AF65-F5344CB8AC3E}">
+        <p14:creationId xmlns:p14="http://schemas.microsoft.com/office/powerpoint/2010/main" val="1632095686"/>
+      </p:ext>
+    </p:extLst>
+  </p:cSld>
+  <p:clrMapOvr>
+    <a:masterClrMapping/>
+  </p:clrMapOvr>
+  <p:timing>
+    <p:tnLst>
+      <p:par>
+        <p:cTn id="1" dur="indefinite" restart="never" nodeType="tmRoot"/>
+      </p:par>
+    </p:tnLst>
+  </p:timing>
+</p:sld>
+</file>
+
+<file path=ppt/slides/slide92.xml><?xml version="1.0" encoding="utf-8"?>
+<p:sld xmlns:a="http://schemas.openxmlformats.org/drawingml/2006/main" xmlns:r="http://schemas.openxmlformats.org/officeDocument/2006/relationships" xmlns:p="http://schemas.openxmlformats.org/presentationml/2006/main">
+  <p:cSld>
+    <p:spTree>
+      <p:nvGrpSpPr>
+        <p:cNvPr id="1" name=""/>
+        <p:cNvGrpSpPr/>
+        <p:nvPr/>
+      </p:nvGrpSpPr>
+      <p:grpSpPr>
+        <a:xfrm>
+          <a:off x="0" y="0"/>
+          <a:ext cx="0" cy="0"/>
+          <a:chOff x="0" y="0"/>
+          <a:chExt cx="0" cy="0"/>
+        </a:xfrm>
+      </p:grpSpPr>
+      <p:sp>
+        <p:nvSpPr>
+          <p:cNvPr id="2" name="Title 1"/>
+          <p:cNvSpPr>
+            <a:spLocks noGrp="1"/>
+          </p:cNvSpPr>
+          <p:nvPr>
             <p:ph type="ctrTitle"/>
           </p:nvPr>
         </p:nvSpPr>
@@ -42916,7 +43317,7 @@
 </p:sld>
 </file>
 
-<file path=ppt/slides/slide92.xml><?xml version="1.0" encoding="utf-8"?>
+<file path=ppt/slides/slide93.xml><?xml version="1.0" encoding="utf-8"?>
 <p:sld xmlns:a="http://schemas.openxmlformats.org/drawingml/2006/main" xmlns:r="http://schemas.openxmlformats.org/officeDocument/2006/relationships" xmlns:p="http://schemas.openxmlformats.org/presentationml/2006/main">
   <p:cSld>
     <p:spTree>
